--- a/slides/TP557_11_Métricas_de_Classificação.pptx
+++ b/slides/TP557_11_Métricas_de_Classificação.pptx
@@ -5,19 +5,23 @@
     <p:sldMasterId id="2147483648" r:id="rId1"/>
   </p:sldMasterIdLst>
   <p:notesMasterIdLst>
-    <p:notesMasterId r:id="rId9"/>
+    <p:notesMasterId r:id="rId13"/>
   </p:notesMasterIdLst>
   <p:handoutMasterIdLst>
-    <p:handoutMasterId r:id="rId10"/>
+    <p:handoutMasterId r:id="rId14"/>
   </p:handoutMasterIdLst>
   <p:sldIdLst>
     <p:sldId id="256" r:id="rId2"/>
     <p:sldId id="406" r:id="rId3"/>
-    <p:sldId id="426" r:id="rId4"/>
-    <p:sldId id="405" r:id="rId5"/>
-    <p:sldId id="293" r:id="rId6"/>
-    <p:sldId id="306" r:id="rId7"/>
-    <p:sldId id="455" r:id="rId8"/>
+    <p:sldId id="456" r:id="rId4"/>
+    <p:sldId id="458" r:id="rId5"/>
+    <p:sldId id="459" r:id="rId6"/>
+    <p:sldId id="457" r:id="rId7"/>
+    <p:sldId id="426" r:id="rId8"/>
+    <p:sldId id="405" r:id="rId9"/>
+    <p:sldId id="293" r:id="rId10"/>
+    <p:sldId id="306" r:id="rId11"/>
+    <p:sldId id="455" r:id="rId12"/>
   </p:sldIdLst>
   <p:sldSz cx="12192000" cy="6858000"/>
   <p:notesSz cx="7315200" cy="9601200"/>
@@ -281,7 +285,7 @@
           <a:p>
             <a:fld id="{144F1436-6906-4D93-B7A2-786C327BFA14}" type="datetimeFigureOut">
               <a:rPr lang="nl-BE" smtClean="0"/>
-              <a:t>24/08/2023</a:t>
+              <a:t>26/08/2023</a:t>
             </a:fld>
             <a:endParaRPr lang="nl-BE"/>
           </a:p>
@@ -446,7 +450,7 @@
           <a:p>
             <a:fld id="{AA8CD09E-2914-4F47-B6C1-51B2C31814C9}" type="datetimeFigureOut">
               <a:rPr lang="pt-BR" smtClean="0"/>
-              <a:t>24/08/2023</a:t>
+              <a:t>26/08/2023</a:t>
             </a:fld>
             <a:endParaRPr lang="pt-BR"/>
           </a:p>
@@ -944,67 +948,22 @@
             </a:pPr>
             <a:r>
               <a:rPr lang="pt-BR" dirty="0"/>
-              <a:t>https://colab.research.google.com/github/zz4fap/tp557-iot-ml/blob/master/examples/Detec%C3%A7%C3%A3o_de_d%C3%ADgitos_escritos_%C3%A0_m%C3%A3o_com_dados_de_valida%C3%A7%C3%A3o_e_teste.ipynb</a:t>
+              <a:t>O</a:t>
             </a:r>
-          </a:p>
-          <a:p>
-            <a:pPr marL="0" marR="0" lvl="0" indent="0" algn="l" defTabSz="914400" rtl="0" eaLnBrk="1" fontAlgn="auto" latinLnBrk="0" hangingPunct="1">
-              <a:lnSpc>
-                <a:spcPct val="100000"/>
-              </a:lnSpc>
-              <a:spcBef>
-                <a:spcPts val="0"/>
-              </a:spcBef>
-              <a:spcAft>
-                <a:spcPts val="0"/>
-              </a:spcAft>
-              <a:buClrTx/>
-              <a:buSzTx/>
-              <a:buFontTx/>
-              <a:buNone/>
-              <a:tabLst/>
-              <a:defRPr/>
-            </a:pPr>
-            <a:endParaRPr lang="pt-BR" dirty="0"/>
-          </a:p>
-          <a:p>
-            <a:pPr marL="0" marR="0" lvl="0" indent="0" algn="l" defTabSz="914400" rtl="0" eaLnBrk="1" fontAlgn="auto" latinLnBrk="0" hangingPunct="1">
-              <a:lnSpc>
-                <a:spcPct val="100000"/>
-              </a:lnSpc>
-              <a:spcBef>
-                <a:spcPts val="0"/>
-              </a:spcBef>
-              <a:spcAft>
-                <a:spcPts val="0"/>
-              </a:spcAft>
-              <a:buClrTx/>
-              <a:buSzTx/>
-              <a:buFontTx/>
-              <a:buNone/>
-              <a:tabLst/>
-              <a:defRPr/>
-            </a:pPr>
-            <a:endParaRPr lang="pt-BR" dirty="0"/>
-          </a:p>
-          <a:p>
-            <a:pPr marL="0" marR="0" lvl="0" indent="0" algn="l" defTabSz="914400" rtl="0" eaLnBrk="1" fontAlgn="auto" latinLnBrk="0" hangingPunct="1">
-              <a:lnSpc>
-                <a:spcPct val="100000"/>
-              </a:lnSpc>
-              <a:spcBef>
-                <a:spcPts val="0"/>
-              </a:spcBef>
-              <a:spcAft>
-                <a:spcPts val="0"/>
-              </a:spcAft>
-              <a:buClrTx/>
-              <a:buSzTx/>
-              <a:buFontTx/>
-              <a:buNone/>
-              <a:tabLst/>
-              <a:defRPr/>
-            </a:pPr>
+            <a:r>
+              <a:rPr lang="pt-BR" sz="1200" dirty="0"/>
+              <a:t>u seja, </a:t>
+            </a:r>
+            <a:r>
+              <a:rPr lang="pt-BR" sz="1200" b="1" i="1" dirty="0"/>
+              <a:t>rotulando incorretamente</a:t>
+            </a:r>
+            <a:r>
+              <a:rPr lang="pt-BR" sz="1200" dirty="0"/>
+              <a:t> os exemplos.</a:t>
+            </a:r>
+          </a:p>
+          <a:p>
             <a:endParaRPr lang="pt-BR" dirty="0"/>
           </a:p>
         </p:txBody>
@@ -1035,7 +994,7 @@
     </p:spTree>
     <p:extLst>
       <p:ext uri="{BB962C8B-B14F-4D97-AF65-F5344CB8AC3E}">
-        <p14:creationId xmlns:p14="http://schemas.microsoft.com/office/powerpoint/2010/main" val="4213120806"/>
+        <p14:creationId xmlns:p14="http://schemas.microsoft.com/office/powerpoint/2010/main" val="1125384621"/>
       </p:ext>
     </p:extLst>
   </p:cSld>
@@ -1089,21 +1048,86 @@
           <a:bodyPr/>
           <a:lstStyle/>
           <a:p>
+            <a:pPr marL="0" marR="0" lvl="0" indent="0" algn="l" defTabSz="914400" rtl="0" eaLnBrk="1" fontAlgn="auto" latinLnBrk="0" hangingPunct="1">
+              <a:lnSpc>
+                <a:spcPct val="100000"/>
+              </a:lnSpc>
+              <a:spcBef>
+                <a:spcPts val="0"/>
+              </a:spcBef>
+              <a:spcAft>
+                <a:spcPts val="0"/>
+              </a:spcAft>
+              <a:buClrTx/>
+              <a:buSzTx/>
+              <a:buFontTx/>
+              <a:buNone/>
+              <a:tabLst/>
+              <a:defRPr/>
+            </a:pPr>
             <a:r>
               <a:rPr lang="pt-BR" dirty="0"/>
-              <a:t>https://colab.research.google.com/github/zz4fap/tp557-iot-ml/blob/master/exercises/Exercicio_datasets.ipynb</a:t>
+              <a:t>https://colab.research.google.com/github/zz4fap/tp557-iot-ml/blob/master/examples/Detec%C3%A7%C3%A3o_de_d%C3%ADgitos_escritos_%C3%A0_m%C3%A3o_com_dados_de_valida%C3%A7%C3%A3o_e_teste.ipynb</a:t>
             </a:r>
           </a:p>
           <a:p>
+            <a:pPr marL="0" marR="0" lvl="0" indent="0" algn="l" defTabSz="914400" rtl="0" eaLnBrk="1" fontAlgn="auto" latinLnBrk="0" hangingPunct="1">
+              <a:lnSpc>
+                <a:spcPct val="100000"/>
+              </a:lnSpc>
+              <a:spcBef>
+                <a:spcPts val="0"/>
+              </a:spcBef>
+              <a:spcAft>
+                <a:spcPts val="0"/>
+              </a:spcAft>
+              <a:buClrTx/>
+              <a:buSzTx/>
+              <a:buFontTx/>
+              <a:buNone/>
+              <a:tabLst/>
+              <a:defRPr/>
+            </a:pPr>
             <a:endParaRPr lang="pt-BR" dirty="0"/>
           </a:p>
           <a:p>
+            <a:pPr marL="0" marR="0" lvl="0" indent="0" algn="l" defTabSz="914400" rtl="0" eaLnBrk="1" fontAlgn="auto" latinLnBrk="0" hangingPunct="1">
+              <a:lnSpc>
+                <a:spcPct val="100000"/>
+              </a:lnSpc>
+              <a:spcBef>
+                <a:spcPts val="0"/>
+              </a:spcBef>
+              <a:spcAft>
+                <a:spcPts val="0"/>
+              </a:spcAft>
+              <a:buClrTx/>
+              <a:buSzTx/>
+              <a:buFontTx/>
+              <a:buNone/>
+              <a:tabLst/>
+              <a:defRPr/>
+            </a:pPr>
             <a:endParaRPr lang="pt-BR" dirty="0"/>
           </a:p>
           <a:p>
-            <a:endParaRPr lang="pt-BR" dirty="0"/>
-          </a:p>
-          <a:p>
+            <a:pPr marL="0" marR="0" lvl="0" indent="0" algn="l" defTabSz="914400" rtl="0" eaLnBrk="1" fontAlgn="auto" latinLnBrk="0" hangingPunct="1">
+              <a:lnSpc>
+                <a:spcPct val="100000"/>
+              </a:lnSpc>
+              <a:spcBef>
+                <a:spcPts val="0"/>
+              </a:spcBef>
+              <a:spcAft>
+                <a:spcPts val="0"/>
+              </a:spcAft>
+              <a:buClrTx/>
+              <a:buSzTx/>
+              <a:buFontTx/>
+              <a:buNone/>
+              <a:tabLst/>
+              <a:defRPr/>
+            </a:pPr>
             <a:endParaRPr lang="pt-BR" dirty="0"/>
           </a:p>
         </p:txBody>
@@ -1125,7 +1149,106 @@
           <a:p>
             <a:fld id="{6FC8D850-966F-45A6-8DE7-15B891E7D40D}" type="slidenum">
               <a:rPr lang="pt-BR" smtClean="0"/>
-              <a:t>4</a:t>
+              <a:t>7</a:t>
+            </a:fld>
+            <a:endParaRPr lang="pt-BR"/>
+          </a:p>
+        </p:txBody>
+      </p:sp>
+    </p:spTree>
+    <p:extLst>
+      <p:ext uri="{BB962C8B-B14F-4D97-AF65-F5344CB8AC3E}">
+        <p14:creationId xmlns:p14="http://schemas.microsoft.com/office/powerpoint/2010/main" val="4213120806"/>
+      </p:ext>
+    </p:extLst>
+  </p:cSld>
+  <p:clrMapOvr>
+    <a:masterClrMapping/>
+  </p:clrMapOvr>
+</p:notes>
+</file>
+
+<file path=ppt/notesSlides/notesSlide5.xml><?xml version="1.0" encoding="utf-8"?>
+<p:notes xmlns:a="http://schemas.openxmlformats.org/drawingml/2006/main" xmlns:r="http://schemas.openxmlformats.org/officeDocument/2006/relationships" xmlns:p="http://schemas.openxmlformats.org/presentationml/2006/main">
+  <p:cSld>
+    <p:spTree>
+      <p:nvGrpSpPr>
+        <p:cNvPr id="1" name=""/>
+        <p:cNvGrpSpPr/>
+        <p:nvPr/>
+      </p:nvGrpSpPr>
+      <p:grpSpPr>
+        <a:xfrm>
+          <a:off x="0" y="0"/>
+          <a:ext cx="0" cy="0"/>
+          <a:chOff x="0" y="0"/>
+          <a:chExt cx="0" cy="0"/>
+        </a:xfrm>
+      </p:grpSpPr>
+      <p:sp>
+        <p:nvSpPr>
+          <p:cNvPr id="2" name="Espaço Reservado para Imagem de Slide 1"/>
+          <p:cNvSpPr>
+            <a:spLocks noGrp="1" noRot="1" noChangeAspect="1"/>
+          </p:cNvSpPr>
+          <p:nvPr>
+            <p:ph type="sldImg"/>
+          </p:nvPr>
+        </p:nvSpPr>
+        <p:spPr/>
+      </p:sp>
+      <p:sp>
+        <p:nvSpPr>
+          <p:cNvPr id="3" name="Espaço Reservado para Anotações 2"/>
+          <p:cNvSpPr>
+            <a:spLocks noGrp="1"/>
+          </p:cNvSpPr>
+          <p:nvPr>
+            <p:ph type="body" idx="1"/>
+          </p:nvPr>
+        </p:nvSpPr>
+        <p:spPr/>
+        <p:txBody>
+          <a:bodyPr/>
+          <a:lstStyle/>
+          <a:p>
+            <a:r>
+              <a:rPr lang="pt-BR" dirty="0"/>
+              <a:t>https://colab.research.google.com/github/zz4fap/tp557-iot-ml/blob/master/exercises/Exercicio_datasets.ipynb</a:t>
+            </a:r>
+          </a:p>
+          <a:p>
+            <a:endParaRPr lang="pt-BR" dirty="0"/>
+          </a:p>
+          <a:p>
+            <a:endParaRPr lang="pt-BR" dirty="0"/>
+          </a:p>
+          <a:p>
+            <a:endParaRPr lang="pt-BR" dirty="0"/>
+          </a:p>
+          <a:p>
+            <a:endParaRPr lang="pt-BR" dirty="0"/>
+          </a:p>
+        </p:txBody>
+      </p:sp>
+      <p:sp>
+        <p:nvSpPr>
+          <p:cNvPr id="4" name="Espaço Reservado para Número de Slide 3"/>
+          <p:cNvSpPr>
+            <a:spLocks noGrp="1"/>
+          </p:cNvSpPr>
+          <p:nvPr>
+            <p:ph type="sldNum" sz="quarter" idx="5"/>
+          </p:nvPr>
+        </p:nvSpPr>
+        <p:spPr/>
+        <p:txBody>
+          <a:bodyPr/>
+          <a:lstStyle/>
+          <a:p>
+            <a:fld id="{6FC8D850-966F-45A6-8DE7-15B891E7D40D}" type="slidenum">
+              <a:rPr lang="pt-BR" smtClean="0"/>
+              <a:t>8</a:t>
             </a:fld>
             <a:endParaRPr lang="pt-BR"/>
           </a:p>
@@ -1291,7 +1414,7 @@
           <a:p>
             <a:fld id="{63289F7E-B80B-496E-81B4-D396C37C9454}" type="datetimeFigureOut">
               <a:rPr lang="pt-BR" smtClean="0"/>
-              <a:t>24/08/2023</a:t>
+              <a:t>26/08/2023</a:t>
             </a:fld>
             <a:endParaRPr lang="pt-BR"/>
           </a:p>
@@ -1489,7 +1612,7 @@
           <a:p>
             <a:fld id="{63289F7E-B80B-496E-81B4-D396C37C9454}" type="datetimeFigureOut">
               <a:rPr lang="pt-BR" smtClean="0"/>
-              <a:t>24/08/2023</a:t>
+              <a:t>26/08/2023</a:t>
             </a:fld>
             <a:endParaRPr lang="pt-BR"/>
           </a:p>
@@ -1697,7 +1820,7 @@
           <a:p>
             <a:fld id="{63289F7E-B80B-496E-81B4-D396C37C9454}" type="datetimeFigureOut">
               <a:rPr lang="pt-BR" smtClean="0"/>
-              <a:t>24/08/2023</a:t>
+              <a:t>26/08/2023</a:t>
             </a:fld>
             <a:endParaRPr lang="pt-BR"/>
           </a:p>
@@ -1895,7 +2018,7 @@
           <a:p>
             <a:fld id="{63289F7E-B80B-496E-81B4-D396C37C9454}" type="datetimeFigureOut">
               <a:rPr lang="pt-BR" smtClean="0"/>
-              <a:t>24/08/2023</a:t>
+              <a:t>26/08/2023</a:t>
             </a:fld>
             <a:endParaRPr lang="pt-BR"/>
           </a:p>
@@ -2170,7 +2293,7 @@
           <a:p>
             <a:fld id="{63289F7E-B80B-496E-81B4-D396C37C9454}" type="datetimeFigureOut">
               <a:rPr lang="pt-BR" smtClean="0"/>
-              <a:t>24/08/2023</a:t>
+              <a:t>26/08/2023</a:t>
             </a:fld>
             <a:endParaRPr lang="pt-BR"/>
           </a:p>
@@ -2435,7 +2558,7 @@
           <a:p>
             <a:fld id="{63289F7E-B80B-496E-81B4-D396C37C9454}" type="datetimeFigureOut">
               <a:rPr lang="pt-BR" smtClean="0"/>
-              <a:t>24/08/2023</a:t>
+              <a:t>26/08/2023</a:t>
             </a:fld>
             <a:endParaRPr lang="pt-BR"/>
           </a:p>
@@ -2847,7 +2970,7 @@
           <a:p>
             <a:fld id="{63289F7E-B80B-496E-81B4-D396C37C9454}" type="datetimeFigureOut">
               <a:rPr lang="pt-BR" smtClean="0"/>
-              <a:t>24/08/2023</a:t>
+              <a:t>26/08/2023</a:t>
             </a:fld>
             <a:endParaRPr lang="pt-BR"/>
           </a:p>
@@ -2988,7 +3111,7 @@
           <a:p>
             <a:fld id="{63289F7E-B80B-496E-81B4-D396C37C9454}" type="datetimeFigureOut">
               <a:rPr lang="pt-BR" smtClean="0"/>
-              <a:t>24/08/2023</a:t>
+              <a:t>26/08/2023</a:t>
             </a:fld>
             <a:endParaRPr lang="pt-BR"/>
           </a:p>
@@ -3101,7 +3224,7 @@
           <a:p>
             <a:fld id="{63289F7E-B80B-496E-81B4-D396C37C9454}" type="datetimeFigureOut">
               <a:rPr lang="pt-BR" smtClean="0"/>
-              <a:t>24/08/2023</a:t>
+              <a:t>26/08/2023</a:t>
             </a:fld>
             <a:endParaRPr lang="pt-BR"/>
           </a:p>
@@ -3412,7 +3535,7 @@
           <a:p>
             <a:fld id="{63289F7E-B80B-496E-81B4-D396C37C9454}" type="datetimeFigureOut">
               <a:rPr lang="pt-BR" smtClean="0"/>
-              <a:t>24/08/2023</a:t>
+              <a:t>26/08/2023</a:t>
             </a:fld>
             <a:endParaRPr lang="pt-BR"/>
           </a:p>
@@ -3700,7 +3823,7 @@
           <a:p>
             <a:fld id="{63289F7E-B80B-496E-81B4-D396C37C9454}" type="datetimeFigureOut">
               <a:rPr lang="pt-BR" smtClean="0"/>
-              <a:t>24/08/2023</a:t>
+              <a:t>26/08/2023</a:t>
             </a:fld>
             <a:endParaRPr lang="pt-BR"/>
           </a:p>
@@ -3941,7 +4064,7 @@
           <a:p>
             <a:fld id="{63289F7E-B80B-496E-81B4-D396C37C9454}" type="datetimeFigureOut">
               <a:rPr lang="pt-BR" smtClean="0"/>
-              <a:t>24/08/2023</a:t>
+              <a:t>26/08/2023</a:t>
             </a:fld>
             <a:endParaRPr lang="pt-BR"/>
           </a:p>
@@ -4597,624 +4720,7 @@
 </p:sld>
 </file>
 
-<file path=ppt/slides/slide2.xml><?xml version="1.0" encoding="utf-8"?>
-<p:sld xmlns:a="http://schemas.openxmlformats.org/drawingml/2006/main" xmlns:r="http://schemas.openxmlformats.org/officeDocument/2006/relationships" xmlns:p="http://schemas.openxmlformats.org/presentationml/2006/main">
-  <p:cSld>
-    <p:spTree>
-      <p:nvGrpSpPr>
-        <p:cNvPr id="1" name=""/>
-        <p:cNvGrpSpPr/>
-        <p:nvPr/>
-      </p:nvGrpSpPr>
-      <p:grpSpPr>
-        <a:xfrm>
-          <a:off x="0" y="0"/>
-          <a:ext cx="0" cy="0"/>
-          <a:chOff x="0" y="0"/>
-          <a:chExt cx="0" cy="0"/>
-        </a:xfrm>
-      </p:grpSpPr>
-      <p:sp>
-        <p:nvSpPr>
-          <p:cNvPr id="2" name="Título 1">
-            <a:extLst>
-              <a:ext uri="{FF2B5EF4-FFF2-40B4-BE49-F238E27FC236}">
-                <a16:creationId xmlns:a16="http://schemas.microsoft.com/office/drawing/2014/main" id="{EECB3FED-5D1A-7084-5333-A3B2FA75F608}"/>
-              </a:ext>
-            </a:extLst>
-          </p:cNvPr>
-          <p:cNvSpPr>
-            <a:spLocks noGrp="1"/>
-          </p:cNvSpPr>
-          <p:nvPr>
-            <p:ph type="title"/>
-          </p:nvPr>
-        </p:nvSpPr>
-        <p:spPr/>
-        <p:txBody>
-          <a:bodyPr/>
-          <a:lstStyle/>
-          <a:p>
-            <a:r>
-              <a:rPr lang="pt-BR" dirty="0"/>
-              <a:t>O que vamos ver?</a:t>
-            </a:r>
-          </a:p>
-        </p:txBody>
-      </p:sp>
-      <p:sp>
-        <p:nvSpPr>
-          <p:cNvPr id="3" name="Espaço Reservado para Conteúdo 2">
-            <a:extLst>
-              <a:ext uri="{FF2B5EF4-FFF2-40B4-BE49-F238E27FC236}">
-                <a16:creationId xmlns:a16="http://schemas.microsoft.com/office/drawing/2014/main" id="{25FE7774-7186-A846-D8DE-518B2CBF4EBD}"/>
-              </a:ext>
-            </a:extLst>
-          </p:cNvPr>
-          <p:cNvSpPr>
-            <a:spLocks noGrp="1"/>
-          </p:cNvSpPr>
-          <p:nvPr>
-            <p:ph idx="1"/>
-          </p:nvPr>
-        </p:nvSpPr>
-        <p:spPr>
-          <a:xfrm>
-            <a:off x="838200" y="1825624"/>
-            <a:ext cx="11035938" cy="5032376"/>
-          </a:xfrm>
-        </p:spPr>
-        <p:txBody>
-          <a:bodyPr>
-            <a:normAutofit/>
-          </a:bodyPr>
-          <a:lstStyle/>
-          <a:p>
-            <a:r>
-              <a:rPr lang="pt-BR" dirty="0"/>
-              <a:t>Anteriormente, </a:t>
-            </a:r>
-          </a:p>
-        </p:txBody>
-      </p:sp>
-    </p:spTree>
-    <p:extLst>
-      <p:ext uri="{BB962C8B-B14F-4D97-AF65-F5344CB8AC3E}">
-        <p14:creationId xmlns:p14="http://schemas.microsoft.com/office/powerpoint/2010/main" val="529739951"/>
-      </p:ext>
-    </p:extLst>
-  </p:cSld>
-  <p:clrMapOvr>
-    <a:masterClrMapping/>
-  </p:clrMapOvr>
-</p:sld>
-</file>
-
-<file path=ppt/slides/slide3.xml><?xml version="1.0" encoding="utf-8"?>
-<p:sld xmlns:a="http://schemas.openxmlformats.org/drawingml/2006/main" xmlns:r="http://schemas.openxmlformats.org/officeDocument/2006/relationships" xmlns:p="http://schemas.openxmlformats.org/presentationml/2006/main">
-  <p:cSld>
-    <p:spTree>
-      <p:nvGrpSpPr>
-        <p:cNvPr id="1" name=""/>
-        <p:cNvGrpSpPr/>
-        <p:nvPr/>
-      </p:nvGrpSpPr>
-      <p:grpSpPr>
-        <a:xfrm>
-          <a:off x="0" y="0"/>
-          <a:ext cx="0" cy="0"/>
-          <a:chOff x="0" y="0"/>
-          <a:chExt cx="0" cy="0"/>
-        </a:xfrm>
-      </p:grpSpPr>
-      <p:sp>
-        <p:nvSpPr>
-          <p:cNvPr id="2" name="Título 1">
-            <a:extLst>
-              <a:ext uri="{FF2B5EF4-FFF2-40B4-BE49-F238E27FC236}">
-                <a16:creationId xmlns:a16="http://schemas.microsoft.com/office/drawing/2014/main" id="{9CD00B3E-85D7-8B25-6629-4A85FF36133A}"/>
-              </a:ext>
-            </a:extLst>
-          </p:cNvPr>
-          <p:cNvSpPr>
-            <a:spLocks noGrp="1"/>
-          </p:cNvSpPr>
-          <p:nvPr>
-            <p:ph type="title"/>
-          </p:nvPr>
-        </p:nvSpPr>
-        <p:spPr/>
-        <p:txBody>
-          <a:bodyPr/>
-          <a:lstStyle/>
-          <a:p>
-            <a:r>
-              <a:rPr lang="pt-BR" dirty="0"/>
-              <a:t>Exemplo</a:t>
-            </a:r>
-          </a:p>
-        </p:txBody>
-      </p:sp>
-      <p:sp>
-        <p:nvSpPr>
-          <p:cNvPr id="3" name="Espaço Reservado para Conteúdo 2">
-            <a:extLst>
-              <a:ext uri="{FF2B5EF4-FFF2-40B4-BE49-F238E27FC236}">
-                <a16:creationId xmlns:a16="http://schemas.microsoft.com/office/drawing/2014/main" id="{9730104F-E6BA-B308-644A-11A7E4939EBD}"/>
-              </a:ext>
-            </a:extLst>
-          </p:cNvPr>
-          <p:cNvSpPr>
-            <a:spLocks noGrp="1"/>
-          </p:cNvSpPr>
-          <p:nvPr>
-            <p:ph idx="1"/>
-          </p:nvPr>
-        </p:nvSpPr>
-        <p:spPr>
-          <a:xfrm>
-            <a:off x="838200" y="1825625"/>
-            <a:ext cx="11157898" cy="4351338"/>
-          </a:xfrm>
-        </p:spPr>
-        <p:txBody>
-          <a:bodyPr/>
-          <a:lstStyle/>
-          <a:p>
-            <a:r>
-              <a:rPr lang="pt-BR" dirty="0"/>
-              <a:t>Exemplo:</a:t>
-            </a:r>
-          </a:p>
-        </p:txBody>
-      </p:sp>
-      <p:pic>
-        <p:nvPicPr>
-          <p:cNvPr id="2050" name="Picture 2" descr="TensorFlow">
-            <a:extLst>
-              <a:ext uri="{FF2B5EF4-FFF2-40B4-BE49-F238E27FC236}">
-                <a16:creationId xmlns:a16="http://schemas.microsoft.com/office/drawing/2014/main" id="{87B75C17-2A48-E33A-B66B-927CA792D831}"/>
-              </a:ext>
-            </a:extLst>
-          </p:cNvPr>
-          <p:cNvPicPr>
-            <a:picLocks noChangeAspect="1" noChangeArrowheads="1"/>
-          </p:cNvPicPr>
-          <p:nvPr/>
-        </p:nvPicPr>
-        <p:blipFill>
-          <a:blip r:embed="rId3">
-            <a:extLst>
-              <a:ext uri="{28A0092B-C50C-407E-A947-70E740481C1C}">
-                <a14:useLocalDpi xmlns:a14="http://schemas.microsoft.com/office/drawing/2010/main" val="0"/>
-              </a:ext>
-            </a:extLst>
-          </a:blip>
-          <a:srcRect/>
-          <a:stretch>
-            <a:fillRect/>
-          </a:stretch>
-        </p:blipFill>
-        <p:spPr bwMode="auto">
-          <a:xfrm>
-            <a:off x="1939875" y="2923470"/>
-            <a:ext cx="4099479" cy="2305957"/>
-          </a:xfrm>
-          <a:prstGeom prst="rect">
-            <a:avLst/>
-          </a:prstGeom>
-          <a:noFill/>
-          <a:extLst>
-            <a:ext uri="{909E8E84-426E-40DD-AFC4-6F175D3DCCD1}">
-              <a14:hiddenFill xmlns:a14="http://schemas.microsoft.com/office/drawing/2010/main">
-                <a:solidFill>
-                  <a:srgbClr val="FFFFFF"/>
-                </a:solidFill>
-              </a14:hiddenFill>
-            </a:ext>
-          </a:extLst>
-        </p:spPr>
-      </p:pic>
-      <p:pic>
-        <p:nvPicPr>
-          <p:cNvPr id="2052" name="Picture 4" descr="Project Jupyter | Try Jupyter">
-            <a:extLst>
-              <a:ext uri="{FF2B5EF4-FFF2-40B4-BE49-F238E27FC236}">
-                <a16:creationId xmlns:a16="http://schemas.microsoft.com/office/drawing/2014/main" id="{FC70A9A5-A2C7-C005-C6C5-A9FF775654D9}"/>
-              </a:ext>
-            </a:extLst>
-          </p:cNvPr>
-          <p:cNvPicPr>
-            <a:picLocks noChangeAspect="1" noChangeArrowheads="1"/>
-          </p:cNvPicPr>
-          <p:nvPr/>
-        </p:nvPicPr>
-        <p:blipFill>
-          <a:blip r:embed="rId4">
-            <a:extLst>
-              <a:ext uri="{28A0092B-C50C-407E-A947-70E740481C1C}">
-                <a14:useLocalDpi xmlns:a14="http://schemas.microsoft.com/office/drawing/2010/main" val="0"/>
-              </a:ext>
-            </a:extLst>
-          </a:blip>
-          <a:srcRect/>
-          <a:stretch>
-            <a:fillRect/>
-          </a:stretch>
-        </p:blipFill>
-        <p:spPr bwMode="auto">
-          <a:xfrm>
-            <a:off x="5203370" y="3167764"/>
-            <a:ext cx="3461657" cy="1817370"/>
-          </a:xfrm>
-          <a:prstGeom prst="rect">
-            <a:avLst/>
-          </a:prstGeom>
-          <a:noFill/>
-          <a:extLst>
-            <a:ext uri="{909E8E84-426E-40DD-AFC4-6F175D3DCCD1}">
-              <a14:hiddenFill xmlns:a14="http://schemas.microsoft.com/office/drawing/2010/main">
-                <a:solidFill>
-                  <a:srgbClr val="FFFFFF"/>
-                </a:solidFill>
-              </a14:hiddenFill>
-            </a:ext>
-          </a:extLst>
-        </p:spPr>
-      </p:pic>
-      <p:pic>
-        <p:nvPicPr>
-          <p:cNvPr id="2056" name="Picture 8" descr="Google Colaboratory Colab - Guía Completa Español - Marketing Branding">
-            <a:extLst>
-              <a:ext uri="{FF2B5EF4-FFF2-40B4-BE49-F238E27FC236}">
-                <a16:creationId xmlns:a16="http://schemas.microsoft.com/office/drawing/2014/main" id="{8A007768-2032-FE11-22C9-9394A0EF02EF}"/>
-              </a:ext>
-            </a:extLst>
-          </p:cNvPr>
-          <p:cNvPicPr>
-            <a:picLocks noChangeAspect="1" noChangeArrowheads="1"/>
-          </p:cNvPicPr>
-          <p:nvPr/>
-        </p:nvPicPr>
-        <p:blipFill rotWithShape="1">
-          <a:blip r:embed="rId5">
-            <a:extLst>
-              <a:ext uri="{28A0092B-C50C-407E-A947-70E740481C1C}">
-                <a14:useLocalDpi xmlns:a14="http://schemas.microsoft.com/office/drawing/2010/main" val="0"/>
-              </a:ext>
-            </a:extLst>
-          </a:blip>
-          <a:srcRect l="5865" r="10641"/>
-          <a:stretch/>
-        </p:blipFill>
-        <p:spPr bwMode="auto">
-          <a:xfrm>
-            <a:off x="8665027" y="2746576"/>
-            <a:ext cx="3331071" cy="2659743"/>
-          </a:xfrm>
-          <a:prstGeom prst="rect">
-            <a:avLst/>
-          </a:prstGeom>
-          <a:noFill/>
-          <a:extLst>
-            <a:ext uri="{909E8E84-426E-40DD-AFC4-6F175D3DCCD1}">
-              <a14:hiddenFill xmlns:a14="http://schemas.microsoft.com/office/drawing/2010/main">
-                <a:solidFill>
-                  <a:srgbClr val="FFFFFF"/>
-                </a:solidFill>
-              </a14:hiddenFill>
-            </a:ext>
-          </a:extLst>
-        </p:spPr>
-      </p:pic>
-      <p:pic>
-        <p:nvPicPr>
-          <p:cNvPr id="2058" name="Picture 10" descr="IT12A01: FUNDAMENTALS OF PYTHON PROGRAMMING (SF) (SYNCHRONOUS E-LEARNING) -  NTUC LearningHub">
-            <a:extLst>
-              <a:ext uri="{FF2B5EF4-FFF2-40B4-BE49-F238E27FC236}">
-                <a16:creationId xmlns:a16="http://schemas.microsoft.com/office/drawing/2014/main" id="{80EDF8DB-E749-8471-3ACA-2FFE3006FC46}"/>
-              </a:ext>
-            </a:extLst>
-          </p:cNvPr>
-          <p:cNvPicPr>
-            <a:picLocks noChangeAspect="1" noChangeArrowheads="1"/>
-          </p:cNvPicPr>
-          <p:nvPr/>
-        </p:nvPicPr>
-        <p:blipFill rotWithShape="1">
-          <a:blip r:embed="rId6">
-            <a:extLst>
-              <a:ext uri="{28A0092B-C50C-407E-A947-70E740481C1C}">
-                <a14:useLocalDpi xmlns:a14="http://schemas.microsoft.com/office/drawing/2010/main" val="0"/>
-              </a:ext>
-            </a:extLst>
-          </a:blip>
-          <a:srcRect l="23319" r="20198"/>
-          <a:stretch/>
-        </p:blipFill>
-        <p:spPr bwMode="auto">
-          <a:xfrm>
-            <a:off x="304800" y="3167764"/>
-            <a:ext cx="1894114" cy="1877924"/>
-          </a:xfrm>
-          <a:prstGeom prst="rect">
-            <a:avLst/>
-          </a:prstGeom>
-          <a:noFill/>
-          <a:extLst>
-            <a:ext uri="{909E8E84-426E-40DD-AFC4-6F175D3DCCD1}">
-              <a14:hiddenFill xmlns:a14="http://schemas.microsoft.com/office/drawing/2010/main">
-                <a:solidFill>
-                  <a:srgbClr val="FFFFFF"/>
-                </a:solidFill>
-              </a14:hiddenFill>
-            </a:ext>
-          </a:extLst>
-        </p:spPr>
-      </p:pic>
-      <p:sp>
-        <p:nvSpPr>
-          <p:cNvPr id="8" name="Sinal de Adição 7">
-            <a:extLst>
-              <a:ext uri="{FF2B5EF4-FFF2-40B4-BE49-F238E27FC236}">
-                <a16:creationId xmlns:a16="http://schemas.microsoft.com/office/drawing/2014/main" id="{89317CF7-D83C-5980-45A9-863C64A2BE61}"/>
-              </a:ext>
-            </a:extLst>
-          </p:cNvPr>
-          <p:cNvSpPr>
-            <a:spLocks noChangeAspect="1"/>
-          </p:cNvSpPr>
-          <p:nvPr/>
-        </p:nvSpPr>
-        <p:spPr>
-          <a:xfrm>
-            <a:off x="2198914" y="3535968"/>
-            <a:ext cx="468000" cy="468000"/>
-          </a:xfrm>
-          <a:prstGeom prst="mathPlus">
-            <a:avLst/>
-          </a:prstGeom>
-        </p:spPr>
-        <p:style>
-          <a:lnRef idx="2">
-            <a:schemeClr val="accent1">
-              <a:shade val="15000"/>
-            </a:schemeClr>
-          </a:lnRef>
-          <a:fillRef idx="1">
-            <a:schemeClr val="accent1"/>
-          </a:fillRef>
-          <a:effectRef idx="0">
-            <a:schemeClr val="accent1"/>
-          </a:effectRef>
-          <a:fontRef idx="minor">
-            <a:schemeClr val="lt1"/>
-          </a:fontRef>
-        </p:style>
-        <p:txBody>
-          <a:bodyPr rtlCol="0" anchor="ctr"/>
-          <a:lstStyle/>
-          <a:p>
-            <a:pPr algn="ctr"/>
-            <a:endParaRPr lang="pt-BR"/>
-          </a:p>
-        </p:txBody>
-      </p:sp>
-      <p:sp>
-        <p:nvSpPr>
-          <p:cNvPr id="10" name="Sinal de Adição 9">
-            <a:extLst>
-              <a:ext uri="{FF2B5EF4-FFF2-40B4-BE49-F238E27FC236}">
-                <a16:creationId xmlns:a16="http://schemas.microsoft.com/office/drawing/2014/main" id="{C6DC4B29-EABA-20F7-BB46-C33BEC93E2DD}"/>
-              </a:ext>
-            </a:extLst>
-          </p:cNvPr>
-          <p:cNvSpPr>
-            <a:spLocks noChangeAspect="1"/>
-          </p:cNvSpPr>
-          <p:nvPr/>
-        </p:nvSpPr>
-        <p:spPr>
-          <a:xfrm>
-            <a:off x="5279613" y="3535968"/>
-            <a:ext cx="468000" cy="468000"/>
-          </a:xfrm>
-          <a:prstGeom prst="mathPlus">
-            <a:avLst/>
-          </a:prstGeom>
-        </p:spPr>
-        <p:style>
-          <a:lnRef idx="2">
-            <a:schemeClr val="accent1">
-              <a:shade val="15000"/>
-            </a:schemeClr>
-          </a:lnRef>
-          <a:fillRef idx="1">
-            <a:schemeClr val="accent1"/>
-          </a:fillRef>
-          <a:effectRef idx="0">
-            <a:schemeClr val="accent1"/>
-          </a:effectRef>
-          <a:fontRef idx="minor">
-            <a:schemeClr val="lt1"/>
-          </a:fontRef>
-        </p:style>
-        <p:txBody>
-          <a:bodyPr rtlCol="0" anchor="ctr"/>
-          <a:lstStyle/>
-          <a:p>
-            <a:pPr algn="ctr"/>
-            <a:endParaRPr lang="pt-BR"/>
-          </a:p>
-        </p:txBody>
-      </p:sp>
-      <p:sp>
-        <p:nvSpPr>
-          <p:cNvPr id="11" name="Sinal de Adição 10">
-            <a:extLst>
-              <a:ext uri="{FF2B5EF4-FFF2-40B4-BE49-F238E27FC236}">
-                <a16:creationId xmlns:a16="http://schemas.microsoft.com/office/drawing/2014/main" id="{FF65B64B-136B-DCC4-8A01-509D3D5CD19F}"/>
-              </a:ext>
-            </a:extLst>
-          </p:cNvPr>
-          <p:cNvSpPr>
-            <a:spLocks noChangeAspect="1"/>
-          </p:cNvSpPr>
-          <p:nvPr/>
-        </p:nvSpPr>
-        <p:spPr>
-          <a:xfrm>
-            <a:off x="7968386" y="3533294"/>
-            <a:ext cx="468000" cy="468000"/>
-          </a:xfrm>
-          <a:prstGeom prst="mathPlus">
-            <a:avLst/>
-          </a:prstGeom>
-        </p:spPr>
-        <p:style>
-          <a:lnRef idx="2">
-            <a:schemeClr val="accent1">
-              <a:shade val="15000"/>
-            </a:schemeClr>
-          </a:lnRef>
-          <a:fillRef idx="1">
-            <a:schemeClr val="accent1"/>
-          </a:fillRef>
-          <a:effectRef idx="0">
-            <a:schemeClr val="accent1"/>
-          </a:effectRef>
-          <a:fontRef idx="minor">
-            <a:schemeClr val="lt1"/>
-          </a:fontRef>
-        </p:style>
-        <p:txBody>
-          <a:bodyPr rtlCol="0" anchor="ctr"/>
-          <a:lstStyle/>
-          <a:p>
-            <a:pPr algn="ctr"/>
-            <a:endParaRPr lang="pt-BR"/>
-          </a:p>
-        </p:txBody>
-      </p:sp>
-    </p:spTree>
-    <p:extLst>
-      <p:ext uri="{BB962C8B-B14F-4D97-AF65-F5344CB8AC3E}">
-        <p14:creationId xmlns:p14="http://schemas.microsoft.com/office/powerpoint/2010/main" val="94961935"/>
-      </p:ext>
-    </p:extLst>
-  </p:cSld>
-  <p:clrMapOvr>
-    <a:masterClrMapping/>
-  </p:clrMapOvr>
-</p:sld>
-</file>
-
-<file path=ppt/slides/slide4.xml><?xml version="1.0" encoding="utf-8"?>
-<p:sld xmlns:a="http://schemas.openxmlformats.org/drawingml/2006/main" xmlns:r="http://schemas.openxmlformats.org/officeDocument/2006/relationships" xmlns:p="http://schemas.openxmlformats.org/presentationml/2006/main">
-  <p:cSld>
-    <p:spTree>
-      <p:nvGrpSpPr>
-        <p:cNvPr id="1" name=""/>
-        <p:cNvGrpSpPr/>
-        <p:nvPr/>
-      </p:nvGrpSpPr>
-      <p:grpSpPr>
-        <a:xfrm>
-          <a:off x="0" y="0"/>
-          <a:ext cx="0" cy="0"/>
-          <a:chOff x="0" y="0"/>
-          <a:chExt cx="0" cy="0"/>
-        </a:xfrm>
-      </p:grpSpPr>
-      <p:sp>
-        <p:nvSpPr>
-          <p:cNvPr id="2" name="Título 1">
-            <a:extLst>
-              <a:ext uri="{FF2B5EF4-FFF2-40B4-BE49-F238E27FC236}">
-                <a16:creationId xmlns:a16="http://schemas.microsoft.com/office/drawing/2014/main" id="{2755BD9F-A5F9-C006-2D60-3988AFB742AA}"/>
-              </a:ext>
-            </a:extLst>
-          </p:cNvPr>
-          <p:cNvSpPr>
-            <a:spLocks noGrp="1"/>
-          </p:cNvSpPr>
-          <p:nvPr>
-            <p:ph type="title"/>
-          </p:nvPr>
-        </p:nvSpPr>
-        <p:spPr/>
-        <p:txBody>
-          <a:bodyPr/>
-          <a:lstStyle/>
-          <a:p>
-            <a:r>
-              <a:rPr lang="pt-BR" dirty="0"/>
-              <a:t>Atividades</a:t>
-            </a:r>
-          </a:p>
-        </p:txBody>
-      </p:sp>
-      <p:sp>
-        <p:nvSpPr>
-          <p:cNvPr id="3" name="Espaço Reservado para Conteúdo 2">
-            <a:extLst>
-              <a:ext uri="{FF2B5EF4-FFF2-40B4-BE49-F238E27FC236}">
-                <a16:creationId xmlns:a16="http://schemas.microsoft.com/office/drawing/2014/main" id="{DE398648-3AD3-9986-3010-6210876DC9B1}"/>
-              </a:ext>
-            </a:extLst>
-          </p:cNvPr>
-          <p:cNvSpPr>
-            <a:spLocks noGrp="1"/>
-          </p:cNvSpPr>
-          <p:nvPr>
-            <p:ph idx="1"/>
-          </p:nvPr>
-        </p:nvSpPr>
-        <p:spPr>
-          <a:xfrm>
-            <a:off x="838200" y="1825625"/>
-            <a:ext cx="10849304" cy="4351338"/>
-          </a:xfrm>
-        </p:spPr>
-        <p:txBody>
-          <a:bodyPr/>
-          <a:lstStyle/>
-          <a:p>
-            <a:r>
-              <a:rPr lang="pt-BR" dirty="0"/>
-              <a:t>Quiz: “</a:t>
-            </a:r>
-            <a:r>
-              <a:rPr lang="pt-BR" b="1" i="1" dirty="0"/>
-              <a:t>TP557 – Métricas para análise de classificadores</a:t>
-            </a:r>
-            <a:r>
-              <a:rPr lang="pt-BR" dirty="0"/>
-              <a:t>”.</a:t>
-            </a:r>
-          </a:p>
-          <a:p>
-            <a:r>
-              <a:rPr lang="pt-BR" dirty="0"/>
-              <a:t>Exercício:</a:t>
-            </a:r>
-          </a:p>
-        </p:txBody>
-      </p:sp>
-    </p:spTree>
-    <p:extLst>
-      <p:ext uri="{BB962C8B-B14F-4D97-AF65-F5344CB8AC3E}">
-        <p14:creationId xmlns:p14="http://schemas.microsoft.com/office/powerpoint/2010/main" val="2918520294"/>
-      </p:ext>
-    </p:extLst>
-  </p:cSld>
-  <p:clrMapOvr>
-    <a:masterClrMapping/>
-  </p:clrMapOvr>
-</p:sld>
-</file>
-
-<file path=ppt/slides/slide5.xml><?xml version="1.0" encoding="utf-8"?>
+<file path=ppt/slides/slide10.xml><?xml version="1.0" encoding="utf-8"?>
 <p:sld xmlns:a="http://schemas.openxmlformats.org/drawingml/2006/main" xmlns:r="http://schemas.openxmlformats.org/officeDocument/2006/relationships" xmlns:p="http://schemas.openxmlformats.org/presentationml/2006/main">
   <p:cSld>
     <p:spTree>
@@ -5281,92 +4787,6 @@
             <a:pPr algn="ctr"/>
             <a:r>
               <a:rPr lang="pt-BR" sz="6600" dirty="0"/>
-              <a:t>Perguntas?</a:t>
-            </a:r>
-            <a:endParaRPr lang="pt-BR" sz="6600" b="1" i="1" dirty="0"/>
-          </a:p>
-        </p:txBody>
-      </p:sp>
-    </p:spTree>
-    <p:extLst>
-      <p:ext uri="{BB962C8B-B14F-4D97-AF65-F5344CB8AC3E}">
-        <p14:creationId xmlns:p14="http://schemas.microsoft.com/office/powerpoint/2010/main" val="1975981511"/>
-      </p:ext>
-    </p:extLst>
-  </p:cSld>
-  <p:clrMapOvr>
-    <a:masterClrMapping/>
-  </p:clrMapOvr>
-</p:sld>
-</file>
-
-<file path=ppt/slides/slide6.xml><?xml version="1.0" encoding="utf-8"?>
-<p:sld xmlns:a="http://schemas.openxmlformats.org/drawingml/2006/main" xmlns:r="http://schemas.openxmlformats.org/officeDocument/2006/relationships" xmlns:p="http://schemas.openxmlformats.org/presentationml/2006/main">
-  <p:cSld>
-    <p:spTree>
-      <p:nvGrpSpPr>
-        <p:cNvPr id="1" name=""/>
-        <p:cNvGrpSpPr/>
-        <p:nvPr/>
-      </p:nvGrpSpPr>
-      <p:grpSpPr>
-        <a:xfrm>
-          <a:off x="0" y="0"/>
-          <a:ext cx="0" cy="0"/>
-          <a:chOff x="0" y="0"/>
-          <a:chExt cx="0" cy="0"/>
-        </a:xfrm>
-      </p:grpSpPr>
-      <p:sp>
-        <p:nvSpPr>
-          <p:cNvPr id="4" name="Título 1">
-            <a:extLst>
-              <a:ext uri="{FF2B5EF4-FFF2-40B4-BE49-F238E27FC236}">
-                <a16:creationId xmlns:a16="http://schemas.microsoft.com/office/drawing/2014/main" id="{32666AC8-2E17-4DB4-B0F5-60C640CCFD2E}"/>
-              </a:ext>
-            </a:extLst>
-          </p:cNvPr>
-          <p:cNvSpPr txBox="1">
-            <a:spLocks/>
-          </p:cNvSpPr>
-          <p:nvPr/>
-        </p:nvSpPr>
-        <p:spPr>
-          <a:xfrm>
-            <a:off x="1431533" y="2720526"/>
-            <a:ext cx="9144000" cy="1029541"/>
-          </a:xfrm>
-          <a:prstGeom prst="rect">
-            <a:avLst/>
-          </a:prstGeom>
-        </p:spPr>
-        <p:txBody>
-          <a:bodyPr vert="horz" lIns="91440" tIns="45720" rIns="91440" bIns="45720" rtlCol="0" anchor="ctr">
-            <a:normAutofit/>
-          </a:bodyPr>
-          <a:lstStyle>
-            <a:lvl1pPr algn="l" defTabSz="914400" rtl="0" eaLnBrk="1" latinLnBrk="0" hangingPunct="1">
-              <a:lnSpc>
-                <a:spcPct val="90000"/>
-              </a:lnSpc>
-              <a:spcBef>
-                <a:spcPct val="0"/>
-              </a:spcBef>
-              <a:buNone/>
-              <a:defRPr sz="4400" kern="1200">
-                <a:solidFill>
-                  <a:schemeClr val="tx1"/>
-                </a:solidFill>
-                <a:latin typeface="+mj-lt"/>
-                <a:ea typeface="+mj-ea"/>
-                <a:cs typeface="+mj-cs"/>
-              </a:defRPr>
-            </a:lvl1pPr>
-          </a:lstStyle>
-          <a:p>
-            <a:pPr algn="ctr"/>
-            <a:r>
-              <a:rPr lang="pt-BR" sz="6600" dirty="0"/>
               <a:t>Obrigado!</a:t>
             </a:r>
             <a:endParaRPr lang="pt-BR" sz="6600" b="1" i="1" dirty="0"/>
@@ -5386,7 +4806,7 @@
 </p:sld>
 </file>
 
-<file path=ppt/slides/slide7.xml><?xml version="1.0" encoding="utf-8"?>
+<file path=ppt/slides/slide11.xml><?xml version="1.0" encoding="utf-8"?>
 <p:sld xmlns:a="http://schemas.openxmlformats.org/drawingml/2006/main" xmlns:r="http://schemas.openxmlformats.org/officeDocument/2006/relationships" xmlns:p="http://schemas.openxmlformats.org/presentationml/2006/main">
   <p:cSld>
     <p:spTree>
@@ -10927,6 +10347,3641 @@
     <p:extLst>
       <p:ext uri="{BB962C8B-B14F-4D97-AF65-F5344CB8AC3E}">
         <p14:creationId xmlns:p14="http://schemas.microsoft.com/office/powerpoint/2010/main" val="147337237"/>
+      </p:ext>
+    </p:extLst>
+  </p:cSld>
+  <p:clrMapOvr>
+    <a:masterClrMapping/>
+  </p:clrMapOvr>
+</p:sld>
+</file>
+
+<file path=ppt/slides/slide2.xml><?xml version="1.0" encoding="utf-8"?>
+<p:sld xmlns:a="http://schemas.openxmlformats.org/drawingml/2006/main" xmlns:r="http://schemas.openxmlformats.org/officeDocument/2006/relationships" xmlns:p="http://schemas.openxmlformats.org/presentationml/2006/main">
+  <p:cSld>
+    <p:spTree>
+      <p:nvGrpSpPr>
+        <p:cNvPr id="1" name=""/>
+        <p:cNvGrpSpPr/>
+        <p:nvPr/>
+      </p:nvGrpSpPr>
+      <p:grpSpPr>
+        <a:xfrm>
+          <a:off x="0" y="0"/>
+          <a:ext cx="0" cy="0"/>
+          <a:chOff x="0" y="0"/>
+          <a:chExt cx="0" cy="0"/>
+        </a:xfrm>
+      </p:grpSpPr>
+      <p:sp>
+        <p:nvSpPr>
+          <p:cNvPr id="2" name="Título 1">
+            <a:extLst>
+              <a:ext uri="{FF2B5EF4-FFF2-40B4-BE49-F238E27FC236}">
+                <a16:creationId xmlns:a16="http://schemas.microsoft.com/office/drawing/2014/main" id="{EECB3FED-5D1A-7084-5333-A3B2FA75F608}"/>
+              </a:ext>
+            </a:extLst>
+          </p:cNvPr>
+          <p:cNvSpPr>
+            <a:spLocks noGrp="1"/>
+          </p:cNvSpPr>
+          <p:nvPr>
+            <p:ph type="title"/>
+          </p:nvPr>
+        </p:nvSpPr>
+        <p:spPr/>
+        <p:txBody>
+          <a:bodyPr/>
+          <a:lstStyle/>
+          <a:p>
+            <a:r>
+              <a:rPr lang="pt-BR" dirty="0"/>
+              <a:t>O que vamos ver?</a:t>
+            </a:r>
+          </a:p>
+        </p:txBody>
+      </p:sp>
+      <p:sp>
+        <p:nvSpPr>
+          <p:cNvPr id="3" name="Espaço Reservado para Conteúdo 2">
+            <a:extLst>
+              <a:ext uri="{FF2B5EF4-FFF2-40B4-BE49-F238E27FC236}">
+                <a16:creationId xmlns:a16="http://schemas.microsoft.com/office/drawing/2014/main" id="{25FE7774-7186-A846-D8DE-518B2CBF4EBD}"/>
+              </a:ext>
+            </a:extLst>
+          </p:cNvPr>
+          <p:cNvSpPr>
+            <a:spLocks noGrp="1"/>
+          </p:cNvSpPr>
+          <p:nvPr>
+            <p:ph idx="1"/>
+          </p:nvPr>
+        </p:nvSpPr>
+        <p:spPr>
+          <a:xfrm>
+            <a:off x="838200" y="1825624"/>
+            <a:ext cx="11035938" cy="5032376"/>
+          </a:xfrm>
+        </p:spPr>
+        <p:txBody>
+          <a:bodyPr>
+            <a:normAutofit/>
+          </a:bodyPr>
+          <a:lstStyle/>
+          <a:p>
+            <a:r>
+              <a:rPr lang="pt-BR" dirty="0"/>
+              <a:t>Anteriormente, discutimos problemas que podemos nos deparar quando trabalhando com modelos de ML: subajuste e sobreajuste. </a:t>
+            </a:r>
+          </a:p>
+          <a:p>
+            <a:r>
+              <a:rPr lang="pt-BR" dirty="0"/>
+              <a:t>Vimos como a divisão do conjunto total de amostras em conjuntos de treinamento, validação e teste pode nos ajudar a analisar o desempenho de um modelo de ML e entender se o modelo está subajustando, sobreajustando ou generalizando.</a:t>
+            </a:r>
+          </a:p>
+          <a:p>
+            <a:r>
+              <a:rPr lang="pt-BR" dirty="0"/>
+              <a:t>Para fazer esta análise do desempenho de um classificador, usamos apenas a acurácia. </a:t>
+            </a:r>
+          </a:p>
+          <a:p>
+            <a:r>
+              <a:rPr lang="pt-BR" dirty="0"/>
+              <a:t>Porém, existem outras métricas que devem ser usadas para se medir a qualidade de um classificador.</a:t>
+            </a:r>
+          </a:p>
+          <a:p>
+            <a:r>
+              <a:rPr lang="pt-BR" dirty="0"/>
+              <a:t>Neste tópico, veremos algumas outras métricas.</a:t>
+            </a:r>
+          </a:p>
+        </p:txBody>
+      </p:sp>
+    </p:spTree>
+    <p:extLst>
+      <p:ext uri="{BB962C8B-B14F-4D97-AF65-F5344CB8AC3E}">
+        <p14:creationId xmlns:p14="http://schemas.microsoft.com/office/powerpoint/2010/main" val="529739951"/>
+      </p:ext>
+    </p:extLst>
+  </p:cSld>
+  <p:clrMapOvr>
+    <a:masterClrMapping/>
+  </p:clrMapOvr>
+</p:sld>
+</file>
+
+<file path=ppt/slides/slide3.xml><?xml version="1.0" encoding="utf-8"?>
+<p:sld xmlns:a="http://schemas.openxmlformats.org/drawingml/2006/main" xmlns:r="http://schemas.openxmlformats.org/officeDocument/2006/relationships" xmlns:p="http://schemas.openxmlformats.org/presentationml/2006/main">
+  <p:cSld>
+    <p:spTree>
+      <p:nvGrpSpPr>
+        <p:cNvPr id="1" name=""/>
+        <p:cNvGrpSpPr/>
+        <p:nvPr/>
+      </p:nvGrpSpPr>
+      <p:grpSpPr>
+        <a:xfrm>
+          <a:off x="0" y="0"/>
+          <a:ext cx="0" cy="0"/>
+          <a:chOff x="0" y="0"/>
+          <a:chExt cx="0" cy="0"/>
+        </a:xfrm>
+      </p:grpSpPr>
+      <p:sp>
+        <p:nvSpPr>
+          <p:cNvPr id="2" name="Título 1">
+            <a:extLst>
+              <a:ext uri="{FF2B5EF4-FFF2-40B4-BE49-F238E27FC236}">
+                <a16:creationId xmlns:a16="http://schemas.microsoft.com/office/drawing/2014/main" id="{C738E7C4-65BB-5A05-5DF4-FF60F520CB58}"/>
+              </a:ext>
+            </a:extLst>
+          </p:cNvPr>
+          <p:cNvSpPr>
+            <a:spLocks noGrp="1"/>
+          </p:cNvSpPr>
+          <p:nvPr>
+            <p:ph type="title"/>
+          </p:nvPr>
+        </p:nvSpPr>
+        <p:spPr/>
+        <p:txBody>
+          <a:bodyPr/>
+          <a:lstStyle/>
+          <a:p>
+            <a:r>
+              <a:rPr lang="pt-BR" dirty="0"/>
+              <a:t>Matriz de confusão</a:t>
+            </a:r>
+          </a:p>
+        </p:txBody>
+      </p:sp>
+      <mc:AlternateContent xmlns:mc="http://schemas.openxmlformats.org/markup-compatibility/2006" xmlns:a14="http://schemas.microsoft.com/office/drawing/2010/main">
+        <mc:Choice Requires="a14">
+          <p:sp>
+            <p:nvSpPr>
+              <p:cNvPr id="3" name="Espaço Reservado para Conteúdo 2">
+                <a:extLst>
+                  <a:ext uri="{FF2B5EF4-FFF2-40B4-BE49-F238E27FC236}">
+                    <a16:creationId xmlns:a16="http://schemas.microsoft.com/office/drawing/2014/main" id="{40ABD154-3AFD-0036-3D3B-BDE0F6C2A332}"/>
+                  </a:ext>
+                </a:extLst>
+              </p:cNvPr>
+              <p:cNvSpPr>
+                <a:spLocks noGrp="1"/>
+              </p:cNvSpPr>
+              <p:nvPr>
+                <p:ph idx="1"/>
+              </p:nvPr>
+            </p:nvSpPr>
+            <p:spPr>
+              <a:xfrm>
+                <a:off x="5633156" y="1825624"/>
+                <a:ext cx="6423377" cy="5032375"/>
+              </a:xfrm>
+            </p:spPr>
+            <p:txBody>
+              <a:bodyPr>
+                <a:normAutofit lnSpcReduction="10000"/>
+              </a:bodyPr>
+              <a:lstStyle/>
+              <a:p>
+                <a:r>
+                  <a:rPr lang="pt-BR" sz="2800" dirty="0"/>
+                  <a:t>O nome, </a:t>
+                </a:r>
+                <a:r>
+                  <a:rPr lang="pt-BR" sz="2800" b="1" i="1" dirty="0"/>
+                  <a:t>matriz de confusão</a:t>
+                </a:r>
+                <a:r>
+                  <a:rPr lang="pt-BR" b="1" i="1" dirty="0"/>
+                  <a:t> </a:t>
+                </a:r>
+                <a:r>
+                  <a:rPr lang="pt-BR" dirty="0"/>
+                  <a:t>mostra o quanto um </a:t>
+                </a:r>
+                <a:r>
+                  <a:rPr lang="pt-BR" sz="2800" dirty="0"/>
+                  <a:t>classificador está se </a:t>
+                </a:r>
+                <a:r>
+                  <a:rPr lang="pt-BR" sz="2800" b="1" i="1" dirty="0"/>
+                  <a:t>confundindo</a:t>
+                </a:r>
+                <a:r>
+                  <a:rPr lang="pt-BR" sz="2800" dirty="0"/>
+                  <a:t>.</a:t>
+                </a:r>
+              </a:p>
+              <a:p>
+                <a:r>
+                  <a:rPr lang="pt-BR" sz="2800" dirty="0"/>
+                  <a:t>A matriz permite verificar quais classes o </a:t>
+                </a:r>
+                <a:r>
+                  <a:rPr lang="pt-BR" sz="2800" b="1" i="1" dirty="0"/>
+                  <a:t>classificador</a:t>
+                </a:r>
+                <a:r>
+                  <a:rPr lang="pt-BR" sz="2800" dirty="0"/>
+                  <a:t> tem maior dificuldade em classificar.</a:t>
+                </a:r>
+              </a:p>
+              <a:p>
+                <a:r>
+                  <a:rPr lang="pt-BR" sz="2800" dirty="0"/>
+                  <a:t>A </a:t>
+                </a:r>
+                <a:r>
+                  <a:rPr lang="pt-BR" sz="2800" b="1" i="1" dirty="0"/>
+                  <a:t>matriz de confusão</a:t>
+                </a:r>
+                <a:r>
+                  <a:rPr lang="pt-BR" sz="2800" dirty="0"/>
+                  <a:t> contabiliza o número de classificações corretas e incorretas para cada uma das </a:t>
+                </a:r>
+                <a14:m>
+                  <m:oMath xmlns:m="http://schemas.openxmlformats.org/officeDocument/2006/math">
+                    <m:r>
+                      <a:rPr lang="pt-BR" sz="2800" i="1">
+                        <a:latin typeface="Cambria Math" panose="02040503050406030204" pitchFamily="18" charset="0"/>
+                        <a:ea typeface="Cambria Math" panose="02040503050406030204" pitchFamily="18" charset="0"/>
+                      </a:rPr>
+                      <m:t>𝑄</m:t>
+                    </m:r>
+                    <m:r>
+                      <a:rPr lang="pt-BR" sz="2800" i="1">
+                        <a:latin typeface="Cambria Math" panose="02040503050406030204" pitchFamily="18" charset="0"/>
+                        <a:ea typeface="Cambria Math" panose="02040503050406030204" pitchFamily="18" charset="0"/>
+                      </a:rPr>
+                      <m:t> </m:t>
+                    </m:r>
+                  </m:oMath>
+                </a14:m>
+                <a:r>
+                  <a:rPr lang="pt-BR" sz="2800" dirty="0"/>
+                  <a:t>classes existentes. </a:t>
+                </a:r>
+              </a:p>
+              <a:p>
+                <a:r>
+                  <a:rPr lang="pt-BR" dirty="0"/>
+                  <a:t>É uma matriz quadrada com dimensões </a:t>
+                </a:r>
+                <a:r>
+                  <a:rPr lang="pt-BR" sz="2800" b="1" i="1" dirty="0"/>
+                  <a:t> </a:t>
+                </a:r>
+                <a14:m>
+                  <m:oMath xmlns:m="http://schemas.openxmlformats.org/officeDocument/2006/math">
+                    <m:sSup>
+                      <m:sSupPr>
+                        <m:ctrlPr>
+                          <a:rPr lang="pt-BR" sz="2800" i="1">
+                            <a:latin typeface="Cambria Math" panose="02040503050406030204" pitchFamily="18" charset="0"/>
+                            <a:ea typeface="Cambria Math" panose="02040503050406030204" pitchFamily="18" charset="0"/>
+                          </a:rPr>
+                        </m:ctrlPr>
+                      </m:sSupPr>
+                      <m:e>
+                        <m:r>
+                          <a:rPr lang="pt-BR" sz="2800" i="1">
+                            <a:latin typeface="Cambria Math" panose="02040503050406030204" pitchFamily="18" charset="0"/>
+                            <a:ea typeface="Cambria Math" panose="02040503050406030204" pitchFamily="18" charset="0"/>
+                          </a:rPr>
+                          <m:t>ℝ</m:t>
+                        </m:r>
+                      </m:e>
+                      <m:sup>
+                        <m:r>
+                          <a:rPr lang="pt-BR" sz="2800" i="1">
+                            <a:latin typeface="Cambria Math" panose="02040503050406030204" pitchFamily="18" charset="0"/>
+                            <a:ea typeface="Cambria Math" panose="02040503050406030204" pitchFamily="18" charset="0"/>
+                          </a:rPr>
+                          <m:t>𝑄</m:t>
+                        </m:r>
+                        <m:r>
+                          <a:rPr lang="pt-BR" sz="2800" i="1">
+                            <a:latin typeface="Cambria Math" panose="02040503050406030204" pitchFamily="18" charset="0"/>
+                            <a:ea typeface="Cambria Math" panose="02040503050406030204" pitchFamily="18" charset="0"/>
+                          </a:rPr>
+                          <m:t>×</m:t>
+                        </m:r>
+                        <m:r>
+                          <a:rPr lang="pt-BR" sz="2800" i="1">
+                            <a:latin typeface="Cambria Math" panose="02040503050406030204" pitchFamily="18" charset="0"/>
+                            <a:ea typeface="Cambria Math" panose="02040503050406030204" pitchFamily="18" charset="0"/>
+                          </a:rPr>
+                          <m:t>𝑄</m:t>
+                        </m:r>
+                      </m:sup>
+                    </m:sSup>
+                  </m:oMath>
+                </a14:m>
+                <a:r>
+                  <a:rPr lang="pt-BR" sz="2800" dirty="0"/>
+                  <a:t>.</a:t>
+                </a:r>
+              </a:p>
+            </p:txBody>
+          </p:sp>
+        </mc:Choice>
+        <mc:Fallback xmlns="">
+          <p:sp>
+            <p:nvSpPr>
+              <p:cNvPr id="3" name="Espaço Reservado para Conteúdo 2">
+                <a:extLst>
+                  <a:ext uri="{FF2B5EF4-FFF2-40B4-BE49-F238E27FC236}">
+                    <a16:creationId xmlns:a16="http://schemas.microsoft.com/office/drawing/2014/main" id="{40ABD154-3AFD-0036-3D3B-BDE0F6C2A332}"/>
+                  </a:ext>
+                </a:extLst>
+              </p:cNvPr>
+              <p:cNvSpPr>
+                <a:spLocks noGrp="1" noRot="1" noChangeAspect="1" noMove="1" noResize="1" noEditPoints="1" noAdjustHandles="1" noChangeArrowheads="1" noChangeShapeType="1" noTextEdit="1"/>
+              </p:cNvSpPr>
+              <p:nvPr>
+                <p:ph idx="1"/>
+              </p:nvPr>
+            </p:nvSpPr>
+            <p:spPr>
+              <a:xfrm>
+                <a:off x="5633156" y="1825624"/>
+                <a:ext cx="6423377" cy="5032375"/>
+              </a:xfrm>
+              <a:blipFill>
+                <a:blip r:embed="rId3"/>
+                <a:stretch>
+                  <a:fillRect l="-1708" t="-2663" r="-1044"/>
+                </a:stretch>
+              </a:blipFill>
+            </p:spPr>
+            <p:txBody>
+              <a:bodyPr/>
+              <a:lstStyle/>
+              <a:p>
+                <a:r>
+                  <a:rPr lang="pt-BR">
+                    <a:noFill/>
+                  </a:rPr>
+                  <a:t> </a:t>
+                </a:r>
+              </a:p>
+            </p:txBody>
+          </p:sp>
+        </mc:Fallback>
+      </mc:AlternateContent>
+      <mc:AlternateContent xmlns:mc="http://schemas.openxmlformats.org/markup-compatibility/2006" xmlns:a14="http://schemas.microsoft.com/office/drawing/2010/main">
+        <mc:Choice Requires="a14">
+          <p:sp>
+            <p:nvSpPr>
+              <p:cNvPr id="5" name="CaixaDeTexto 4">
+                <a:extLst>
+                  <a:ext uri="{FF2B5EF4-FFF2-40B4-BE49-F238E27FC236}">
+                    <a16:creationId xmlns:a16="http://schemas.microsoft.com/office/drawing/2014/main" id="{9FE2C07F-02D2-0345-E394-150F01C017C4}"/>
+                  </a:ext>
+                </a:extLst>
+              </p:cNvPr>
+              <p:cNvSpPr txBox="1"/>
+              <p:nvPr/>
+            </p:nvSpPr>
+            <p:spPr>
+              <a:xfrm>
+                <a:off x="293509" y="2680677"/>
+                <a:ext cx="4854223" cy="2122312"/>
+              </a:xfrm>
+              <a:prstGeom prst="rect">
+                <a:avLst/>
+              </a:prstGeom>
+              <a:noFill/>
+            </p:spPr>
+            <p:txBody>
+              <a:bodyPr wrap="square">
+                <a:spAutoFit/>
+              </a:bodyPr>
+              <a:lstStyle/>
+              <a:p>
+                <a:pPr/>
+                <a14:m>
+                  <m:oMathPara xmlns:m="http://schemas.openxmlformats.org/officeDocument/2006/math">
+                    <m:oMathParaPr>
+                      <m:jc m:val="centerGroup"/>
+                    </m:oMathParaPr>
+                    <m:oMath xmlns:m="http://schemas.openxmlformats.org/officeDocument/2006/math">
+                      <m:r>
+                        <a:rPr lang="pt-BR" sz="3200" b="1" i="1" smtClean="0">
+                          <a:latin typeface="Cambria Math" panose="02040503050406030204" pitchFamily="18" charset="0"/>
+                        </a:rPr>
+                        <m:t>𝑪</m:t>
+                      </m:r>
+                      <m:r>
+                        <a:rPr lang="pt-BR" sz="3200" b="0" i="1" smtClean="0">
+                          <a:latin typeface="Cambria Math" panose="02040503050406030204" pitchFamily="18" charset="0"/>
+                        </a:rPr>
+                        <m:t>=</m:t>
+                      </m:r>
+                      <m:d>
+                        <m:dPr>
+                          <m:begChr m:val="["/>
+                          <m:endChr m:val="]"/>
+                          <m:ctrlPr>
+                            <a:rPr lang="pt-BR" sz="3200" b="0" i="1" smtClean="0">
+                              <a:latin typeface="Cambria Math" panose="02040503050406030204" pitchFamily="18" charset="0"/>
+                            </a:rPr>
+                          </m:ctrlPr>
+                        </m:dPr>
+                        <m:e>
+                          <m:m>
+                            <m:mPr>
+                              <m:mcs>
+                                <m:mc>
+                                  <m:mcPr>
+                                    <m:count m:val="3"/>
+                                    <m:mcJc m:val="center"/>
+                                  </m:mcPr>
+                                </m:mc>
+                              </m:mcs>
+                              <m:ctrlPr>
+                                <a:rPr lang="pt-BR" sz="3200" b="0" i="1" smtClean="0">
+                                  <a:latin typeface="Cambria Math" panose="02040503050406030204" pitchFamily="18" charset="0"/>
+                                </a:rPr>
+                              </m:ctrlPr>
+                            </m:mPr>
+                            <m:mr>
+                              <m:e>
+                                <m:m>
+                                  <m:mPr>
+                                    <m:mcs>
+                                      <m:mc>
+                                        <m:mcPr>
+                                          <m:count m:val="1"/>
+                                          <m:mcJc m:val="center"/>
+                                        </m:mcPr>
+                                      </m:mc>
+                                    </m:mcs>
+                                    <m:ctrlPr>
+                                      <a:rPr lang="pt-BR" sz="3200" b="0" i="1" smtClean="0">
+                                        <a:latin typeface="Cambria Math" panose="02040503050406030204" pitchFamily="18" charset="0"/>
+                                      </a:rPr>
+                                    </m:ctrlPr>
+                                  </m:mPr>
+                                  <m:mr>
+                                    <m:e>
+                                      <m:m>
+                                        <m:mPr>
+                                          <m:mcs>
+                                            <m:mc>
+                                              <m:mcPr>
+                                                <m:count m:val="2"/>
+                                                <m:mcJc m:val="center"/>
+                                              </m:mcPr>
+                                            </m:mc>
+                                          </m:mcs>
+                                          <m:ctrlPr>
+                                            <a:rPr lang="pt-BR" sz="3200" b="0" i="1" smtClean="0">
+                                              <a:latin typeface="Cambria Math" panose="02040503050406030204" pitchFamily="18" charset="0"/>
+                                            </a:rPr>
+                                          </m:ctrlPr>
+                                        </m:mPr>
+                                        <m:mr>
+                                          <m:e>
+                                            <m:sSub>
+                                              <m:sSubPr>
+                                                <m:ctrlPr>
+                                                  <a:rPr lang="pt-BR" sz="3200" i="1">
+                                                    <a:latin typeface="Cambria Math" panose="02040503050406030204" pitchFamily="18" charset="0"/>
+                                                  </a:rPr>
+                                                </m:ctrlPr>
+                                              </m:sSubPr>
+                                              <m:e>
+                                                <m:r>
+                                                  <a:rPr lang="pt-BR" sz="3200" i="1">
+                                                    <a:latin typeface="Cambria Math" panose="02040503050406030204" pitchFamily="18" charset="0"/>
+                                                  </a:rPr>
+                                                  <m:t>𝐶</m:t>
+                                                </m:r>
+                                              </m:e>
+                                              <m:sub>
+                                                <m:r>
+                                                  <a:rPr lang="pt-BR" sz="3200" i="1">
+                                                    <a:latin typeface="Cambria Math" panose="02040503050406030204" pitchFamily="18" charset="0"/>
+                                                  </a:rPr>
+                                                  <m:t>11</m:t>
+                                                </m:r>
+                                              </m:sub>
+                                            </m:sSub>
+                                          </m:e>
+                                          <m:e>
+                                            <m:sSub>
+                                              <m:sSubPr>
+                                                <m:ctrlPr>
+                                                  <a:rPr lang="pt-BR" sz="3200" i="1">
+                                                    <a:latin typeface="Cambria Math" panose="02040503050406030204" pitchFamily="18" charset="0"/>
+                                                  </a:rPr>
+                                                </m:ctrlPr>
+                                              </m:sSubPr>
+                                              <m:e>
+                                                <m:r>
+                                                  <a:rPr lang="pt-BR" sz="3200" i="1">
+                                                    <a:latin typeface="Cambria Math" panose="02040503050406030204" pitchFamily="18" charset="0"/>
+                                                  </a:rPr>
+                                                  <m:t>𝐶</m:t>
+                                                </m:r>
+                                              </m:e>
+                                              <m:sub>
+                                                <m:r>
+                                                  <a:rPr lang="pt-BR" sz="3200" i="1">
+                                                    <a:latin typeface="Cambria Math" panose="02040503050406030204" pitchFamily="18" charset="0"/>
+                                                  </a:rPr>
+                                                  <m:t>1</m:t>
+                                                </m:r>
+                                                <m:r>
+                                                  <a:rPr lang="pt-BR" sz="3200" b="0" i="1" smtClean="0">
+                                                    <a:latin typeface="Cambria Math" panose="02040503050406030204" pitchFamily="18" charset="0"/>
+                                                  </a:rPr>
+                                                  <m:t>2</m:t>
+                                                </m:r>
+                                              </m:sub>
+                                            </m:sSub>
+                                          </m:e>
+                                        </m:mr>
+                                      </m:m>
+                                    </m:e>
+                                  </m:mr>
+                                  <m:mr>
+                                    <m:e>
+                                      <m:m>
+                                        <m:mPr>
+                                          <m:mcs>
+                                            <m:mc>
+                                              <m:mcPr>
+                                                <m:count m:val="2"/>
+                                                <m:mcJc m:val="center"/>
+                                              </m:mcPr>
+                                            </m:mc>
+                                          </m:mcs>
+                                          <m:ctrlPr>
+                                            <a:rPr lang="pt-BR" sz="3200" b="0" i="1" smtClean="0">
+                                              <a:latin typeface="Cambria Math" panose="02040503050406030204" pitchFamily="18" charset="0"/>
+                                            </a:rPr>
+                                          </m:ctrlPr>
+                                        </m:mPr>
+                                        <m:mr>
+                                          <m:e>
+                                            <m:sSub>
+                                              <m:sSubPr>
+                                                <m:ctrlPr>
+                                                  <a:rPr lang="pt-BR" sz="3200" i="1">
+                                                    <a:latin typeface="Cambria Math" panose="02040503050406030204" pitchFamily="18" charset="0"/>
+                                                  </a:rPr>
+                                                </m:ctrlPr>
+                                              </m:sSubPr>
+                                              <m:e>
+                                                <m:r>
+                                                  <a:rPr lang="pt-BR" sz="3200" i="1">
+                                                    <a:latin typeface="Cambria Math" panose="02040503050406030204" pitchFamily="18" charset="0"/>
+                                                  </a:rPr>
+                                                  <m:t>𝐶</m:t>
+                                                </m:r>
+                                              </m:e>
+                                              <m:sub>
+                                                <m:r>
+                                                  <a:rPr lang="pt-BR" sz="3200" b="0" i="1" smtClean="0">
+                                                    <a:latin typeface="Cambria Math" panose="02040503050406030204" pitchFamily="18" charset="0"/>
+                                                  </a:rPr>
+                                                  <m:t>2</m:t>
+                                                </m:r>
+                                                <m:r>
+                                                  <a:rPr lang="pt-BR" sz="3200" i="1">
+                                                    <a:latin typeface="Cambria Math" panose="02040503050406030204" pitchFamily="18" charset="0"/>
+                                                  </a:rPr>
+                                                  <m:t>1</m:t>
+                                                </m:r>
+                                              </m:sub>
+                                            </m:sSub>
+                                          </m:e>
+                                          <m:e>
+                                            <m:sSub>
+                                              <m:sSubPr>
+                                                <m:ctrlPr>
+                                                  <a:rPr lang="pt-BR" sz="3200" i="1">
+                                                    <a:latin typeface="Cambria Math" panose="02040503050406030204" pitchFamily="18" charset="0"/>
+                                                  </a:rPr>
+                                                </m:ctrlPr>
+                                              </m:sSubPr>
+                                              <m:e>
+                                                <m:r>
+                                                  <a:rPr lang="pt-BR" sz="3200" i="1">
+                                                    <a:latin typeface="Cambria Math" panose="02040503050406030204" pitchFamily="18" charset="0"/>
+                                                  </a:rPr>
+                                                  <m:t>𝐶</m:t>
+                                                </m:r>
+                                              </m:e>
+                                              <m:sub>
+                                                <m:r>
+                                                  <a:rPr lang="pt-BR" sz="3200" b="0" i="1" smtClean="0">
+                                                    <a:latin typeface="Cambria Math" panose="02040503050406030204" pitchFamily="18" charset="0"/>
+                                                  </a:rPr>
+                                                  <m:t>22</m:t>
+                                                </m:r>
+                                              </m:sub>
+                                            </m:sSub>
+                                          </m:e>
+                                        </m:mr>
+                                      </m:m>
+                                    </m:e>
+                                  </m:mr>
+                                </m:m>
+                              </m:e>
+                              <m:e>
+                                <m:r>
+                                  <a:rPr lang="pt-BR" sz="3200" b="0" i="1" smtClean="0">
+                                    <a:latin typeface="Cambria Math" panose="02040503050406030204" pitchFamily="18" charset="0"/>
+                                  </a:rPr>
+                                  <m:t>⋯</m:t>
+                                </m:r>
+                              </m:e>
+                              <m:e>
+                                <m:m>
+                                  <m:mPr>
+                                    <m:mcs>
+                                      <m:mc>
+                                        <m:mcPr>
+                                          <m:count m:val="1"/>
+                                          <m:mcJc m:val="center"/>
+                                        </m:mcPr>
+                                      </m:mc>
+                                    </m:mcs>
+                                    <m:ctrlPr>
+                                      <a:rPr lang="pt-BR" sz="3200" b="0" i="1" smtClean="0">
+                                        <a:latin typeface="Cambria Math" panose="02040503050406030204" pitchFamily="18" charset="0"/>
+                                      </a:rPr>
+                                    </m:ctrlPr>
+                                  </m:mPr>
+                                  <m:mr>
+                                    <m:e>
+                                      <m:sSub>
+                                        <m:sSubPr>
+                                          <m:ctrlPr>
+                                            <a:rPr lang="pt-BR" sz="3200" i="1">
+                                              <a:latin typeface="Cambria Math" panose="02040503050406030204" pitchFamily="18" charset="0"/>
+                                            </a:rPr>
+                                          </m:ctrlPr>
+                                        </m:sSubPr>
+                                        <m:e>
+                                          <m:r>
+                                            <a:rPr lang="pt-BR" sz="3200" i="1">
+                                              <a:latin typeface="Cambria Math" panose="02040503050406030204" pitchFamily="18" charset="0"/>
+                                            </a:rPr>
+                                            <m:t>𝐶</m:t>
+                                          </m:r>
+                                        </m:e>
+                                        <m:sub>
+                                          <m:r>
+                                            <a:rPr lang="pt-BR" sz="3200" i="1">
+                                              <a:latin typeface="Cambria Math" panose="02040503050406030204" pitchFamily="18" charset="0"/>
+                                            </a:rPr>
+                                            <m:t>1</m:t>
+                                          </m:r>
+                                          <m:r>
+                                            <a:rPr lang="pt-BR" sz="3200" i="1">
+                                              <a:latin typeface="Cambria Math" panose="02040503050406030204" pitchFamily="18" charset="0"/>
+                                            </a:rPr>
+                                            <m:t>𝑄</m:t>
+                                          </m:r>
+                                        </m:sub>
+                                      </m:sSub>
+                                    </m:e>
+                                  </m:mr>
+                                  <m:mr>
+                                    <m:e>
+                                      <m:sSub>
+                                        <m:sSubPr>
+                                          <m:ctrlPr>
+                                            <a:rPr lang="pt-BR" sz="3200" i="1">
+                                              <a:latin typeface="Cambria Math" panose="02040503050406030204" pitchFamily="18" charset="0"/>
+                                            </a:rPr>
+                                          </m:ctrlPr>
+                                        </m:sSubPr>
+                                        <m:e>
+                                          <m:r>
+                                            <a:rPr lang="pt-BR" sz="3200" i="1">
+                                              <a:latin typeface="Cambria Math" panose="02040503050406030204" pitchFamily="18" charset="0"/>
+                                            </a:rPr>
+                                            <m:t>𝐶</m:t>
+                                          </m:r>
+                                        </m:e>
+                                        <m:sub>
+                                          <m:r>
+                                            <a:rPr lang="pt-BR" sz="3200" b="0" i="1" smtClean="0">
+                                              <a:latin typeface="Cambria Math" panose="02040503050406030204" pitchFamily="18" charset="0"/>
+                                            </a:rPr>
+                                            <m:t>2</m:t>
+                                          </m:r>
+                                          <m:r>
+                                            <a:rPr lang="pt-BR" sz="3200" i="1">
+                                              <a:latin typeface="Cambria Math" panose="02040503050406030204" pitchFamily="18" charset="0"/>
+                                            </a:rPr>
+                                            <m:t>𝑄</m:t>
+                                          </m:r>
+                                        </m:sub>
+                                      </m:sSub>
+                                    </m:e>
+                                  </m:mr>
+                                </m:m>
+                              </m:e>
+                            </m:mr>
+                            <m:mr>
+                              <m:e>
+                                <m:r>
+                                  <a:rPr lang="pt-BR" sz="3200" b="0" i="1" smtClean="0">
+                                    <a:latin typeface="Cambria Math" panose="02040503050406030204" pitchFamily="18" charset="0"/>
+                                  </a:rPr>
+                                  <m:t>⋮</m:t>
+                                </m:r>
+                              </m:e>
+                              <m:e>
+                                <m:r>
+                                  <a:rPr lang="pt-BR" sz="3200" b="0" i="1" smtClean="0">
+                                    <a:latin typeface="Cambria Math" panose="02040503050406030204" pitchFamily="18" charset="0"/>
+                                  </a:rPr>
+                                  <m:t>⋱</m:t>
+                                </m:r>
+                              </m:e>
+                              <m:e>
+                                <m:r>
+                                  <a:rPr lang="pt-BR" sz="3200" b="0" i="1" smtClean="0">
+                                    <a:latin typeface="Cambria Math" panose="02040503050406030204" pitchFamily="18" charset="0"/>
+                                  </a:rPr>
+                                  <m:t>⋮</m:t>
+                                </m:r>
+                              </m:e>
+                            </m:mr>
+                            <m:mr>
+                              <m:e>
+                                <m:m>
+                                  <m:mPr>
+                                    <m:mcs>
+                                      <m:mc>
+                                        <m:mcPr>
+                                          <m:count m:val="2"/>
+                                          <m:mcJc m:val="center"/>
+                                        </m:mcPr>
+                                      </m:mc>
+                                    </m:mcs>
+                                    <m:ctrlPr>
+                                      <a:rPr lang="pt-BR" sz="3200" b="0" i="1" smtClean="0">
+                                        <a:latin typeface="Cambria Math" panose="02040503050406030204" pitchFamily="18" charset="0"/>
+                                      </a:rPr>
+                                    </m:ctrlPr>
+                                  </m:mPr>
+                                  <m:mr>
+                                    <m:e>
+                                      <m:sSub>
+                                        <m:sSubPr>
+                                          <m:ctrlPr>
+                                            <a:rPr lang="pt-BR" sz="3200" i="1">
+                                              <a:latin typeface="Cambria Math" panose="02040503050406030204" pitchFamily="18" charset="0"/>
+                                            </a:rPr>
+                                          </m:ctrlPr>
+                                        </m:sSubPr>
+                                        <m:e>
+                                          <m:r>
+                                            <a:rPr lang="pt-BR" sz="3200" i="1">
+                                              <a:latin typeface="Cambria Math" panose="02040503050406030204" pitchFamily="18" charset="0"/>
+                                            </a:rPr>
+                                            <m:t>𝐶</m:t>
+                                          </m:r>
+                                        </m:e>
+                                        <m:sub>
+                                          <m:r>
+                                            <a:rPr lang="pt-BR" sz="3200" b="0" i="1" smtClean="0">
+                                              <a:latin typeface="Cambria Math" panose="02040503050406030204" pitchFamily="18" charset="0"/>
+                                            </a:rPr>
+                                            <m:t>𝑄</m:t>
+                                          </m:r>
+                                          <m:r>
+                                            <a:rPr lang="pt-BR" sz="3200" i="1">
+                                              <a:latin typeface="Cambria Math" panose="02040503050406030204" pitchFamily="18" charset="0"/>
+                                            </a:rPr>
+                                            <m:t>1</m:t>
+                                          </m:r>
+                                        </m:sub>
+                                      </m:sSub>
+                                    </m:e>
+                                    <m:e>
+                                      <m:sSub>
+                                        <m:sSubPr>
+                                          <m:ctrlPr>
+                                            <a:rPr lang="pt-BR" sz="3200" i="1">
+                                              <a:latin typeface="Cambria Math" panose="02040503050406030204" pitchFamily="18" charset="0"/>
+                                            </a:rPr>
+                                          </m:ctrlPr>
+                                        </m:sSubPr>
+                                        <m:e>
+                                          <m:r>
+                                            <a:rPr lang="pt-BR" sz="3200" i="1">
+                                              <a:latin typeface="Cambria Math" panose="02040503050406030204" pitchFamily="18" charset="0"/>
+                                            </a:rPr>
+                                            <m:t>𝐶</m:t>
+                                          </m:r>
+                                        </m:e>
+                                        <m:sub>
+                                          <m:r>
+                                            <a:rPr lang="pt-BR" sz="3200" b="0" i="1" smtClean="0">
+                                              <a:latin typeface="Cambria Math" panose="02040503050406030204" pitchFamily="18" charset="0"/>
+                                            </a:rPr>
+                                            <m:t>𝑄</m:t>
+                                          </m:r>
+                                          <m:r>
+                                            <a:rPr lang="pt-BR" sz="3200" b="0" i="1" smtClean="0">
+                                              <a:latin typeface="Cambria Math" panose="02040503050406030204" pitchFamily="18" charset="0"/>
+                                            </a:rPr>
+                                            <m:t>2</m:t>
+                                          </m:r>
+                                        </m:sub>
+                                      </m:sSub>
+                                    </m:e>
+                                  </m:mr>
+                                </m:m>
+                              </m:e>
+                              <m:e>
+                                <m:r>
+                                  <a:rPr lang="pt-BR" sz="3200" b="0" i="1" smtClean="0">
+                                    <a:latin typeface="Cambria Math" panose="02040503050406030204" pitchFamily="18" charset="0"/>
+                                  </a:rPr>
+                                  <m:t>⋯</m:t>
+                                </m:r>
+                              </m:e>
+                              <m:e>
+                                <m:sSub>
+                                  <m:sSubPr>
+                                    <m:ctrlPr>
+                                      <a:rPr lang="pt-BR" sz="3200" i="1">
+                                        <a:latin typeface="Cambria Math" panose="02040503050406030204" pitchFamily="18" charset="0"/>
+                                      </a:rPr>
+                                    </m:ctrlPr>
+                                  </m:sSubPr>
+                                  <m:e>
+                                    <m:r>
+                                      <a:rPr lang="pt-BR" sz="3200" i="1">
+                                        <a:latin typeface="Cambria Math" panose="02040503050406030204" pitchFamily="18" charset="0"/>
+                                      </a:rPr>
+                                      <m:t>𝐶</m:t>
+                                    </m:r>
+                                  </m:e>
+                                  <m:sub>
+                                    <m:r>
+                                      <a:rPr lang="pt-BR" sz="3200" b="0" i="1" smtClean="0">
+                                        <a:latin typeface="Cambria Math" panose="02040503050406030204" pitchFamily="18" charset="0"/>
+                                      </a:rPr>
+                                      <m:t>𝑄</m:t>
+                                    </m:r>
+                                    <m:r>
+                                      <a:rPr lang="pt-BR" sz="3200" i="1">
+                                        <a:latin typeface="Cambria Math" panose="02040503050406030204" pitchFamily="18" charset="0"/>
+                                      </a:rPr>
+                                      <m:t>𝑄</m:t>
+                                    </m:r>
+                                  </m:sub>
+                                </m:sSub>
+                              </m:e>
+                            </m:mr>
+                          </m:m>
+                        </m:e>
+                      </m:d>
+                    </m:oMath>
+                  </m:oMathPara>
+                </a14:m>
+                <a:endParaRPr lang="pt-BR" sz="2400" dirty="0"/>
+              </a:p>
+            </p:txBody>
+          </p:sp>
+        </mc:Choice>
+        <mc:Fallback xmlns="">
+          <p:sp>
+            <p:nvSpPr>
+              <p:cNvPr id="5" name="CaixaDeTexto 4">
+                <a:extLst>
+                  <a:ext uri="{FF2B5EF4-FFF2-40B4-BE49-F238E27FC236}">
+                    <a16:creationId xmlns:a16="http://schemas.microsoft.com/office/drawing/2014/main" id="{9FE2C07F-02D2-0345-E394-150F01C017C4}"/>
+                  </a:ext>
+                </a:extLst>
+              </p:cNvPr>
+              <p:cNvSpPr txBox="1">
+                <a:spLocks noRot="1" noChangeAspect="1" noMove="1" noResize="1" noEditPoints="1" noAdjustHandles="1" noChangeArrowheads="1" noChangeShapeType="1" noTextEdit="1"/>
+              </p:cNvSpPr>
+              <p:nvPr/>
+            </p:nvSpPr>
+            <p:spPr>
+              <a:xfrm>
+                <a:off x="293509" y="2680677"/>
+                <a:ext cx="4854223" cy="2122312"/>
+              </a:xfrm>
+              <a:prstGeom prst="rect">
+                <a:avLst/>
+              </a:prstGeom>
+              <a:blipFill>
+                <a:blip r:embed="rId4"/>
+                <a:stretch>
+                  <a:fillRect/>
+                </a:stretch>
+              </a:blipFill>
+            </p:spPr>
+            <p:txBody>
+              <a:bodyPr/>
+              <a:lstStyle/>
+              <a:p>
+                <a:r>
+                  <a:rPr lang="pt-BR">
+                    <a:noFill/>
+                  </a:rPr>
+                  <a:t> </a:t>
+                </a:r>
+              </a:p>
+            </p:txBody>
+          </p:sp>
+        </mc:Fallback>
+      </mc:AlternateContent>
+    </p:spTree>
+    <p:extLst>
+      <p:ext uri="{BB962C8B-B14F-4D97-AF65-F5344CB8AC3E}">
+        <p14:creationId xmlns:p14="http://schemas.microsoft.com/office/powerpoint/2010/main" val="536331778"/>
+      </p:ext>
+    </p:extLst>
+  </p:cSld>
+  <p:clrMapOvr>
+    <a:masterClrMapping/>
+  </p:clrMapOvr>
+</p:sld>
+</file>
+
+<file path=ppt/slides/slide4.xml><?xml version="1.0" encoding="utf-8"?>
+<p:sld xmlns:a="http://schemas.openxmlformats.org/drawingml/2006/main" xmlns:r="http://schemas.openxmlformats.org/officeDocument/2006/relationships" xmlns:p="http://schemas.openxmlformats.org/presentationml/2006/main">
+  <p:cSld>
+    <p:spTree>
+      <p:nvGrpSpPr>
+        <p:cNvPr id="1" name=""/>
+        <p:cNvGrpSpPr/>
+        <p:nvPr/>
+      </p:nvGrpSpPr>
+      <p:grpSpPr>
+        <a:xfrm>
+          <a:off x="0" y="0"/>
+          <a:ext cx="0" cy="0"/>
+          <a:chOff x="0" y="0"/>
+          <a:chExt cx="0" cy="0"/>
+        </a:xfrm>
+      </p:grpSpPr>
+      <p:sp>
+        <p:nvSpPr>
+          <p:cNvPr id="2" name="Título 1">
+            <a:extLst>
+              <a:ext uri="{FF2B5EF4-FFF2-40B4-BE49-F238E27FC236}">
+                <a16:creationId xmlns:a16="http://schemas.microsoft.com/office/drawing/2014/main" id="{C738E7C4-65BB-5A05-5DF4-FF60F520CB58}"/>
+              </a:ext>
+            </a:extLst>
+          </p:cNvPr>
+          <p:cNvSpPr>
+            <a:spLocks noGrp="1"/>
+          </p:cNvSpPr>
+          <p:nvPr>
+            <p:ph type="title"/>
+          </p:nvPr>
+        </p:nvSpPr>
+        <p:spPr/>
+        <p:txBody>
+          <a:bodyPr/>
+          <a:lstStyle/>
+          <a:p>
+            <a:r>
+              <a:rPr lang="pt-BR" dirty="0"/>
+              <a:t>Matriz de confusão</a:t>
+            </a:r>
+          </a:p>
+        </p:txBody>
+      </p:sp>
+      <mc:AlternateContent xmlns:mc="http://schemas.openxmlformats.org/markup-compatibility/2006" xmlns:a14="http://schemas.microsoft.com/office/drawing/2010/main">
+        <mc:Choice Requires="a14">
+          <p:sp>
+            <p:nvSpPr>
+              <p:cNvPr id="3" name="Espaço Reservado para Conteúdo 2">
+                <a:extLst>
+                  <a:ext uri="{FF2B5EF4-FFF2-40B4-BE49-F238E27FC236}">
+                    <a16:creationId xmlns:a16="http://schemas.microsoft.com/office/drawing/2014/main" id="{40ABD154-3AFD-0036-3D3B-BDE0F6C2A332}"/>
+                  </a:ext>
+                </a:extLst>
+              </p:cNvPr>
+              <p:cNvSpPr>
+                <a:spLocks noGrp="1"/>
+              </p:cNvSpPr>
+              <p:nvPr>
+                <p:ph idx="1"/>
+              </p:nvPr>
+            </p:nvSpPr>
+            <p:spPr>
+              <a:xfrm>
+                <a:off x="5633156" y="1825624"/>
+                <a:ext cx="6423377" cy="5032375"/>
+              </a:xfrm>
+            </p:spPr>
+            <p:txBody>
+              <a:bodyPr>
+                <a:normAutofit/>
+              </a:bodyPr>
+              <a:lstStyle/>
+              <a:p>
+                <a:r>
+                  <a:rPr lang="pt-BR" sz="2800" dirty="0"/>
+                  <a:t>A diagonal de </a:t>
+                </a:r>
+                <a14:m>
+                  <m:oMath xmlns:m="http://schemas.openxmlformats.org/officeDocument/2006/math">
+                    <m:r>
+                      <a:rPr lang="pt-BR" sz="2800" b="1" i="1">
+                        <a:latin typeface="Cambria Math" panose="02040503050406030204" pitchFamily="18" charset="0"/>
+                      </a:rPr>
+                      <m:t>𝑪</m:t>
+                    </m:r>
+                  </m:oMath>
+                </a14:m>
+                <a:r>
+                  <a:rPr lang="pt-BR" sz="2800" dirty="0"/>
+                  <a:t> fornece o número de classificações corretas.</a:t>
+                </a:r>
+              </a:p>
+              <a:p>
+                <a:r>
+                  <a:rPr lang="pt-BR" sz="2800" dirty="0"/>
+                  <a:t>A </a:t>
+                </a:r>
+                <a14:m>
+                  <m:oMath xmlns:m="http://schemas.openxmlformats.org/officeDocument/2006/math">
+                    <m:r>
+                      <a:rPr lang="pt-BR" sz="2800" b="0" i="1" smtClean="0">
+                        <a:latin typeface="Cambria Math" panose="02040503050406030204" pitchFamily="18" charset="0"/>
+                      </a:rPr>
+                      <m:t>𝑞</m:t>
+                    </m:r>
+                  </m:oMath>
+                </a14:m>
+                <a:r>
+                  <a:rPr lang="pt-BR" sz="2800" dirty="0"/>
+                  <a:t>-</a:t>
+                </a:r>
+                <a:r>
+                  <a:rPr lang="pt-BR" sz="2800" dirty="0" err="1"/>
+                  <a:t>ésima</a:t>
+                </a:r>
+                <a:r>
+                  <a:rPr lang="pt-BR" sz="2800" dirty="0"/>
+                  <a:t> </a:t>
+                </a:r>
+                <a:r>
+                  <a:rPr lang="pt-BR" sz="2800" b="1" i="1" dirty="0"/>
+                  <a:t>linha</a:t>
+                </a:r>
+                <a:r>
+                  <a:rPr lang="pt-BR" sz="2800" dirty="0"/>
+                  <a:t> indica o total de exemplos que foram classificados como pertencentes a </a:t>
+                </a:r>
+                <a14:m>
+                  <m:oMath xmlns:m="http://schemas.openxmlformats.org/officeDocument/2006/math">
+                    <m:r>
+                      <a:rPr lang="pt-BR" sz="2800" i="1">
+                        <a:latin typeface="Cambria Math" panose="02040503050406030204" pitchFamily="18" charset="0"/>
+                      </a:rPr>
+                      <m:t>𝑞</m:t>
+                    </m:r>
+                  </m:oMath>
+                </a14:m>
+                <a:r>
+                  <a:rPr lang="pt-BR" sz="2800" dirty="0"/>
+                  <a:t>-</a:t>
+                </a:r>
+                <a:r>
+                  <a:rPr lang="pt-BR" sz="2800" dirty="0" err="1"/>
+                  <a:t>ésima</a:t>
+                </a:r>
+                <a:r>
+                  <a:rPr lang="pt-BR" sz="2800" dirty="0"/>
+                  <a:t> classe.</a:t>
+                </a:r>
+              </a:p>
+              <a:p>
+                <a:r>
+                  <a:rPr lang="pt-BR" sz="2800" dirty="0"/>
+                  <a:t>A </a:t>
+                </a:r>
+                <a14:m>
+                  <m:oMath xmlns:m="http://schemas.openxmlformats.org/officeDocument/2006/math">
+                    <m:r>
+                      <a:rPr lang="pt-BR" sz="2800" i="1">
+                        <a:latin typeface="Cambria Math" panose="02040503050406030204" pitchFamily="18" charset="0"/>
+                      </a:rPr>
+                      <m:t>𝑞</m:t>
+                    </m:r>
+                  </m:oMath>
+                </a14:m>
+                <a:r>
+                  <a:rPr lang="pt-BR" sz="2800" dirty="0"/>
+                  <a:t>-</a:t>
+                </a:r>
+                <a:r>
+                  <a:rPr lang="pt-BR" sz="2800" dirty="0" err="1"/>
+                  <a:t>ésima</a:t>
+                </a:r>
+                <a:r>
+                  <a:rPr lang="pt-BR" sz="2800" dirty="0"/>
+                  <a:t> </a:t>
+                </a:r>
+                <a:r>
+                  <a:rPr lang="pt-BR" sz="2800" b="1" i="1" dirty="0"/>
+                  <a:t>coluna</a:t>
+                </a:r>
+                <a:r>
+                  <a:rPr lang="pt-BR" sz="2800" dirty="0"/>
+                  <a:t> indica o total de exemplos realmente pertencentes à </a:t>
+                </a:r>
+                <a14:m>
+                  <m:oMath xmlns:m="http://schemas.openxmlformats.org/officeDocument/2006/math">
+                    <m:r>
+                      <a:rPr lang="pt-BR" sz="2800" i="1">
+                        <a:latin typeface="Cambria Math" panose="02040503050406030204" pitchFamily="18" charset="0"/>
+                      </a:rPr>
+                      <m:t>𝑞</m:t>
+                    </m:r>
+                  </m:oMath>
+                </a14:m>
+                <a:r>
+                  <a:rPr lang="pt-BR" sz="2800" dirty="0"/>
+                  <a:t>-</a:t>
+                </a:r>
+                <a:r>
+                  <a:rPr lang="pt-BR" sz="2800" dirty="0" err="1"/>
+                  <a:t>ésima</a:t>
+                </a:r>
+                <a:r>
+                  <a:rPr lang="pt-BR" sz="2800" dirty="0"/>
+                  <a:t> classe. </a:t>
+                </a:r>
+              </a:p>
+            </p:txBody>
+          </p:sp>
+        </mc:Choice>
+        <mc:Fallback xmlns="">
+          <p:sp>
+            <p:nvSpPr>
+              <p:cNvPr id="3" name="Espaço Reservado para Conteúdo 2">
+                <a:extLst>
+                  <a:ext uri="{FF2B5EF4-FFF2-40B4-BE49-F238E27FC236}">
+                    <a16:creationId xmlns:a16="http://schemas.microsoft.com/office/drawing/2014/main" id="{40ABD154-3AFD-0036-3D3B-BDE0F6C2A332}"/>
+                  </a:ext>
+                </a:extLst>
+              </p:cNvPr>
+              <p:cNvSpPr>
+                <a:spLocks noGrp="1" noRot="1" noChangeAspect="1" noMove="1" noResize="1" noEditPoints="1" noAdjustHandles="1" noChangeArrowheads="1" noChangeShapeType="1" noTextEdit="1"/>
+              </p:cNvSpPr>
+              <p:nvPr>
+                <p:ph idx="1"/>
+              </p:nvPr>
+            </p:nvSpPr>
+            <p:spPr>
+              <a:xfrm>
+                <a:off x="5633156" y="1825624"/>
+                <a:ext cx="6423377" cy="5032375"/>
+              </a:xfrm>
+              <a:blipFill>
+                <a:blip r:embed="rId2"/>
+                <a:stretch>
+                  <a:fillRect l="-1708" t="-1937"/>
+                </a:stretch>
+              </a:blipFill>
+            </p:spPr>
+            <p:txBody>
+              <a:bodyPr/>
+              <a:lstStyle/>
+              <a:p>
+                <a:r>
+                  <a:rPr lang="pt-BR">
+                    <a:noFill/>
+                  </a:rPr>
+                  <a:t> </a:t>
+                </a:r>
+              </a:p>
+            </p:txBody>
+          </p:sp>
+        </mc:Fallback>
+      </mc:AlternateContent>
+      <mc:AlternateContent xmlns:mc="http://schemas.openxmlformats.org/markup-compatibility/2006" xmlns:a14="http://schemas.microsoft.com/office/drawing/2010/main">
+        <mc:Choice Requires="a14">
+          <p:sp>
+            <p:nvSpPr>
+              <p:cNvPr id="5" name="CaixaDeTexto 4">
+                <a:extLst>
+                  <a:ext uri="{FF2B5EF4-FFF2-40B4-BE49-F238E27FC236}">
+                    <a16:creationId xmlns:a16="http://schemas.microsoft.com/office/drawing/2014/main" id="{9FE2C07F-02D2-0345-E394-150F01C017C4}"/>
+                  </a:ext>
+                </a:extLst>
+              </p:cNvPr>
+              <p:cNvSpPr txBox="1"/>
+              <p:nvPr/>
+            </p:nvSpPr>
+            <p:spPr>
+              <a:xfrm>
+                <a:off x="293509" y="2680677"/>
+                <a:ext cx="4854223" cy="2122312"/>
+              </a:xfrm>
+              <a:prstGeom prst="rect">
+                <a:avLst/>
+              </a:prstGeom>
+              <a:noFill/>
+            </p:spPr>
+            <p:txBody>
+              <a:bodyPr wrap="square">
+                <a:spAutoFit/>
+              </a:bodyPr>
+              <a:lstStyle/>
+              <a:p>
+                <a:pPr/>
+                <a14:m>
+                  <m:oMathPara xmlns:m="http://schemas.openxmlformats.org/officeDocument/2006/math">
+                    <m:oMathParaPr>
+                      <m:jc m:val="centerGroup"/>
+                    </m:oMathParaPr>
+                    <m:oMath xmlns:m="http://schemas.openxmlformats.org/officeDocument/2006/math">
+                      <m:r>
+                        <a:rPr lang="pt-BR" sz="3200" b="1" i="1" smtClean="0">
+                          <a:latin typeface="Cambria Math" panose="02040503050406030204" pitchFamily="18" charset="0"/>
+                        </a:rPr>
+                        <m:t>𝑪</m:t>
+                      </m:r>
+                      <m:r>
+                        <a:rPr lang="pt-BR" sz="3200" b="0" i="1" smtClean="0">
+                          <a:latin typeface="Cambria Math" panose="02040503050406030204" pitchFamily="18" charset="0"/>
+                        </a:rPr>
+                        <m:t>=</m:t>
+                      </m:r>
+                      <m:d>
+                        <m:dPr>
+                          <m:begChr m:val="["/>
+                          <m:endChr m:val="]"/>
+                          <m:ctrlPr>
+                            <a:rPr lang="pt-BR" sz="3200" b="0" i="1" smtClean="0">
+                              <a:latin typeface="Cambria Math" panose="02040503050406030204" pitchFamily="18" charset="0"/>
+                            </a:rPr>
+                          </m:ctrlPr>
+                        </m:dPr>
+                        <m:e>
+                          <m:m>
+                            <m:mPr>
+                              <m:mcs>
+                                <m:mc>
+                                  <m:mcPr>
+                                    <m:count m:val="3"/>
+                                    <m:mcJc m:val="center"/>
+                                  </m:mcPr>
+                                </m:mc>
+                              </m:mcs>
+                              <m:ctrlPr>
+                                <a:rPr lang="pt-BR" sz="3200" b="0" i="1" smtClean="0">
+                                  <a:latin typeface="Cambria Math" panose="02040503050406030204" pitchFamily="18" charset="0"/>
+                                </a:rPr>
+                              </m:ctrlPr>
+                            </m:mPr>
+                            <m:mr>
+                              <m:e>
+                                <m:m>
+                                  <m:mPr>
+                                    <m:mcs>
+                                      <m:mc>
+                                        <m:mcPr>
+                                          <m:count m:val="1"/>
+                                          <m:mcJc m:val="center"/>
+                                        </m:mcPr>
+                                      </m:mc>
+                                    </m:mcs>
+                                    <m:ctrlPr>
+                                      <a:rPr lang="pt-BR" sz="3200" b="0" i="1" smtClean="0">
+                                        <a:latin typeface="Cambria Math" panose="02040503050406030204" pitchFamily="18" charset="0"/>
+                                      </a:rPr>
+                                    </m:ctrlPr>
+                                  </m:mPr>
+                                  <m:mr>
+                                    <m:e>
+                                      <m:m>
+                                        <m:mPr>
+                                          <m:mcs>
+                                            <m:mc>
+                                              <m:mcPr>
+                                                <m:count m:val="2"/>
+                                                <m:mcJc m:val="center"/>
+                                              </m:mcPr>
+                                            </m:mc>
+                                          </m:mcs>
+                                          <m:ctrlPr>
+                                            <a:rPr lang="pt-BR" sz="3200" b="0" i="1" smtClean="0">
+                                              <a:latin typeface="Cambria Math" panose="02040503050406030204" pitchFamily="18" charset="0"/>
+                                            </a:rPr>
+                                          </m:ctrlPr>
+                                        </m:mPr>
+                                        <m:mr>
+                                          <m:e>
+                                            <m:sSub>
+                                              <m:sSubPr>
+                                                <m:ctrlPr>
+                                                  <a:rPr lang="pt-BR" sz="3200" i="1">
+                                                    <a:latin typeface="Cambria Math" panose="02040503050406030204" pitchFamily="18" charset="0"/>
+                                                  </a:rPr>
+                                                </m:ctrlPr>
+                                              </m:sSubPr>
+                                              <m:e>
+                                                <m:r>
+                                                  <a:rPr lang="pt-BR" sz="3200" i="1">
+                                                    <a:latin typeface="Cambria Math" panose="02040503050406030204" pitchFamily="18" charset="0"/>
+                                                  </a:rPr>
+                                                  <m:t>𝐶</m:t>
+                                                </m:r>
+                                              </m:e>
+                                              <m:sub>
+                                                <m:r>
+                                                  <a:rPr lang="pt-BR" sz="3200" i="1">
+                                                    <a:latin typeface="Cambria Math" panose="02040503050406030204" pitchFamily="18" charset="0"/>
+                                                  </a:rPr>
+                                                  <m:t>11</m:t>
+                                                </m:r>
+                                              </m:sub>
+                                            </m:sSub>
+                                          </m:e>
+                                          <m:e>
+                                            <m:sSub>
+                                              <m:sSubPr>
+                                                <m:ctrlPr>
+                                                  <a:rPr lang="pt-BR" sz="3200" i="1">
+                                                    <a:latin typeface="Cambria Math" panose="02040503050406030204" pitchFamily="18" charset="0"/>
+                                                  </a:rPr>
+                                                </m:ctrlPr>
+                                              </m:sSubPr>
+                                              <m:e>
+                                                <m:r>
+                                                  <a:rPr lang="pt-BR" sz="3200" i="1">
+                                                    <a:latin typeface="Cambria Math" panose="02040503050406030204" pitchFamily="18" charset="0"/>
+                                                  </a:rPr>
+                                                  <m:t>𝐶</m:t>
+                                                </m:r>
+                                              </m:e>
+                                              <m:sub>
+                                                <m:r>
+                                                  <a:rPr lang="pt-BR" sz="3200" i="1">
+                                                    <a:latin typeface="Cambria Math" panose="02040503050406030204" pitchFamily="18" charset="0"/>
+                                                  </a:rPr>
+                                                  <m:t>1</m:t>
+                                                </m:r>
+                                                <m:r>
+                                                  <a:rPr lang="pt-BR" sz="3200" b="0" i="1" smtClean="0">
+                                                    <a:latin typeface="Cambria Math" panose="02040503050406030204" pitchFamily="18" charset="0"/>
+                                                  </a:rPr>
+                                                  <m:t>2</m:t>
+                                                </m:r>
+                                              </m:sub>
+                                            </m:sSub>
+                                          </m:e>
+                                        </m:mr>
+                                      </m:m>
+                                    </m:e>
+                                  </m:mr>
+                                  <m:mr>
+                                    <m:e>
+                                      <m:m>
+                                        <m:mPr>
+                                          <m:mcs>
+                                            <m:mc>
+                                              <m:mcPr>
+                                                <m:count m:val="2"/>
+                                                <m:mcJc m:val="center"/>
+                                              </m:mcPr>
+                                            </m:mc>
+                                          </m:mcs>
+                                          <m:ctrlPr>
+                                            <a:rPr lang="pt-BR" sz="3200" b="0" i="1" smtClean="0">
+                                              <a:latin typeface="Cambria Math" panose="02040503050406030204" pitchFamily="18" charset="0"/>
+                                            </a:rPr>
+                                          </m:ctrlPr>
+                                        </m:mPr>
+                                        <m:mr>
+                                          <m:e>
+                                            <m:sSub>
+                                              <m:sSubPr>
+                                                <m:ctrlPr>
+                                                  <a:rPr lang="pt-BR" sz="3200" i="1">
+                                                    <a:latin typeface="Cambria Math" panose="02040503050406030204" pitchFamily="18" charset="0"/>
+                                                  </a:rPr>
+                                                </m:ctrlPr>
+                                              </m:sSubPr>
+                                              <m:e>
+                                                <m:r>
+                                                  <a:rPr lang="pt-BR" sz="3200" i="1">
+                                                    <a:latin typeface="Cambria Math" panose="02040503050406030204" pitchFamily="18" charset="0"/>
+                                                  </a:rPr>
+                                                  <m:t>𝐶</m:t>
+                                                </m:r>
+                                              </m:e>
+                                              <m:sub>
+                                                <m:r>
+                                                  <a:rPr lang="pt-BR" sz="3200" b="0" i="1" smtClean="0">
+                                                    <a:latin typeface="Cambria Math" panose="02040503050406030204" pitchFamily="18" charset="0"/>
+                                                  </a:rPr>
+                                                  <m:t>2</m:t>
+                                                </m:r>
+                                                <m:r>
+                                                  <a:rPr lang="pt-BR" sz="3200" i="1">
+                                                    <a:latin typeface="Cambria Math" panose="02040503050406030204" pitchFamily="18" charset="0"/>
+                                                  </a:rPr>
+                                                  <m:t>1</m:t>
+                                                </m:r>
+                                              </m:sub>
+                                            </m:sSub>
+                                          </m:e>
+                                          <m:e>
+                                            <m:sSub>
+                                              <m:sSubPr>
+                                                <m:ctrlPr>
+                                                  <a:rPr lang="pt-BR" sz="3200" i="1">
+                                                    <a:latin typeface="Cambria Math" panose="02040503050406030204" pitchFamily="18" charset="0"/>
+                                                  </a:rPr>
+                                                </m:ctrlPr>
+                                              </m:sSubPr>
+                                              <m:e>
+                                                <m:r>
+                                                  <a:rPr lang="pt-BR" sz="3200" i="1">
+                                                    <a:latin typeface="Cambria Math" panose="02040503050406030204" pitchFamily="18" charset="0"/>
+                                                  </a:rPr>
+                                                  <m:t>𝐶</m:t>
+                                                </m:r>
+                                              </m:e>
+                                              <m:sub>
+                                                <m:r>
+                                                  <a:rPr lang="pt-BR" sz="3200" b="0" i="1" smtClean="0">
+                                                    <a:latin typeface="Cambria Math" panose="02040503050406030204" pitchFamily="18" charset="0"/>
+                                                  </a:rPr>
+                                                  <m:t>22</m:t>
+                                                </m:r>
+                                              </m:sub>
+                                            </m:sSub>
+                                          </m:e>
+                                        </m:mr>
+                                      </m:m>
+                                    </m:e>
+                                  </m:mr>
+                                </m:m>
+                              </m:e>
+                              <m:e>
+                                <m:r>
+                                  <a:rPr lang="pt-BR" sz="3200" b="0" i="1" smtClean="0">
+                                    <a:latin typeface="Cambria Math" panose="02040503050406030204" pitchFamily="18" charset="0"/>
+                                  </a:rPr>
+                                  <m:t>⋯</m:t>
+                                </m:r>
+                              </m:e>
+                              <m:e>
+                                <m:m>
+                                  <m:mPr>
+                                    <m:mcs>
+                                      <m:mc>
+                                        <m:mcPr>
+                                          <m:count m:val="1"/>
+                                          <m:mcJc m:val="center"/>
+                                        </m:mcPr>
+                                      </m:mc>
+                                    </m:mcs>
+                                    <m:ctrlPr>
+                                      <a:rPr lang="pt-BR" sz="3200" b="0" i="1" smtClean="0">
+                                        <a:latin typeface="Cambria Math" panose="02040503050406030204" pitchFamily="18" charset="0"/>
+                                      </a:rPr>
+                                    </m:ctrlPr>
+                                  </m:mPr>
+                                  <m:mr>
+                                    <m:e>
+                                      <m:sSub>
+                                        <m:sSubPr>
+                                          <m:ctrlPr>
+                                            <a:rPr lang="pt-BR" sz="3200" i="1">
+                                              <a:latin typeface="Cambria Math" panose="02040503050406030204" pitchFamily="18" charset="0"/>
+                                            </a:rPr>
+                                          </m:ctrlPr>
+                                        </m:sSubPr>
+                                        <m:e>
+                                          <m:r>
+                                            <a:rPr lang="pt-BR" sz="3200" i="1">
+                                              <a:latin typeface="Cambria Math" panose="02040503050406030204" pitchFamily="18" charset="0"/>
+                                            </a:rPr>
+                                            <m:t>𝐶</m:t>
+                                          </m:r>
+                                        </m:e>
+                                        <m:sub>
+                                          <m:r>
+                                            <a:rPr lang="pt-BR" sz="3200" i="1">
+                                              <a:latin typeface="Cambria Math" panose="02040503050406030204" pitchFamily="18" charset="0"/>
+                                            </a:rPr>
+                                            <m:t>1</m:t>
+                                          </m:r>
+                                          <m:r>
+                                            <a:rPr lang="pt-BR" sz="3200" i="1">
+                                              <a:latin typeface="Cambria Math" panose="02040503050406030204" pitchFamily="18" charset="0"/>
+                                            </a:rPr>
+                                            <m:t>𝑄</m:t>
+                                          </m:r>
+                                        </m:sub>
+                                      </m:sSub>
+                                    </m:e>
+                                  </m:mr>
+                                  <m:mr>
+                                    <m:e>
+                                      <m:sSub>
+                                        <m:sSubPr>
+                                          <m:ctrlPr>
+                                            <a:rPr lang="pt-BR" sz="3200" i="1">
+                                              <a:latin typeface="Cambria Math" panose="02040503050406030204" pitchFamily="18" charset="0"/>
+                                            </a:rPr>
+                                          </m:ctrlPr>
+                                        </m:sSubPr>
+                                        <m:e>
+                                          <m:r>
+                                            <a:rPr lang="pt-BR" sz="3200" i="1">
+                                              <a:latin typeface="Cambria Math" panose="02040503050406030204" pitchFamily="18" charset="0"/>
+                                            </a:rPr>
+                                            <m:t>𝐶</m:t>
+                                          </m:r>
+                                        </m:e>
+                                        <m:sub>
+                                          <m:r>
+                                            <a:rPr lang="pt-BR" sz="3200" b="0" i="1" smtClean="0">
+                                              <a:latin typeface="Cambria Math" panose="02040503050406030204" pitchFamily="18" charset="0"/>
+                                            </a:rPr>
+                                            <m:t>2</m:t>
+                                          </m:r>
+                                          <m:r>
+                                            <a:rPr lang="pt-BR" sz="3200" i="1">
+                                              <a:latin typeface="Cambria Math" panose="02040503050406030204" pitchFamily="18" charset="0"/>
+                                            </a:rPr>
+                                            <m:t>𝑄</m:t>
+                                          </m:r>
+                                        </m:sub>
+                                      </m:sSub>
+                                    </m:e>
+                                  </m:mr>
+                                </m:m>
+                              </m:e>
+                            </m:mr>
+                            <m:mr>
+                              <m:e>
+                                <m:r>
+                                  <a:rPr lang="pt-BR" sz="3200" b="0" i="1" smtClean="0">
+                                    <a:latin typeface="Cambria Math" panose="02040503050406030204" pitchFamily="18" charset="0"/>
+                                  </a:rPr>
+                                  <m:t>⋮</m:t>
+                                </m:r>
+                              </m:e>
+                              <m:e>
+                                <m:r>
+                                  <a:rPr lang="pt-BR" sz="3200" b="0" i="1" smtClean="0">
+                                    <a:latin typeface="Cambria Math" panose="02040503050406030204" pitchFamily="18" charset="0"/>
+                                  </a:rPr>
+                                  <m:t>⋱</m:t>
+                                </m:r>
+                              </m:e>
+                              <m:e>
+                                <m:r>
+                                  <a:rPr lang="pt-BR" sz="3200" b="0" i="1" smtClean="0">
+                                    <a:latin typeface="Cambria Math" panose="02040503050406030204" pitchFamily="18" charset="0"/>
+                                  </a:rPr>
+                                  <m:t>⋮</m:t>
+                                </m:r>
+                              </m:e>
+                            </m:mr>
+                            <m:mr>
+                              <m:e>
+                                <m:m>
+                                  <m:mPr>
+                                    <m:mcs>
+                                      <m:mc>
+                                        <m:mcPr>
+                                          <m:count m:val="2"/>
+                                          <m:mcJc m:val="center"/>
+                                        </m:mcPr>
+                                      </m:mc>
+                                    </m:mcs>
+                                    <m:ctrlPr>
+                                      <a:rPr lang="pt-BR" sz="3200" b="0" i="1" smtClean="0">
+                                        <a:latin typeface="Cambria Math" panose="02040503050406030204" pitchFamily="18" charset="0"/>
+                                      </a:rPr>
+                                    </m:ctrlPr>
+                                  </m:mPr>
+                                  <m:mr>
+                                    <m:e>
+                                      <m:sSub>
+                                        <m:sSubPr>
+                                          <m:ctrlPr>
+                                            <a:rPr lang="pt-BR" sz="3200" i="1">
+                                              <a:latin typeface="Cambria Math" panose="02040503050406030204" pitchFamily="18" charset="0"/>
+                                            </a:rPr>
+                                          </m:ctrlPr>
+                                        </m:sSubPr>
+                                        <m:e>
+                                          <m:r>
+                                            <a:rPr lang="pt-BR" sz="3200" i="1">
+                                              <a:latin typeface="Cambria Math" panose="02040503050406030204" pitchFamily="18" charset="0"/>
+                                            </a:rPr>
+                                            <m:t>𝐶</m:t>
+                                          </m:r>
+                                        </m:e>
+                                        <m:sub>
+                                          <m:r>
+                                            <a:rPr lang="pt-BR" sz="3200" b="0" i="1" smtClean="0">
+                                              <a:latin typeface="Cambria Math" panose="02040503050406030204" pitchFamily="18" charset="0"/>
+                                            </a:rPr>
+                                            <m:t>𝑄</m:t>
+                                          </m:r>
+                                          <m:r>
+                                            <a:rPr lang="pt-BR" sz="3200" i="1">
+                                              <a:latin typeface="Cambria Math" panose="02040503050406030204" pitchFamily="18" charset="0"/>
+                                            </a:rPr>
+                                            <m:t>1</m:t>
+                                          </m:r>
+                                        </m:sub>
+                                      </m:sSub>
+                                    </m:e>
+                                    <m:e>
+                                      <m:sSub>
+                                        <m:sSubPr>
+                                          <m:ctrlPr>
+                                            <a:rPr lang="pt-BR" sz="3200" i="1">
+                                              <a:latin typeface="Cambria Math" panose="02040503050406030204" pitchFamily="18" charset="0"/>
+                                            </a:rPr>
+                                          </m:ctrlPr>
+                                        </m:sSubPr>
+                                        <m:e>
+                                          <m:r>
+                                            <a:rPr lang="pt-BR" sz="3200" i="1">
+                                              <a:latin typeface="Cambria Math" panose="02040503050406030204" pitchFamily="18" charset="0"/>
+                                            </a:rPr>
+                                            <m:t>𝐶</m:t>
+                                          </m:r>
+                                        </m:e>
+                                        <m:sub>
+                                          <m:r>
+                                            <a:rPr lang="pt-BR" sz="3200" b="0" i="1" smtClean="0">
+                                              <a:latin typeface="Cambria Math" panose="02040503050406030204" pitchFamily="18" charset="0"/>
+                                            </a:rPr>
+                                            <m:t>𝑄</m:t>
+                                          </m:r>
+                                          <m:r>
+                                            <a:rPr lang="pt-BR" sz="3200" b="0" i="1" smtClean="0">
+                                              <a:latin typeface="Cambria Math" panose="02040503050406030204" pitchFamily="18" charset="0"/>
+                                            </a:rPr>
+                                            <m:t>2</m:t>
+                                          </m:r>
+                                        </m:sub>
+                                      </m:sSub>
+                                    </m:e>
+                                  </m:mr>
+                                </m:m>
+                              </m:e>
+                              <m:e>
+                                <m:r>
+                                  <a:rPr lang="pt-BR" sz="3200" b="0" i="1" smtClean="0">
+                                    <a:latin typeface="Cambria Math" panose="02040503050406030204" pitchFamily="18" charset="0"/>
+                                  </a:rPr>
+                                  <m:t>⋯</m:t>
+                                </m:r>
+                              </m:e>
+                              <m:e>
+                                <m:sSub>
+                                  <m:sSubPr>
+                                    <m:ctrlPr>
+                                      <a:rPr lang="pt-BR" sz="3200" i="1">
+                                        <a:latin typeface="Cambria Math" panose="02040503050406030204" pitchFamily="18" charset="0"/>
+                                      </a:rPr>
+                                    </m:ctrlPr>
+                                  </m:sSubPr>
+                                  <m:e>
+                                    <m:r>
+                                      <a:rPr lang="pt-BR" sz="3200" i="1">
+                                        <a:latin typeface="Cambria Math" panose="02040503050406030204" pitchFamily="18" charset="0"/>
+                                      </a:rPr>
+                                      <m:t>𝐶</m:t>
+                                    </m:r>
+                                  </m:e>
+                                  <m:sub>
+                                    <m:r>
+                                      <a:rPr lang="pt-BR" sz="3200" b="0" i="1" smtClean="0">
+                                        <a:latin typeface="Cambria Math" panose="02040503050406030204" pitchFamily="18" charset="0"/>
+                                      </a:rPr>
+                                      <m:t>𝑄</m:t>
+                                    </m:r>
+                                    <m:r>
+                                      <a:rPr lang="pt-BR" sz="3200" i="1">
+                                        <a:latin typeface="Cambria Math" panose="02040503050406030204" pitchFamily="18" charset="0"/>
+                                      </a:rPr>
+                                      <m:t>𝑄</m:t>
+                                    </m:r>
+                                  </m:sub>
+                                </m:sSub>
+                              </m:e>
+                            </m:mr>
+                          </m:m>
+                        </m:e>
+                      </m:d>
+                    </m:oMath>
+                  </m:oMathPara>
+                </a14:m>
+                <a:endParaRPr lang="pt-BR" sz="2400" dirty="0"/>
+              </a:p>
+            </p:txBody>
+          </p:sp>
+        </mc:Choice>
+        <mc:Fallback xmlns="">
+          <p:sp>
+            <p:nvSpPr>
+              <p:cNvPr id="5" name="CaixaDeTexto 4">
+                <a:extLst>
+                  <a:ext uri="{FF2B5EF4-FFF2-40B4-BE49-F238E27FC236}">
+                    <a16:creationId xmlns:a16="http://schemas.microsoft.com/office/drawing/2014/main" id="{9FE2C07F-02D2-0345-E394-150F01C017C4}"/>
+                  </a:ext>
+                </a:extLst>
+              </p:cNvPr>
+              <p:cNvSpPr txBox="1">
+                <a:spLocks noRot="1" noChangeAspect="1" noMove="1" noResize="1" noEditPoints="1" noAdjustHandles="1" noChangeArrowheads="1" noChangeShapeType="1" noTextEdit="1"/>
+              </p:cNvSpPr>
+              <p:nvPr/>
+            </p:nvSpPr>
+            <p:spPr>
+              <a:xfrm>
+                <a:off x="293509" y="2680677"/>
+                <a:ext cx="4854223" cy="2122312"/>
+              </a:xfrm>
+              <a:prstGeom prst="rect">
+                <a:avLst/>
+              </a:prstGeom>
+              <a:blipFill>
+                <a:blip r:embed="rId3"/>
+                <a:stretch>
+                  <a:fillRect/>
+                </a:stretch>
+              </a:blipFill>
+            </p:spPr>
+            <p:txBody>
+              <a:bodyPr/>
+              <a:lstStyle/>
+              <a:p>
+                <a:r>
+                  <a:rPr lang="pt-BR">
+                    <a:noFill/>
+                  </a:rPr>
+                  <a:t> </a:t>
+                </a:r>
+              </a:p>
+            </p:txBody>
+          </p:sp>
+        </mc:Fallback>
+      </mc:AlternateContent>
+    </p:spTree>
+    <p:extLst>
+      <p:ext uri="{BB962C8B-B14F-4D97-AF65-F5344CB8AC3E}">
+        <p14:creationId xmlns:p14="http://schemas.microsoft.com/office/powerpoint/2010/main" val="2170824817"/>
+      </p:ext>
+    </p:extLst>
+  </p:cSld>
+  <p:clrMapOvr>
+    <a:masterClrMapping/>
+  </p:clrMapOvr>
+</p:sld>
+</file>
+
+<file path=ppt/slides/slide5.xml><?xml version="1.0" encoding="utf-8"?>
+<p:sld xmlns:a="http://schemas.openxmlformats.org/drawingml/2006/main" xmlns:r="http://schemas.openxmlformats.org/officeDocument/2006/relationships" xmlns:p="http://schemas.openxmlformats.org/presentationml/2006/main">
+  <p:cSld>
+    <p:spTree>
+      <p:nvGrpSpPr>
+        <p:cNvPr id="1" name=""/>
+        <p:cNvGrpSpPr/>
+        <p:nvPr/>
+      </p:nvGrpSpPr>
+      <p:grpSpPr>
+        <a:xfrm>
+          <a:off x="0" y="0"/>
+          <a:ext cx="0" cy="0"/>
+          <a:chOff x="0" y="0"/>
+          <a:chExt cx="0" cy="0"/>
+        </a:xfrm>
+      </p:grpSpPr>
+      <p:sp>
+        <p:nvSpPr>
+          <p:cNvPr id="2" name="Título 1">
+            <a:extLst>
+              <a:ext uri="{FF2B5EF4-FFF2-40B4-BE49-F238E27FC236}">
+                <a16:creationId xmlns:a16="http://schemas.microsoft.com/office/drawing/2014/main" id="{C738E7C4-65BB-5A05-5DF4-FF60F520CB58}"/>
+              </a:ext>
+            </a:extLst>
+          </p:cNvPr>
+          <p:cNvSpPr>
+            <a:spLocks noGrp="1"/>
+          </p:cNvSpPr>
+          <p:nvPr>
+            <p:ph type="title"/>
+          </p:nvPr>
+        </p:nvSpPr>
+        <p:spPr/>
+        <p:txBody>
+          <a:bodyPr/>
+          <a:lstStyle/>
+          <a:p>
+            <a:r>
+              <a:rPr lang="pt-BR" dirty="0"/>
+              <a:t>Matriz de confusão</a:t>
+            </a:r>
+          </a:p>
+        </p:txBody>
+      </p:sp>
+      <mc:AlternateContent xmlns:mc="http://schemas.openxmlformats.org/markup-compatibility/2006" xmlns:a14="http://schemas.microsoft.com/office/drawing/2010/main">
+        <mc:Choice Requires="a14">
+          <p:sp>
+            <p:nvSpPr>
+              <p:cNvPr id="5" name="CaixaDeTexto 4">
+                <a:extLst>
+                  <a:ext uri="{FF2B5EF4-FFF2-40B4-BE49-F238E27FC236}">
+                    <a16:creationId xmlns:a16="http://schemas.microsoft.com/office/drawing/2014/main" id="{9FE2C07F-02D2-0345-E394-150F01C017C4}"/>
+                  </a:ext>
+                </a:extLst>
+              </p:cNvPr>
+              <p:cNvSpPr txBox="1"/>
+              <p:nvPr/>
+            </p:nvSpPr>
+            <p:spPr>
+              <a:xfrm>
+                <a:off x="3036709" y="2488766"/>
+                <a:ext cx="4854223" cy="2122312"/>
+              </a:xfrm>
+              <a:prstGeom prst="rect">
+                <a:avLst/>
+              </a:prstGeom>
+              <a:noFill/>
+            </p:spPr>
+            <p:txBody>
+              <a:bodyPr wrap="square">
+                <a:spAutoFit/>
+              </a:bodyPr>
+              <a:lstStyle/>
+              <a:p>
+                <a:pPr/>
+                <a14:m>
+                  <m:oMathPara xmlns:m="http://schemas.openxmlformats.org/officeDocument/2006/math">
+                    <m:oMathParaPr>
+                      <m:jc m:val="centerGroup"/>
+                    </m:oMathParaPr>
+                    <m:oMath xmlns:m="http://schemas.openxmlformats.org/officeDocument/2006/math">
+                      <m:r>
+                        <a:rPr lang="pt-BR" sz="3200" b="1" i="1" smtClean="0">
+                          <a:latin typeface="Cambria Math" panose="02040503050406030204" pitchFamily="18" charset="0"/>
+                        </a:rPr>
+                        <m:t>𝑪</m:t>
+                      </m:r>
+                      <m:r>
+                        <a:rPr lang="pt-BR" sz="3200" b="0" i="1" smtClean="0">
+                          <a:latin typeface="Cambria Math" panose="02040503050406030204" pitchFamily="18" charset="0"/>
+                        </a:rPr>
+                        <m:t>=</m:t>
+                      </m:r>
+                      <m:d>
+                        <m:dPr>
+                          <m:begChr m:val="["/>
+                          <m:endChr m:val="]"/>
+                          <m:ctrlPr>
+                            <a:rPr lang="pt-BR" sz="3200" b="0" i="1" smtClean="0">
+                              <a:latin typeface="Cambria Math" panose="02040503050406030204" pitchFamily="18" charset="0"/>
+                            </a:rPr>
+                          </m:ctrlPr>
+                        </m:dPr>
+                        <m:e>
+                          <m:m>
+                            <m:mPr>
+                              <m:mcs>
+                                <m:mc>
+                                  <m:mcPr>
+                                    <m:count m:val="3"/>
+                                    <m:mcJc m:val="center"/>
+                                  </m:mcPr>
+                                </m:mc>
+                              </m:mcs>
+                              <m:ctrlPr>
+                                <a:rPr lang="pt-BR" sz="3200" b="0" i="1" smtClean="0">
+                                  <a:latin typeface="Cambria Math" panose="02040503050406030204" pitchFamily="18" charset="0"/>
+                                </a:rPr>
+                              </m:ctrlPr>
+                            </m:mPr>
+                            <m:mr>
+                              <m:e>
+                                <m:m>
+                                  <m:mPr>
+                                    <m:mcs>
+                                      <m:mc>
+                                        <m:mcPr>
+                                          <m:count m:val="1"/>
+                                          <m:mcJc m:val="center"/>
+                                        </m:mcPr>
+                                      </m:mc>
+                                    </m:mcs>
+                                    <m:ctrlPr>
+                                      <a:rPr lang="pt-BR" sz="3200" b="0" i="1" smtClean="0">
+                                        <a:latin typeface="Cambria Math" panose="02040503050406030204" pitchFamily="18" charset="0"/>
+                                      </a:rPr>
+                                    </m:ctrlPr>
+                                  </m:mPr>
+                                  <m:mr>
+                                    <m:e>
+                                      <m:m>
+                                        <m:mPr>
+                                          <m:mcs>
+                                            <m:mc>
+                                              <m:mcPr>
+                                                <m:count m:val="2"/>
+                                                <m:mcJc m:val="center"/>
+                                              </m:mcPr>
+                                            </m:mc>
+                                          </m:mcs>
+                                          <m:ctrlPr>
+                                            <a:rPr lang="pt-BR" sz="3200" b="0" i="1" smtClean="0">
+                                              <a:latin typeface="Cambria Math" panose="02040503050406030204" pitchFamily="18" charset="0"/>
+                                            </a:rPr>
+                                          </m:ctrlPr>
+                                        </m:mPr>
+                                        <m:mr>
+                                          <m:e>
+                                            <m:sSub>
+                                              <m:sSubPr>
+                                                <m:ctrlPr>
+                                                  <a:rPr lang="pt-BR" sz="3200" i="1">
+                                                    <a:latin typeface="Cambria Math" panose="02040503050406030204" pitchFamily="18" charset="0"/>
+                                                  </a:rPr>
+                                                </m:ctrlPr>
+                                              </m:sSubPr>
+                                              <m:e>
+                                                <m:r>
+                                                  <a:rPr lang="pt-BR" sz="3200" i="1">
+                                                    <a:latin typeface="Cambria Math" panose="02040503050406030204" pitchFamily="18" charset="0"/>
+                                                  </a:rPr>
+                                                  <m:t>𝐶</m:t>
+                                                </m:r>
+                                              </m:e>
+                                              <m:sub>
+                                                <m:r>
+                                                  <a:rPr lang="pt-BR" sz="3200" i="1">
+                                                    <a:latin typeface="Cambria Math" panose="02040503050406030204" pitchFamily="18" charset="0"/>
+                                                  </a:rPr>
+                                                  <m:t>11</m:t>
+                                                </m:r>
+                                              </m:sub>
+                                            </m:sSub>
+                                          </m:e>
+                                          <m:e>
+                                            <m:sSub>
+                                              <m:sSubPr>
+                                                <m:ctrlPr>
+                                                  <a:rPr lang="pt-BR" sz="3200" i="1">
+                                                    <a:latin typeface="Cambria Math" panose="02040503050406030204" pitchFamily="18" charset="0"/>
+                                                  </a:rPr>
+                                                </m:ctrlPr>
+                                              </m:sSubPr>
+                                              <m:e>
+                                                <m:r>
+                                                  <a:rPr lang="pt-BR" sz="3200" i="1">
+                                                    <a:latin typeface="Cambria Math" panose="02040503050406030204" pitchFamily="18" charset="0"/>
+                                                  </a:rPr>
+                                                  <m:t>𝐶</m:t>
+                                                </m:r>
+                                              </m:e>
+                                              <m:sub>
+                                                <m:r>
+                                                  <a:rPr lang="pt-BR" sz="3200" i="1">
+                                                    <a:latin typeface="Cambria Math" panose="02040503050406030204" pitchFamily="18" charset="0"/>
+                                                  </a:rPr>
+                                                  <m:t>1</m:t>
+                                                </m:r>
+                                                <m:r>
+                                                  <a:rPr lang="pt-BR" sz="3200" b="0" i="1" smtClean="0">
+                                                    <a:latin typeface="Cambria Math" panose="02040503050406030204" pitchFamily="18" charset="0"/>
+                                                  </a:rPr>
+                                                  <m:t>2</m:t>
+                                                </m:r>
+                                              </m:sub>
+                                            </m:sSub>
+                                          </m:e>
+                                        </m:mr>
+                                      </m:m>
+                                    </m:e>
+                                  </m:mr>
+                                  <m:mr>
+                                    <m:e>
+                                      <m:m>
+                                        <m:mPr>
+                                          <m:mcs>
+                                            <m:mc>
+                                              <m:mcPr>
+                                                <m:count m:val="2"/>
+                                                <m:mcJc m:val="center"/>
+                                              </m:mcPr>
+                                            </m:mc>
+                                          </m:mcs>
+                                          <m:ctrlPr>
+                                            <a:rPr lang="pt-BR" sz="3200" b="0" i="1" smtClean="0">
+                                              <a:latin typeface="Cambria Math" panose="02040503050406030204" pitchFamily="18" charset="0"/>
+                                            </a:rPr>
+                                          </m:ctrlPr>
+                                        </m:mPr>
+                                        <m:mr>
+                                          <m:e>
+                                            <m:sSub>
+                                              <m:sSubPr>
+                                                <m:ctrlPr>
+                                                  <a:rPr lang="pt-BR" sz="3200" i="1">
+                                                    <a:latin typeface="Cambria Math" panose="02040503050406030204" pitchFamily="18" charset="0"/>
+                                                  </a:rPr>
+                                                </m:ctrlPr>
+                                              </m:sSubPr>
+                                              <m:e>
+                                                <m:r>
+                                                  <a:rPr lang="pt-BR" sz="3200" i="1">
+                                                    <a:latin typeface="Cambria Math" panose="02040503050406030204" pitchFamily="18" charset="0"/>
+                                                  </a:rPr>
+                                                  <m:t>𝐶</m:t>
+                                                </m:r>
+                                              </m:e>
+                                              <m:sub>
+                                                <m:r>
+                                                  <a:rPr lang="pt-BR" sz="3200" b="0" i="1" smtClean="0">
+                                                    <a:latin typeface="Cambria Math" panose="02040503050406030204" pitchFamily="18" charset="0"/>
+                                                  </a:rPr>
+                                                  <m:t>2</m:t>
+                                                </m:r>
+                                                <m:r>
+                                                  <a:rPr lang="pt-BR" sz="3200" i="1">
+                                                    <a:latin typeface="Cambria Math" panose="02040503050406030204" pitchFamily="18" charset="0"/>
+                                                  </a:rPr>
+                                                  <m:t>1</m:t>
+                                                </m:r>
+                                              </m:sub>
+                                            </m:sSub>
+                                          </m:e>
+                                          <m:e>
+                                            <m:sSub>
+                                              <m:sSubPr>
+                                                <m:ctrlPr>
+                                                  <a:rPr lang="pt-BR" sz="3200" i="1">
+                                                    <a:latin typeface="Cambria Math" panose="02040503050406030204" pitchFamily="18" charset="0"/>
+                                                  </a:rPr>
+                                                </m:ctrlPr>
+                                              </m:sSubPr>
+                                              <m:e>
+                                                <m:r>
+                                                  <a:rPr lang="pt-BR" sz="3200" i="1">
+                                                    <a:latin typeface="Cambria Math" panose="02040503050406030204" pitchFamily="18" charset="0"/>
+                                                  </a:rPr>
+                                                  <m:t>𝐶</m:t>
+                                                </m:r>
+                                              </m:e>
+                                              <m:sub>
+                                                <m:r>
+                                                  <a:rPr lang="pt-BR" sz="3200" b="0" i="1" smtClean="0">
+                                                    <a:latin typeface="Cambria Math" panose="02040503050406030204" pitchFamily="18" charset="0"/>
+                                                  </a:rPr>
+                                                  <m:t>22</m:t>
+                                                </m:r>
+                                              </m:sub>
+                                            </m:sSub>
+                                          </m:e>
+                                        </m:mr>
+                                      </m:m>
+                                    </m:e>
+                                  </m:mr>
+                                </m:m>
+                              </m:e>
+                              <m:e>
+                                <m:r>
+                                  <a:rPr lang="pt-BR" sz="3200" b="0" i="1" smtClean="0">
+                                    <a:latin typeface="Cambria Math" panose="02040503050406030204" pitchFamily="18" charset="0"/>
+                                  </a:rPr>
+                                  <m:t>⋯</m:t>
+                                </m:r>
+                              </m:e>
+                              <m:e>
+                                <m:m>
+                                  <m:mPr>
+                                    <m:mcs>
+                                      <m:mc>
+                                        <m:mcPr>
+                                          <m:count m:val="1"/>
+                                          <m:mcJc m:val="center"/>
+                                        </m:mcPr>
+                                      </m:mc>
+                                    </m:mcs>
+                                    <m:ctrlPr>
+                                      <a:rPr lang="pt-BR" sz="3200" b="0" i="1" smtClean="0">
+                                        <a:latin typeface="Cambria Math" panose="02040503050406030204" pitchFamily="18" charset="0"/>
+                                      </a:rPr>
+                                    </m:ctrlPr>
+                                  </m:mPr>
+                                  <m:mr>
+                                    <m:e>
+                                      <m:sSub>
+                                        <m:sSubPr>
+                                          <m:ctrlPr>
+                                            <a:rPr lang="pt-BR" sz="3200" i="1">
+                                              <a:latin typeface="Cambria Math" panose="02040503050406030204" pitchFamily="18" charset="0"/>
+                                            </a:rPr>
+                                          </m:ctrlPr>
+                                        </m:sSubPr>
+                                        <m:e>
+                                          <m:r>
+                                            <a:rPr lang="pt-BR" sz="3200" i="1">
+                                              <a:latin typeface="Cambria Math" panose="02040503050406030204" pitchFamily="18" charset="0"/>
+                                            </a:rPr>
+                                            <m:t>𝐶</m:t>
+                                          </m:r>
+                                        </m:e>
+                                        <m:sub>
+                                          <m:r>
+                                            <a:rPr lang="pt-BR" sz="3200" i="1">
+                                              <a:latin typeface="Cambria Math" panose="02040503050406030204" pitchFamily="18" charset="0"/>
+                                            </a:rPr>
+                                            <m:t>1</m:t>
+                                          </m:r>
+                                          <m:r>
+                                            <a:rPr lang="pt-BR" sz="3200" i="1">
+                                              <a:latin typeface="Cambria Math" panose="02040503050406030204" pitchFamily="18" charset="0"/>
+                                            </a:rPr>
+                                            <m:t>𝑄</m:t>
+                                          </m:r>
+                                        </m:sub>
+                                      </m:sSub>
+                                    </m:e>
+                                  </m:mr>
+                                  <m:mr>
+                                    <m:e>
+                                      <m:sSub>
+                                        <m:sSubPr>
+                                          <m:ctrlPr>
+                                            <a:rPr lang="pt-BR" sz="3200" i="1">
+                                              <a:latin typeface="Cambria Math" panose="02040503050406030204" pitchFamily="18" charset="0"/>
+                                            </a:rPr>
+                                          </m:ctrlPr>
+                                        </m:sSubPr>
+                                        <m:e>
+                                          <m:r>
+                                            <a:rPr lang="pt-BR" sz="3200" i="1">
+                                              <a:latin typeface="Cambria Math" panose="02040503050406030204" pitchFamily="18" charset="0"/>
+                                            </a:rPr>
+                                            <m:t>𝐶</m:t>
+                                          </m:r>
+                                        </m:e>
+                                        <m:sub>
+                                          <m:r>
+                                            <a:rPr lang="pt-BR" sz="3200" b="0" i="1" smtClean="0">
+                                              <a:latin typeface="Cambria Math" panose="02040503050406030204" pitchFamily="18" charset="0"/>
+                                            </a:rPr>
+                                            <m:t>2</m:t>
+                                          </m:r>
+                                          <m:r>
+                                            <a:rPr lang="pt-BR" sz="3200" i="1">
+                                              <a:latin typeface="Cambria Math" panose="02040503050406030204" pitchFamily="18" charset="0"/>
+                                            </a:rPr>
+                                            <m:t>𝑄</m:t>
+                                          </m:r>
+                                        </m:sub>
+                                      </m:sSub>
+                                    </m:e>
+                                  </m:mr>
+                                </m:m>
+                              </m:e>
+                            </m:mr>
+                            <m:mr>
+                              <m:e>
+                                <m:r>
+                                  <a:rPr lang="pt-BR" sz="3200" b="0" i="1" smtClean="0">
+                                    <a:latin typeface="Cambria Math" panose="02040503050406030204" pitchFamily="18" charset="0"/>
+                                  </a:rPr>
+                                  <m:t>⋮</m:t>
+                                </m:r>
+                              </m:e>
+                              <m:e>
+                                <m:r>
+                                  <a:rPr lang="pt-BR" sz="3200" b="0" i="1" smtClean="0">
+                                    <a:latin typeface="Cambria Math" panose="02040503050406030204" pitchFamily="18" charset="0"/>
+                                  </a:rPr>
+                                  <m:t>⋱</m:t>
+                                </m:r>
+                              </m:e>
+                              <m:e>
+                                <m:r>
+                                  <a:rPr lang="pt-BR" sz="3200" b="0" i="1" smtClean="0">
+                                    <a:latin typeface="Cambria Math" panose="02040503050406030204" pitchFamily="18" charset="0"/>
+                                  </a:rPr>
+                                  <m:t>⋮</m:t>
+                                </m:r>
+                              </m:e>
+                            </m:mr>
+                            <m:mr>
+                              <m:e>
+                                <m:m>
+                                  <m:mPr>
+                                    <m:mcs>
+                                      <m:mc>
+                                        <m:mcPr>
+                                          <m:count m:val="2"/>
+                                          <m:mcJc m:val="center"/>
+                                        </m:mcPr>
+                                      </m:mc>
+                                    </m:mcs>
+                                    <m:ctrlPr>
+                                      <a:rPr lang="pt-BR" sz="3200" b="0" i="1" smtClean="0">
+                                        <a:latin typeface="Cambria Math" panose="02040503050406030204" pitchFamily="18" charset="0"/>
+                                      </a:rPr>
+                                    </m:ctrlPr>
+                                  </m:mPr>
+                                  <m:mr>
+                                    <m:e>
+                                      <m:sSub>
+                                        <m:sSubPr>
+                                          <m:ctrlPr>
+                                            <a:rPr lang="pt-BR" sz="3200" i="1">
+                                              <a:latin typeface="Cambria Math" panose="02040503050406030204" pitchFamily="18" charset="0"/>
+                                            </a:rPr>
+                                          </m:ctrlPr>
+                                        </m:sSubPr>
+                                        <m:e>
+                                          <m:r>
+                                            <a:rPr lang="pt-BR" sz="3200" i="1">
+                                              <a:latin typeface="Cambria Math" panose="02040503050406030204" pitchFamily="18" charset="0"/>
+                                            </a:rPr>
+                                            <m:t>𝐶</m:t>
+                                          </m:r>
+                                        </m:e>
+                                        <m:sub>
+                                          <m:r>
+                                            <a:rPr lang="pt-BR" sz="3200" b="0" i="1" smtClean="0">
+                                              <a:latin typeface="Cambria Math" panose="02040503050406030204" pitchFamily="18" charset="0"/>
+                                            </a:rPr>
+                                            <m:t>𝑄</m:t>
+                                          </m:r>
+                                          <m:r>
+                                            <a:rPr lang="pt-BR" sz="3200" i="1">
+                                              <a:latin typeface="Cambria Math" panose="02040503050406030204" pitchFamily="18" charset="0"/>
+                                            </a:rPr>
+                                            <m:t>1</m:t>
+                                          </m:r>
+                                        </m:sub>
+                                      </m:sSub>
+                                    </m:e>
+                                    <m:e>
+                                      <m:sSub>
+                                        <m:sSubPr>
+                                          <m:ctrlPr>
+                                            <a:rPr lang="pt-BR" sz="3200" i="1">
+                                              <a:latin typeface="Cambria Math" panose="02040503050406030204" pitchFamily="18" charset="0"/>
+                                            </a:rPr>
+                                          </m:ctrlPr>
+                                        </m:sSubPr>
+                                        <m:e>
+                                          <m:r>
+                                            <a:rPr lang="pt-BR" sz="3200" i="1">
+                                              <a:latin typeface="Cambria Math" panose="02040503050406030204" pitchFamily="18" charset="0"/>
+                                            </a:rPr>
+                                            <m:t>𝐶</m:t>
+                                          </m:r>
+                                        </m:e>
+                                        <m:sub>
+                                          <m:r>
+                                            <a:rPr lang="pt-BR" sz="3200" b="0" i="1" smtClean="0">
+                                              <a:latin typeface="Cambria Math" panose="02040503050406030204" pitchFamily="18" charset="0"/>
+                                            </a:rPr>
+                                            <m:t>𝑄</m:t>
+                                          </m:r>
+                                          <m:r>
+                                            <a:rPr lang="pt-BR" sz="3200" b="0" i="1" smtClean="0">
+                                              <a:latin typeface="Cambria Math" panose="02040503050406030204" pitchFamily="18" charset="0"/>
+                                            </a:rPr>
+                                            <m:t>2</m:t>
+                                          </m:r>
+                                        </m:sub>
+                                      </m:sSub>
+                                    </m:e>
+                                  </m:mr>
+                                </m:m>
+                              </m:e>
+                              <m:e>
+                                <m:r>
+                                  <a:rPr lang="pt-BR" sz="3200" b="0" i="1" smtClean="0">
+                                    <a:latin typeface="Cambria Math" panose="02040503050406030204" pitchFamily="18" charset="0"/>
+                                  </a:rPr>
+                                  <m:t>⋯</m:t>
+                                </m:r>
+                              </m:e>
+                              <m:e>
+                                <m:sSub>
+                                  <m:sSubPr>
+                                    <m:ctrlPr>
+                                      <a:rPr lang="pt-BR" sz="3200" i="1">
+                                        <a:latin typeface="Cambria Math" panose="02040503050406030204" pitchFamily="18" charset="0"/>
+                                      </a:rPr>
+                                    </m:ctrlPr>
+                                  </m:sSubPr>
+                                  <m:e>
+                                    <m:r>
+                                      <a:rPr lang="pt-BR" sz="3200" i="1">
+                                        <a:latin typeface="Cambria Math" panose="02040503050406030204" pitchFamily="18" charset="0"/>
+                                      </a:rPr>
+                                      <m:t>𝐶</m:t>
+                                    </m:r>
+                                  </m:e>
+                                  <m:sub>
+                                    <m:r>
+                                      <a:rPr lang="pt-BR" sz="3200" b="0" i="1" smtClean="0">
+                                        <a:latin typeface="Cambria Math" panose="02040503050406030204" pitchFamily="18" charset="0"/>
+                                      </a:rPr>
+                                      <m:t>𝑄</m:t>
+                                    </m:r>
+                                    <m:r>
+                                      <a:rPr lang="pt-BR" sz="3200" i="1">
+                                        <a:latin typeface="Cambria Math" panose="02040503050406030204" pitchFamily="18" charset="0"/>
+                                      </a:rPr>
+                                      <m:t>𝑄</m:t>
+                                    </m:r>
+                                  </m:sub>
+                                </m:sSub>
+                              </m:e>
+                            </m:mr>
+                          </m:m>
+                        </m:e>
+                      </m:d>
+                    </m:oMath>
+                  </m:oMathPara>
+                </a14:m>
+                <a:endParaRPr lang="pt-BR" sz="2400" dirty="0"/>
+              </a:p>
+            </p:txBody>
+          </p:sp>
+        </mc:Choice>
+        <mc:Fallback xmlns="">
+          <p:sp>
+            <p:nvSpPr>
+              <p:cNvPr id="5" name="CaixaDeTexto 4">
+                <a:extLst>
+                  <a:ext uri="{FF2B5EF4-FFF2-40B4-BE49-F238E27FC236}">
+                    <a16:creationId xmlns:a16="http://schemas.microsoft.com/office/drawing/2014/main" id="{9FE2C07F-02D2-0345-E394-150F01C017C4}"/>
+                  </a:ext>
+                </a:extLst>
+              </p:cNvPr>
+              <p:cNvSpPr txBox="1">
+                <a:spLocks noRot="1" noChangeAspect="1" noMove="1" noResize="1" noEditPoints="1" noAdjustHandles="1" noChangeArrowheads="1" noChangeShapeType="1" noTextEdit="1"/>
+              </p:cNvSpPr>
+              <p:nvPr/>
+            </p:nvSpPr>
+            <p:spPr>
+              <a:xfrm>
+                <a:off x="3036709" y="2488766"/>
+                <a:ext cx="4854223" cy="2122312"/>
+              </a:xfrm>
+              <a:prstGeom prst="rect">
+                <a:avLst/>
+              </a:prstGeom>
+              <a:blipFill>
+                <a:blip r:embed="rId2"/>
+                <a:stretch>
+                  <a:fillRect/>
+                </a:stretch>
+              </a:blipFill>
+            </p:spPr>
+            <p:txBody>
+              <a:bodyPr/>
+              <a:lstStyle/>
+              <a:p>
+                <a:r>
+                  <a:rPr lang="pt-BR">
+                    <a:noFill/>
+                  </a:rPr>
+                  <a:t> </a:t>
+                </a:r>
+              </a:p>
+            </p:txBody>
+          </p:sp>
+        </mc:Fallback>
+      </mc:AlternateContent>
+      <p:sp>
+        <p:nvSpPr>
+          <p:cNvPr id="6" name="Oval 3">
+            <a:extLst>
+              <a:ext uri="{FF2B5EF4-FFF2-40B4-BE49-F238E27FC236}">
+                <a16:creationId xmlns:a16="http://schemas.microsoft.com/office/drawing/2014/main" id="{E9839706-E14C-629A-7F56-18012BB99C3A}"/>
+              </a:ext>
+            </a:extLst>
+          </p:cNvPr>
+          <p:cNvSpPr/>
+          <p:nvPr/>
+        </p:nvSpPr>
+        <p:spPr>
+          <a:xfrm>
+            <a:off x="3794234" y="2523792"/>
+            <a:ext cx="4096698" cy="526285"/>
+          </a:xfrm>
+          <a:prstGeom prst="ellipse">
+            <a:avLst/>
+          </a:prstGeom>
+          <a:noFill/>
+          <a:ln>
+            <a:solidFill>
+              <a:srgbClr val="FF0000"/>
+            </a:solidFill>
+          </a:ln>
+        </p:spPr>
+        <p:style>
+          <a:lnRef idx="2">
+            <a:schemeClr val="accent1">
+              <a:shade val="50000"/>
+            </a:schemeClr>
+          </a:lnRef>
+          <a:fillRef idx="1">
+            <a:schemeClr val="accent1"/>
+          </a:fillRef>
+          <a:effectRef idx="0">
+            <a:schemeClr val="accent1"/>
+          </a:effectRef>
+          <a:fontRef idx="minor">
+            <a:schemeClr val="lt1"/>
+          </a:fontRef>
+        </p:style>
+        <p:txBody>
+          <a:bodyPr rtlCol="0" anchor="ctr"/>
+          <a:lstStyle/>
+          <a:p>
+            <a:pPr algn="ctr"/>
+            <a:endParaRPr lang="pt-BR"/>
+          </a:p>
+        </p:txBody>
+      </p:sp>
+      <p:sp>
+        <p:nvSpPr>
+          <p:cNvPr id="7" name="TextBox 4">
+            <a:extLst>
+              <a:ext uri="{FF2B5EF4-FFF2-40B4-BE49-F238E27FC236}">
+                <a16:creationId xmlns:a16="http://schemas.microsoft.com/office/drawing/2014/main" id="{6279C33D-9270-DC3C-212E-0FD57AC45F7D}"/>
+              </a:ext>
+            </a:extLst>
+          </p:cNvPr>
+          <p:cNvSpPr txBox="1"/>
+          <p:nvPr/>
+        </p:nvSpPr>
+        <p:spPr>
+          <a:xfrm>
+            <a:off x="7894389" y="2452160"/>
+            <a:ext cx="3401321" cy="707886"/>
+          </a:xfrm>
+          <a:prstGeom prst="rect">
+            <a:avLst/>
+          </a:prstGeom>
+          <a:noFill/>
+        </p:spPr>
+        <p:txBody>
+          <a:bodyPr wrap="square" rtlCol="0">
+            <a:spAutoFit/>
+          </a:bodyPr>
+          <a:lstStyle/>
+          <a:p>
+            <a:pPr algn="ctr"/>
+            <a:r>
+              <a:rPr lang="pt-BR" sz="2000" dirty="0"/>
+              <a:t>Exemplos classificados como pertencentes à classe 1.</a:t>
+            </a:r>
+          </a:p>
+        </p:txBody>
+      </p:sp>
+      <p:sp>
+        <p:nvSpPr>
+          <p:cNvPr id="8" name="Oval 5">
+            <a:extLst>
+              <a:ext uri="{FF2B5EF4-FFF2-40B4-BE49-F238E27FC236}">
+                <a16:creationId xmlns:a16="http://schemas.microsoft.com/office/drawing/2014/main" id="{1BD26B11-37BD-057A-7642-8513680C0B09}"/>
+              </a:ext>
+            </a:extLst>
+          </p:cNvPr>
+          <p:cNvSpPr/>
+          <p:nvPr/>
+        </p:nvSpPr>
+        <p:spPr>
+          <a:xfrm rot="5400000">
+            <a:off x="3302270" y="3141648"/>
+            <a:ext cx="2251700" cy="792259"/>
+          </a:xfrm>
+          <a:prstGeom prst="ellipse">
+            <a:avLst/>
+          </a:prstGeom>
+          <a:noFill/>
+          <a:ln>
+            <a:solidFill>
+              <a:srgbClr val="FF0000"/>
+            </a:solidFill>
+          </a:ln>
+        </p:spPr>
+        <p:style>
+          <a:lnRef idx="2">
+            <a:schemeClr val="accent1">
+              <a:shade val="50000"/>
+            </a:schemeClr>
+          </a:lnRef>
+          <a:fillRef idx="1">
+            <a:schemeClr val="accent1"/>
+          </a:fillRef>
+          <a:effectRef idx="0">
+            <a:schemeClr val="accent1"/>
+          </a:effectRef>
+          <a:fontRef idx="minor">
+            <a:schemeClr val="lt1"/>
+          </a:fontRef>
+        </p:style>
+        <p:txBody>
+          <a:bodyPr rtlCol="0" anchor="ctr"/>
+          <a:lstStyle/>
+          <a:p>
+            <a:pPr algn="ctr"/>
+            <a:endParaRPr lang="pt-BR"/>
+          </a:p>
+        </p:txBody>
+      </p:sp>
+      <p:sp>
+        <p:nvSpPr>
+          <p:cNvPr id="9" name="Freeform 6">
+            <a:extLst>
+              <a:ext uri="{FF2B5EF4-FFF2-40B4-BE49-F238E27FC236}">
+                <a16:creationId xmlns:a16="http://schemas.microsoft.com/office/drawing/2014/main" id="{0F0FD986-F79E-DA0A-829E-1F5A7437324A}"/>
+              </a:ext>
+            </a:extLst>
+          </p:cNvPr>
+          <p:cNvSpPr/>
+          <p:nvPr/>
+        </p:nvSpPr>
+        <p:spPr>
+          <a:xfrm>
+            <a:off x="7525012" y="2452160"/>
+            <a:ext cx="577516" cy="145253"/>
+          </a:xfrm>
+          <a:custGeom>
+            <a:avLst/>
+            <a:gdLst>
+              <a:gd name="connsiteX0" fmla="*/ 0 w 577516"/>
+              <a:gd name="connsiteY0" fmla="*/ 145253 h 145253"/>
+              <a:gd name="connsiteX1" fmla="*/ 272716 w 577516"/>
+              <a:gd name="connsiteY1" fmla="*/ 874 h 145253"/>
+              <a:gd name="connsiteX2" fmla="*/ 577516 w 577516"/>
+              <a:gd name="connsiteY2" fmla="*/ 81085 h 145253"/>
+            </a:gdLst>
+            <a:ahLst/>
+            <a:cxnLst>
+              <a:cxn ang="0">
+                <a:pos x="connsiteX0" y="connsiteY0"/>
+              </a:cxn>
+              <a:cxn ang="0">
+                <a:pos x="connsiteX1" y="connsiteY1"/>
+              </a:cxn>
+              <a:cxn ang="0">
+                <a:pos x="connsiteX2" y="connsiteY2"/>
+              </a:cxn>
+            </a:cxnLst>
+            <a:rect l="l" t="t" r="r" b="b"/>
+            <a:pathLst>
+              <a:path w="577516" h="145253">
+                <a:moveTo>
+                  <a:pt x="0" y="145253"/>
+                </a:moveTo>
+                <a:cubicBezTo>
+                  <a:pt x="88231" y="78411"/>
+                  <a:pt x="176463" y="11569"/>
+                  <a:pt x="272716" y="874"/>
+                </a:cubicBezTo>
+                <a:cubicBezTo>
+                  <a:pt x="368969" y="-9821"/>
+                  <a:pt x="577516" y="81085"/>
+                  <a:pt x="577516" y="81085"/>
+                </a:cubicBezTo>
+              </a:path>
+            </a:pathLst>
+          </a:custGeom>
+          <a:noFill/>
+          <a:ln>
+            <a:solidFill>
+              <a:schemeClr val="tx1"/>
+            </a:solidFill>
+            <a:headEnd type="none" w="med" len="med"/>
+            <a:tailEnd type="triangle" w="med" len="med"/>
+          </a:ln>
+        </p:spPr>
+        <p:style>
+          <a:lnRef idx="2">
+            <a:schemeClr val="accent1">
+              <a:shade val="50000"/>
+            </a:schemeClr>
+          </a:lnRef>
+          <a:fillRef idx="1">
+            <a:schemeClr val="accent1"/>
+          </a:fillRef>
+          <a:effectRef idx="0">
+            <a:schemeClr val="accent1"/>
+          </a:effectRef>
+          <a:fontRef idx="minor">
+            <a:schemeClr val="lt1"/>
+          </a:fontRef>
+        </p:style>
+        <p:txBody>
+          <a:bodyPr rtlCol="0" anchor="ctr"/>
+          <a:lstStyle/>
+          <a:p>
+            <a:pPr algn="ctr"/>
+            <a:endParaRPr lang="pt-BR"/>
+          </a:p>
+        </p:txBody>
+      </p:sp>
+      <p:sp>
+        <p:nvSpPr>
+          <p:cNvPr id="10" name="TextBox 7">
+            <a:extLst>
+              <a:ext uri="{FF2B5EF4-FFF2-40B4-BE49-F238E27FC236}">
+                <a16:creationId xmlns:a16="http://schemas.microsoft.com/office/drawing/2014/main" id="{30228E55-A04A-15F3-F542-24A94935CB8F}"/>
+              </a:ext>
+            </a:extLst>
+          </p:cNvPr>
+          <p:cNvSpPr txBox="1"/>
+          <p:nvPr/>
+        </p:nvSpPr>
+        <p:spPr>
+          <a:xfrm>
+            <a:off x="1260491" y="4807062"/>
+            <a:ext cx="3921108" cy="707886"/>
+          </a:xfrm>
+          <a:prstGeom prst="rect">
+            <a:avLst/>
+          </a:prstGeom>
+          <a:noFill/>
+        </p:spPr>
+        <p:txBody>
+          <a:bodyPr wrap="square" rtlCol="0">
+            <a:spAutoFit/>
+          </a:bodyPr>
+          <a:lstStyle/>
+          <a:p>
+            <a:pPr algn="ctr"/>
+            <a:r>
+              <a:rPr lang="pt-BR" sz="2000" dirty="0"/>
+              <a:t>Quantidade de exemplos realmente pertencentes à classe 1.</a:t>
+            </a:r>
+          </a:p>
+        </p:txBody>
+      </p:sp>
+      <p:sp>
+        <p:nvSpPr>
+          <p:cNvPr id="11" name="Freeform 8">
+            <a:extLst>
+              <a:ext uri="{FF2B5EF4-FFF2-40B4-BE49-F238E27FC236}">
+                <a16:creationId xmlns:a16="http://schemas.microsoft.com/office/drawing/2014/main" id="{DE8EF324-A6C8-6014-6A79-6F6CD536E661}"/>
+              </a:ext>
+            </a:extLst>
+          </p:cNvPr>
+          <p:cNvSpPr/>
+          <p:nvPr/>
+        </p:nvSpPr>
+        <p:spPr>
+          <a:xfrm rot="871324">
+            <a:off x="3488790" y="4556114"/>
+            <a:ext cx="792260" cy="501897"/>
+          </a:xfrm>
+          <a:custGeom>
+            <a:avLst/>
+            <a:gdLst>
+              <a:gd name="connsiteX0" fmla="*/ 994610 w 994610"/>
+              <a:gd name="connsiteY0" fmla="*/ 0 h 80211"/>
+              <a:gd name="connsiteX1" fmla="*/ 0 w 994610"/>
+              <a:gd name="connsiteY1" fmla="*/ 80211 h 80211"/>
+            </a:gdLst>
+            <a:ahLst/>
+            <a:cxnLst>
+              <a:cxn ang="0">
+                <a:pos x="connsiteX0" y="connsiteY0"/>
+              </a:cxn>
+              <a:cxn ang="0">
+                <a:pos x="connsiteX1" y="connsiteY1"/>
+              </a:cxn>
+            </a:cxnLst>
+            <a:rect l="l" t="t" r="r" b="b"/>
+            <a:pathLst>
+              <a:path w="994610" h="80211">
+                <a:moveTo>
+                  <a:pt x="994610" y="0"/>
+                </a:moveTo>
+                <a:cubicBezTo>
+                  <a:pt x="596231" y="18716"/>
+                  <a:pt x="197853" y="37432"/>
+                  <a:pt x="0" y="80211"/>
+                </a:cubicBezTo>
+              </a:path>
+            </a:pathLst>
+          </a:custGeom>
+          <a:noFill/>
+          <a:ln>
+            <a:solidFill>
+              <a:schemeClr val="tx1"/>
+            </a:solidFill>
+            <a:headEnd type="none" w="med" len="med"/>
+            <a:tailEnd type="triangle" w="med" len="med"/>
+          </a:ln>
+        </p:spPr>
+        <p:style>
+          <a:lnRef idx="2">
+            <a:schemeClr val="accent1">
+              <a:shade val="50000"/>
+            </a:schemeClr>
+          </a:lnRef>
+          <a:fillRef idx="1">
+            <a:schemeClr val="accent1"/>
+          </a:fillRef>
+          <a:effectRef idx="0">
+            <a:schemeClr val="accent1"/>
+          </a:effectRef>
+          <a:fontRef idx="minor">
+            <a:schemeClr val="lt1"/>
+          </a:fontRef>
+        </p:style>
+        <p:txBody>
+          <a:bodyPr rtlCol="0" anchor="ctr"/>
+          <a:lstStyle/>
+          <a:p>
+            <a:pPr algn="ctr"/>
+            <a:endParaRPr lang="pt-BR"/>
+          </a:p>
+        </p:txBody>
+      </p:sp>
+      <mc:AlternateContent xmlns:mc="http://schemas.openxmlformats.org/markup-compatibility/2006">
+        <mc:Choice xmlns:a14="http://schemas.microsoft.com/office/drawing/2010/main" Requires="a14">
+          <p:sp>
+            <p:nvSpPr>
+              <p:cNvPr id="12" name="Rectangle 9">
+                <a:extLst>
+                  <a:ext uri="{FF2B5EF4-FFF2-40B4-BE49-F238E27FC236}">
+                    <a16:creationId xmlns:a16="http://schemas.microsoft.com/office/drawing/2014/main" id="{B0A8A935-42A2-46DB-34B6-70E5007CD2FA}"/>
+                  </a:ext>
+                </a:extLst>
+              </p:cNvPr>
+              <p:cNvSpPr/>
+              <p:nvPr/>
+            </p:nvSpPr>
+            <p:spPr>
+              <a:xfrm>
+                <a:off x="6758152" y="5298131"/>
+                <a:ext cx="5241500" cy="1323439"/>
+              </a:xfrm>
+              <a:prstGeom prst="rect">
+                <a:avLst/>
+              </a:prstGeom>
+            </p:spPr>
+            <p:txBody>
+              <a:bodyPr wrap="square">
+                <a:spAutoFit/>
+              </a:bodyPr>
+              <a:lstStyle/>
+              <a:p>
+                <a:pPr marL="285750" indent="-285750">
+                  <a:buFont typeface="Arial" panose="020B0604020202020204" pitchFamily="34" charset="0"/>
+                  <a:buChar char="•"/>
+                </a:pPr>
+                <a14:m>
+                  <m:oMath xmlns:m="http://schemas.openxmlformats.org/officeDocument/2006/math">
+                    <m:sSub>
+                      <m:sSubPr>
+                        <m:ctrlPr>
+                          <a:rPr lang="pt-BR" sz="2000" i="1" smtClean="0">
+                            <a:latin typeface="Cambria Math" panose="02040503050406030204" pitchFamily="18" charset="0"/>
+                          </a:rPr>
+                        </m:ctrlPr>
+                      </m:sSubPr>
+                      <m:e>
+                        <m:r>
+                          <a:rPr lang="pt-BR" sz="2000" i="1">
+                            <a:latin typeface="Cambria Math" panose="02040503050406030204" pitchFamily="18" charset="0"/>
+                          </a:rPr>
+                          <m:t>𝐶</m:t>
+                        </m:r>
+                      </m:e>
+                      <m:sub>
+                        <m:r>
+                          <a:rPr lang="pt-BR" sz="2000" i="1">
+                            <a:latin typeface="Cambria Math" panose="02040503050406030204" pitchFamily="18" charset="0"/>
+                          </a:rPr>
+                          <m:t>1</m:t>
+                        </m:r>
+                        <m:r>
+                          <a:rPr lang="pt-BR" sz="2000" b="0" i="1" smtClean="0">
+                            <a:latin typeface="Cambria Math" panose="02040503050406030204" pitchFamily="18" charset="0"/>
+                          </a:rPr>
+                          <m:t>1</m:t>
+                        </m:r>
+                      </m:sub>
+                    </m:sSub>
+                  </m:oMath>
+                </a14:m>
+                <a:r>
+                  <a:rPr lang="pt-BR" sz="2000" dirty="0"/>
+                  <a:t> indica quantos exemplos da classe 1 foram corretamente atribuídos à classe 1.</a:t>
+                </a:r>
+              </a:p>
+              <a:p>
+                <a:pPr marL="285750" indent="-285750">
+                  <a:buFont typeface="Arial" panose="020B0604020202020204" pitchFamily="34" charset="0"/>
+                  <a:buChar char="•"/>
+                </a:pPr>
+                <a14:m>
+                  <m:oMath xmlns:m="http://schemas.openxmlformats.org/officeDocument/2006/math">
+                    <m:sSub>
+                      <m:sSubPr>
+                        <m:ctrlPr>
+                          <a:rPr lang="pt-BR" sz="2000" i="1">
+                            <a:latin typeface="Cambria Math" panose="02040503050406030204" pitchFamily="18" charset="0"/>
+                          </a:rPr>
+                        </m:ctrlPr>
+                      </m:sSubPr>
+                      <m:e>
+                        <m:r>
+                          <a:rPr lang="pt-BR" sz="2000" i="1">
+                            <a:latin typeface="Cambria Math" panose="02040503050406030204" pitchFamily="18" charset="0"/>
+                          </a:rPr>
+                          <m:t>𝐶</m:t>
+                        </m:r>
+                      </m:e>
+                      <m:sub>
+                        <m:r>
+                          <a:rPr lang="pt-BR" sz="2000" i="1">
+                            <a:latin typeface="Cambria Math" panose="02040503050406030204" pitchFamily="18" charset="0"/>
+                          </a:rPr>
+                          <m:t>12</m:t>
+                        </m:r>
+                      </m:sub>
+                    </m:sSub>
+                  </m:oMath>
+                </a14:m>
+                <a:r>
+                  <a:rPr lang="pt-BR" sz="2000" dirty="0"/>
+                  <a:t> indica quantos exemplos da classe 2 foram atribuídos à classe 1.</a:t>
+                </a:r>
+              </a:p>
+            </p:txBody>
+          </p:sp>
+        </mc:Choice>
+        <mc:Fallback>
+          <p:sp>
+            <p:nvSpPr>
+              <p:cNvPr id="12" name="Rectangle 9">
+                <a:extLst>
+                  <a:ext uri="{FF2B5EF4-FFF2-40B4-BE49-F238E27FC236}">
+                    <a16:creationId xmlns:a16="http://schemas.microsoft.com/office/drawing/2014/main" id="{B0A8A935-42A2-46DB-34B6-70E5007CD2FA}"/>
+                  </a:ext>
+                </a:extLst>
+              </p:cNvPr>
+              <p:cNvSpPr>
+                <a:spLocks noRot="1" noChangeAspect="1" noMove="1" noResize="1" noEditPoints="1" noAdjustHandles="1" noChangeArrowheads="1" noChangeShapeType="1" noTextEdit="1"/>
+              </p:cNvSpPr>
+              <p:nvPr/>
+            </p:nvSpPr>
+            <p:spPr>
+              <a:xfrm>
+                <a:off x="6758152" y="5298131"/>
+                <a:ext cx="5241500" cy="1323439"/>
+              </a:xfrm>
+              <a:prstGeom prst="rect">
+                <a:avLst/>
+              </a:prstGeom>
+              <a:blipFill>
+                <a:blip r:embed="rId3"/>
+                <a:stretch>
+                  <a:fillRect l="-1048" t="-2304" b="-7373"/>
+                </a:stretch>
+              </a:blipFill>
+            </p:spPr>
+            <p:txBody>
+              <a:bodyPr/>
+              <a:lstStyle/>
+              <a:p>
+                <a:r>
+                  <a:rPr lang="pt-BR">
+                    <a:noFill/>
+                  </a:rPr>
+                  <a:t> </a:t>
+                </a:r>
+              </a:p>
+            </p:txBody>
+          </p:sp>
+        </mc:Fallback>
+      </mc:AlternateContent>
+    </p:spTree>
+    <p:extLst>
+      <p:ext uri="{BB962C8B-B14F-4D97-AF65-F5344CB8AC3E}">
+        <p14:creationId xmlns:p14="http://schemas.microsoft.com/office/powerpoint/2010/main" val="2650404357"/>
+      </p:ext>
+    </p:extLst>
+  </p:cSld>
+  <p:clrMapOvr>
+    <a:masterClrMapping/>
+  </p:clrMapOvr>
+</p:sld>
+</file>
+
+<file path=ppt/slides/slide6.xml><?xml version="1.0" encoding="utf-8"?>
+<p:sld xmlns:a="http://schemas.openxmlformats.org/drawingml/2006/main" xmlns:r="http://schemas.openxmlformats.org/officeDocument/2006/relationships" xmlns:p="http://schemas.openxmlformats.org/presentationml/2006/main">
+  <p:cSld>
+    <p:spTree>
+      <p:nvGrpSpPr>
+        <p:cNvPr id="1" name=""/>
+        <p:cNvGrpSpPr/>
+        <p:nvPr/>
+      </p:nvGrpSpPr>
+      <p:grpSpPr>
+        <a:xfrm>
+          <a:off x="0" y="0"/>
+          <a:ext cx="0" cy="0"/>
+          <a:chOff x="0" y="0"/>
+          <a:chExt cx="0" cy="0"/>
+        </a:xfrm>
+      </p:grpSpPr>
+      <p:sp>
+        <p:nvSpPr>
+          <p:cNvPr id="2" name="Título 1">
+            <a:extLst>
+              <a:ext uri="{FF2B5EF4-FFF2-40B4-BE49-F238E27FC236}">
+                <a16:creationId xmlns:a16="http://schemas.microsoft.com/office/drawing/2014/main" id="{2EDB17EF-5EC1-A178-3122-9310D2C0D3C6}"/>
+              </a:ext>
+            </a:extLst>
+          </p:cNvPr>
+          <p:cNvSpPr>
+            <a:spLocks noGrp="1"/>
+          </p:cNvSpPr>
+          <p:nvPr>
+            <p:ph type="title"/>
+          </p:nvPr>
+        </p:nvSpPr>
+        <p:spPr/>
+        <p:txBody>
+          <a:bodyPr/>
+          <a:lstStyle/>
+          <a:p>
+            <a:endParaRPr lang="pt-BR"/>
+          </a:p>
+        </p:txBody>
+      </p:sp>
+      <p:sp>
+        <p:nvSpPr>
+          <p:cNvPr id="3" name="Espaço Reservado para Conteúdo 2">
+            <a:extLst>
+              <a:ext uri="{FF2B5EF4-FFF2-40B4-BE49-F238E27FC236}">
+                <a16:creationId xmlns:a16="http://schemas.microsoft.com/office/drawing/2014/main" id="{4CE4F3F6-7A65-B7F1-2B42-9CAC9874D1F0}"/>
+              </a:ext>
+            </a:extLst>
+          </p:cNvPr>
+          <p:cNvSpPr>
+            <a:spLocks noGrp="1"/>
+          </p:cNvSpPr>
+          <p:nvPr>
+            <p:ph idx="1"/>
+          </p:nvPr>
+        </p:nvSpPr>
+        <p:spPr/>
+        <p:txBody>
+          <a:bodyPr/>
+          <a:lstStyle/>
+          <a:p>
+            <a:endParaRPr lang="pt-BR" dirty="0"/>
+          </a:p>
+        </p:txBody>
+      </p:sp>
+    </p:spTree>
+    <p:extLst>
+      <p:ext uri="{BB962C8B-B14F-4D97-AF65-F5344CB8AC3E}">
+        <p14:creationId xmlns:p14="http://schemas.microsoft.com/office/powerpoint/2010/main" val="1446672741"/>
+      </p:ext>
+    </p:extLst>
+  </p:cSld>
+  <p:clrMapOvr>
+    <a:masterClrMapping/>
+  </p:clrMapOvr>
+</p:sld>
+</file>
+
+<file path=ppt/slides/slide7.xml><?xml version="1.0" encoding="utf-8"?>
+<p:sld xmlns:a="http://schemas.openxmlformats.org/drawingml/2006/main" xmlns:r="http://schemas.openxmlformats.org/officeDocument/2006/relationships" xmlns:p="http://schemas.openxmlformats.org/presentationml/2006/main">
+  <p:cSld>
+    <p:spTree>
+      <p:nvGrpSpPr>
+        <p:cNvPr id="1" name=""/>
+        <p:cNvGrpSpPr/>
+        <p:nvPr/>
+      </p:nvGrpSpPr>
+      <p:grpSpPr>
+        <a:xfrm>
+          <a:off x="0" y="0"/>
+          <a:ext cx="0" cy="0"/>
+          <a:chOff x="0" y="0"/>
+          <a:chExt cx="0" cy="0"/>
+        </a:xfrm>
+      </p:grpSpPr>
+      <p:sp>
+        <p:nvSpPr>
+          <p:cNvPr id="2" name="Título 1">
+            <a:extLst>
+              <a:ext uri="{FF2B5EF4-FFF2-40B4-BE49-F238E27FC236}">
+                <a16:creationId xmlns:a16="http://schemas.microsoft.com/office/drawing/2014/main" id="{9CD00B3E-85D7-8B25-6629-4A85FF36133A}"/>
+              </a:ext>
+            </a:extLst>
+          </p:cNvPr>
+          <p:cNvSpPr>
+            <a:spLocks noGrp="1"/>
+          </p:cNvSpPr>
+          <p:nvPr>
+            <p:ph type="title"/>
+          </p:nvPr>
+        </p:nvSpPr>
+        <p:spPr/>
+        <p:txBody>
+          <a:bodyPr/>
+          <a:lstStyle/>
+          <a:p>
+            <a:r>
+              <a:rPr lang="pt-BR" dirty="0"/>
+              <a:t>Exemplo</a:t>
+            </a:r>
+          </a:p>
+        </p:txBody>
+      </p:sp>
+      <p:sp>
+        <p:nvSpPr>
+          <p:cNvPr id="3" name="Espaço Reservado para Conteúdo 2">
+            <a:extLst>
+              <a:ext uri="{FF2B5EF4-FFF2-40B4-BE49-F238E27FC236}">
+                <a16:creationId xmlns:a16="http://schemas.microsoft.com/office/drawing/2014/main" id="{9730104F-E6BA-B308-644A-11A7E4939EBD}"/>
+              </a:ext>
+            </a:extLst>
+          </p:cNvPr>
+          <p:cNvSpPr>
+            <a:spLocks noGrp="1"/>
+          </p:cNvSpPr>
+          <p:nvPr>
+            <p:ph idx="1"/>
+          </p:nvPr>
+        </p:nvSpPr>
+        <p:spPr>
+          <a:xfrm>
+            <a:off x="838200" y="1825625"/>
+            <a:ext cx="11157898" cy="4351338"/>
+          </a:xfrm>
+        </p:spPr>
+        <p:txBody>
+          <a:bodyPr/>
+          <a:lstStyle/>
+          <a:p>
+            <a:r>
+              <a:rPr lang="pt-BR" dirty="0"/>
+              <a:t>Exemplo:</a:t>
+            </a:r>
+          </a:p>
+        </p:txBody>
+      </p:sp>
+      <p:pic>
+        <p:nvPicPr>
+          <p:cNvPr id="2050" name="Picture 2" descr="TensorFlow">
+            <a:extLst>
+              <a:ext uri="{FF2B5EF4-FFF2-40B4-BE49-F238E27FC236}">
+                <a16:creationId xmlns:a16="http://schemas.microsoft.com/office/drawing/2014/main" id="{87B75C17-2A48-E33A-B66B-927CA792D831}"/>
+              </a:ext>
+            </a:extLst>
+          </p:cNvPr>
+          <p:cNvPicPr>
+            <a:picLocks noChangeAspect="1" noChangeArrowheads="1"/>
+          </p:cNvPicPr>
+          <p:nvPr/>
+        </p:nvPicPr>
+        <p:blipFill>
+          <a:blip r:embed="rId3">
+            <a:extLst>
+              <a:ext uri="{28A0092B-C50C-407E-A947-70E740481C1C}">
+                <a14:useLocalDpi xmlns:a14="http://schemas.microsoft.com/office/drawing/2010/main" val="0"/>
+              </a:ext>
+            </a:extLst>
+          </a:blip>
+          <a:srcRect/>
+          <a:stretch>
+            <a:fillRect/>
+          </a:stretch>
+        </p:blipFill>
+        <p:spPr bwMode="auto">
+          <a:xfrm>
+            <a:off x="1939875" y="2923470"/>
+            <a:ext cx="4099479" cy="2305957"/>
+          </a:xfrm>
+          <a:prstGeom prst="rect">
+            <a:avLst/>
+          </a:prstGeom>
+          <a:noFill/>
+          <a:extLst>
+            <a:ext uri="{909E8E84-426E-40DD-AFC4-6F175D3DCCD1}">
+              <a14:hiddenFill xmlns:a14="http://schemas.microsoft.com/office/drawing/2010/main">
+                <a:solidFill>
+                  <a:srgbClr val="FFFFFF"/>
+                </a:solidFill>
+              </a14:hiddenFill>
+            </a:ext>
+          </a:extLst>
+        </p:spPr>
+      </p:pic>
+      <p:pic>
+        <p:nvPicPr>
+          <p:cNvPr id="2052" name="Picture 4" descr="Project Jupyter | Try Jupyter">
+            <a:extLst>
+              <a:ext uri="{FF2B5EF4-FFF2-40B4-BE49-F238E27FC236}">
+                <a16:creationId xmlns:a16="http://schemas.microsoft.com/office/drawing/2014/main" id="{FC70A9A5-A2C7-C005-C6C5-A9FF775654D9}"/>
+              </a:ext>
+            </a:extLst>
+          </p:cNvPr>
+          <p:cNvPicPr>
+            <a:picLocks noChangeAspect="1" noChangeArrowheads="1"/>
+          </p:cNvPicPr>
+          <p:nvPr/>
+        </p:nvPicPr>
+        <p:blipFill>
+          <a:blip r:embed="rId4">
+            <a:extLst>
+              <a:ext uri="{28A0092B-C50C-407E-A947-70E740481C1C}">
+                <a14:useLocalDpi xmlns:a14="http://schemas.microsoft.com/office/drawing/2010/main" val="0"/>
+              </a:ext>
+            </a:extLst>
+          </a:blip>
+          <a:srcRect/>
+          <a:stretch>
+            <a:fillRect/>
+          </a:stretch>
+        </p:blipFill>
+        <p:spPr bwMode="auto">
+          <a:xfrm>
+            <a:off x="5203370" y="3167764"/>
+            <a:ext cx="3461657" cy="1817370"/>
+          </a:xfrm>
+          <a:prstGeom prst="rect">
+            <a:avLst/>
+          </a:prstGeom>
+          <a:noFill/>
+          <a:extLst>
+            <a:ext uri="{909E8E84-426E-40DD-AFC4-6F175D3DCCD1}">
+              <a14:hiddenFill xmlns:a14="http://schemas.microsoft.com/office/drawing/2010/main">
+                <a:solidFill>
+                  <a:srgbClr val="FFFFFF"/>
+                </a:solidFill>
+              </a14:hiddenFill>
+            </a:ext>
+          </a:extLst>
+        </p:spPr>
+      </p:pic>
+      <p:pic>
+        <p:nvPicPr>
+          <p:cNvPr id="2056" name="Picture 8" descr="Google Colaboratory Colab - Guía Completa Español - Marketing Branding">
+            <a:extLst>
+              <a:ext uri="{FF2B5EF4-FFF2-40B4-BE49-F238E27FC236}">
+                <a16:creationId xmlns:a16="http://schemas.microsoft.com/office/drawing/2014/main" id="{8A007768-2032-FE11-22C9-9394A0EF02EF}"/>
+              </a:ext>
+            </a:extLst>
+          </p:cNvPr>
+          <p:cNvPicPr>
+            <a:picLocks noChangeAspect="1" noChangeArrowheads="1"/>
+          </p:cNvPicPr>
+          <p:nvPr/>
+        </p:nvPicPr>
+        <p:blipFill rotWithShape="1">
+          <a:blip r:embed="rId5">
+            <a:extLst>
+              <a:ext uri="{28A0092B-C50C-407E-A947-70E740481C1C}">
+                <a14:useLocalDpi xmlns:a14="http://schemas.microsoft.com/office/drawing/2010/main" val="0"/>
+              </a:ext>
+            </a:extLst>
+          </a:blip>
+          <a:srcRect l="5865" r="10641"/>
+          <a:stretch/>
+        </p:blipFill>
+        <p:spPr bwMode="auto">
+          <a:xfrm>
+            <a:off x="8665027" y="2746576"/>
+            <a:ext cx="3331071" cy="2659743"/>
+          </a:xfrm>
+          <a:prstGeom prst="rect">
+            <a:avLst/>
+          </a:prstGeom>
+          <a:noFill/>
+          <a:extLst>
+            <a:ext uri="{909E8E84-426E-40DD-AFC4-6F175D3DCCD1}">
+              <a14:hiddenFill xmlns:a14="http://schemas.microsoft.com/office/drawing/2010/main">
+                <a:solidFill>
+                  <a:srgbClr val="FFFFFF"/>
+                </a:solidFill>
+              </a14:hiddenFill>
+            </a:ext>
+          </a:extLst>
+        </p:spPr>
+      </p:pic>
+      <p:pic>
+        <p:nvPicPr>
+          <p:cNvPr id="2058" name="Picture 10" descr="IT12A01: FUNDAMENTALS OF PYTHON PROGRAMMING (SF) (SYNCHRONOUS E-LEARNING) -  NTUC LearningHub">
+            <a:extLst>
+              <a:ext uri="{FF2B5EF4-FFF2-40B4-BE49-F238E27FC236}">
+                <a16:creationId xmlns:a16="http://schemas.microsoft.com/office/drawing/2014/main" id="{80EDF8DB-E749-8471-3ACA-2FFE3006FC46}"/>
+              </a:ext>
+            </a:extLst>
+          </p:cNvPr>
+          <p:cNvPicPr>
+            <a:picLocks noChangeAspect="1" noChangeArrowheads="1"/>
+          </p:cNvPicPr>
+          <p:nvPr/>
+        </p:nvPicPr>
+        <p:blipFill rotWithShape="1">
+          <a:blip r:embed="rId6">
+            <a:extLst>
+              <a:ext uri="{28A0092B-C50C-407E-A947-70E740481C1C}">
+                <a14:useLocalDpi xmlns:a14="http://schemas.microsoft.com/office/drawing/2010/main" val="0"/>
+              </a:ext>
+            </a:extLst>
+          </a:blip>
+          <a:srcRect l="23319" r="20198"/>
+          <a:stretch/>
+        </p:blipFill>
+        <p:spPr bwMode="auto">
+          <a:xfrm>
+            <a:off x="304800" y="3167764"/>
+            <a:ext cx="1894114" cy="1877924"/>
+          </a:xfrm>
+          <a:prstGeom prst="rect">
+            <a:avLst/>
+          </a:prstGeom>
+          <a:noFill/>
+          <a:extLst>
+            <a:ext uri="{909E8E84-426E-40DD-AFC4-6F175D3DCCD1}">
+              <a14:hiddenFill xmlns:a14="http://schemas.microsoft.com/office/drawing/2010/main">
+                <a:solidFill>
+                  <a:srgbClr val="FFFFFF"/>
+                </a:solidFill>
+              </a14:hiddenFill>
+            </a:ext>
+          </a:extLst>
+        </p:spPr>
+      </p:pic>
+      <p:sp>
+        <p:nvSpPr>
+          <p:cNvPr id="8" name="Sinal de Adição 7">
+            <a:extLst>
+              <a:ext uri="{FF2B5EF4-FFF2-40B4-BE49-F238E27FC236}">
+                <a16:creationId xmlns:a16="http://schemas.microsoft.com/office/drawing/2014/main" id="{89317CF7-D83C-5980-45A9-863C64A2BE61}"/>
+              </a:ext>
+            </a:extLst>
+          </p:cNvPr>
+          <p:cNvSpPr>
+            <a:spLocks noChangeAspect="1"/>
+          </p:cNvSpPr>
+          <p:nvPr/>
+        </p:nvSpPr>
+        <p:spPr>
+          <a:xfrm>
+            <a:off x="2198914" y="3535968"/>
+            <a:ext cx="468000" cy="468000"/>
+          </a:xfrm>
+          <a:prstGeom prst="mathPlus">
+            <a:avLst/>
+          </a:prstGeom>
+        </p:spPr>
+        <p:style>
+          <a:lnRef idx="2">
+            <a:schemeClr val="accent1">
+              <a:shade val="15000"/>
+            </a:schemeClr>
+          </a:lnRef>
+          <a:fillRef idx="1">
+            <a:schemeClr val="accent1"/>
+          </a:fillRef>
+          <a:effectRef idx="0">
+            <a:schemeClr val="accent1"/>
+          </a:effectRef>
+          <a:fontRef idx="minor">
+            <a:schemeClr val="lt1"/>
+          </a:fontRef>
+        </p:style>
+        <p:txBody>
+          <a:bodyPr rtlCol="0" anchor="ctr"/>
+          <a:lstStyle/>
+          <a:p>
+            <a:pPr algn="ctr"/>
+            <a:endParaRPr lang="pt-BR"/>
+          </a:p>
+        </p:txBody>
+      </p:sp>
+      <p:sp>
+        <p:nvSpPr>
+          <p:cNvPr id="10" name="Sinal de Adição 9">
+            <a:extLst>
+              <a:ext uri="{FF2B5EF4-FFF2-40B4-BE49-F238E27FC236}">
+                <a16:creationId xmlns:a16="http://schemas.microsoft.com/office/drawing/2014/main" id="{C6DC4B29-EABA-20F7-BB46-C33BEC93E2DD}"/>
+              </a:ext>
+            </a:extLst>
+          </p:cNvPr>
+          <p:cNvSpPr>
+            <a:spLocks noChangeAspect="1"/>
+          </p:cNvSpPr>
+          <p:nvPr/>
+        </p:nvSpPr>
+        <p:spPr>
+          <a:xfrm>
+            <a:off x="5279613" y="3535968"/>
+            <a:ext cx="468000" cy="468000"/>
+          </a:xfrm>
+          <a:prstGeom prst="mathPlus">
+            <a:avLst/>
+          </a:prstGeom>
+        </p:spPr>
+        <p:style>
+          <a:lnRef idx="2">
+            <a:schemeClr val="accent1">
+              <a:shade val="15000"/>
+            </a:schemeClr>
+          </a:lnRef>
+          <a:fillRef idx="1">
+            <a:schemeClr val="accent1"/>
+          </a:fillRef>
+          <a:effectRef idx="0">
+            <a:schemeClr val="accent1"/>
+          </a:effectRef>
+          <a:fontRef idx="minor">
+            <a:schemeClr val="lt1"/>
+          </a:fontRef>
+        </p:style>
+        <p:txBody>
+          <a:bodyPr rtlCol="0" anchor="ctr"/>
+          <a:lstStyle/>
+          <a:p>
+            <a:pPr algn="ctr"/>
+            <a:endParaRPr lang="pt-BR"/>
+          </a:p>
+        </p:txBody>
+      </p:sp>
+      <p:sp>
+        <p:nvSpPr>
+          <p:cNvPr id="11" name="Sinal de Adição 10">
+            <a:extLst>
+              <a:ext uri="{FF2B5EF4-FFF2-40B4-BE49-F238E27FC236}">
+                <a16:creationId xmlns:a16="http://schemas.microsoft.com/office/drawing/2014/main" id="{FF65B64B-136B-DCC4-8A01-509D3D5CD19F}"/>
+              </a:ext>
+            </a:extLst>
+          </p:cNvPr>
+          <p:cNvSpPr>
+            <a:spLocks noChangeAspect="1"/>
+          </p:cNvSpPr>
+          <p:nvPr/>
+        </p:nvSpPr>
+        <p:spPr>
+          <a:xfrm>
+            <a:off x="7968386" y="3533294"/>
+            <a:ext cx="468000" cy="468000"/>
+          </a:xfrm>
+          <a:prstGeom prst="mathPlus">
+            <a:avLst/>
+          </a:prstGeom>
+        </p:spPr>
+        <p:style>
+          <a:lnRef idx="2">
+            <a:schemeClr val="accent1">
+              <a:shade val="15000"/>
+            </a:schemeClr>
+          </a:lnRef>
+          <a:fillRef idx="1">
+            <a:schemeClr val="accent1"/>
+          </a:fillRef>
+          <a:effectRef idx="0">
+            <a:schemeClr val="accent1"/>
+          </a:effectRef>
+          <a:fontRef idx="minor">
+            <a:schemeClr val="lt1"/>
+          </a:fontRef>
+        </p:style>
+        <p:txBody>
+          <a:bodyPr rtlCol="0" anchor="ctr"/>
+          <a:lstStyle/>
+          <a:p>
+            <a:pPr algn="ctr"/>
+            <a:endParaRPr lang="pt-BR"/>
+          </a:p>
+        </p:txBody>
+      </p:sp>
+    </p:spTree>
+    <p:extLst>
+      <p:ext uri="{BB962C8B-B14F-4D97-AF65-F5344CB8AC3E}">
+        <p14:creationId xmlns:p14="http://schemas.microsoft.com/office/powerpoint/2010/main" val="94961935"/>
+      </p:ext>
+    </p:extLst>
+  </p:cSld>
+  <p:clrMapOvr>
+    <a:masterClrMapping/>
+  </p:clrMapOvr>
+</p:sld>
+</file>
+
+<file path=ppt/slides/slide8.xml><?xml version="1.0" encoding="utf-8"?>
+<p:sld xmlns:a="http://schemas.openxmlformats.org/drawingml/2006/main" xmlns:r="http://schemas.openxmlformats.org/officeDocument/2006/relationships" xmlns:p="http://schemas.openxmlformats.org/presentationml/2006/main">
+  <p:cSld>
+    <p:spTree>
+      <p:nvGrpSpPr>
+        <p:cNvPr id="1" name=""/>
+        <p:cNvGrpSpPr/>
+        <p:nvPr/>
+      </p:nvGrpSpPr>
+      <p:grpSpPr>
+        <a:xfrm>
+          <a:off x="0" y="0"/>
+          <a:ext cx="0" cy="0"/>
+          <a:chOff x="0" y="0"/>
+          <a:chExt cx="0" cy="0"/>
+        </a:xfrm>
+      </p:grpSpPr>
+      <p:sp>
+        <p:nvSpPr>
+          <p:cNvPr id="2" name="Título 1">
+            <a:extLst>
+              <a:ext uri="{FF2B5EF4-FFF2-40B4-BE49-F238E27FC236}">
+                <a16:creationId xmlns:a16="http://schemas.microsoft.com/office/drawing/2014/main" id="{2755BD9F-A5F9-C006-2D60-3988AFB742AA}"/>
+              </a:ext>
+            </a:extLst>
+          </p:cNvPr>
+          <p:cNvSpPr>
+            <a:spLocks noGrp="1"/>
+          </p:cNvSpPr>
+          <p:nvPr>
+            <p:ph type="title"/>
+          </p:nvPr>
+        </p:nvSpPr>
+        <p:spPr/>
+        <p:txBody>
+          <a:bodyPr/>
+          <a:lstStyle/>
+          <a:p>
+            <a:r>
+              <a:rPr lang="pt-BR" dirty="0"/>
+              <a:t>Atividades</a:t>
+            </a:r>
+          </a:p>
+        </p:txBody>
+      </p:sp>
+      <p:sp>
+        <p:nvSpPr>
+          <p:cNvPr id="3" name="Espaço Reservado para Conteúdo 2">
+            <a:extLst>
+              <a:ext uri="{FF2B5EF4-FFF2-40B4-BE49-F238E27FC236}">
+                <a16:creationId xmlns:a16="http://schemas.microsoft.com/office/drawing/2014/main" id="{DE398648-3AD3-9986-3010-6210876DC9B1}"/>
+              </a:ext>
+            </a:extLst>
+          </p:cNvPr>
+          <p:cNvSpPr>
+            <a:spLocks noGrp="1"/>
+          </p:cNvSpPr>
+          <p:nvPr>
+            <p:ph idx="1"/>
+          </p:nvPr>
+        </p:nvSpPr>
+        <p:spPr>
+          <a:xfrm>
+            <a:off x="838200" y="1825625"/>
+            <a:ext cx="10849304" cy="4351338"/>
+          </a:xfrm>
+        </p:spPr>
+        <p:txBody>
+          <a:bodyPr/>
+          <a:lstStyle/>
+          <a:p>
+            <a:r>
+              <a:rPr lang="pt-BR" dirty="0"/>
+              <a:t>Quiz: “</a:t>
+            </a:r>
+            <a:r>
+              <a:rPr lang="pt-BR" b="1" i="1" dirty="0"/>
+              <a:t>TP557 – Métricas para análise de classificadores</a:t>
+            </a:r>
+            <a:r>
+              <a:rPr lang="pt-BR" dirty="0"/>
+              <a:t>”.</a:t>
+            </a:r>
+          </a:p>
+          <a:p>
+            <a:r>
+              <a:rPr lang="pt-BR" dirty="0"/>
+              <a:t>Exercício:</a:t>
+            </a:r>
+          </a:p>
+        </p:txBody>
+      </p:sp>
+    </p:spTree>
+    <p:extLst>
+      <p:ext uri="{BB962C8B-B14F-4D97-AF65-F5344CB8AC3E}">
+        <p14:creationId xmlns:p14="http://schemas.microsoft.com/office/powerpoint/2010/main" val="2918520294"/>
+      </p:ext>
+    </p:extLst>
+  </p:cSld>
+  <p:clrMapOvr>
+    <a:masterClrMapping/>
+  </p:clrMapOvr>
+</p:sld>
+</file>
+
+<file path=ppt/slides/slide9.xml><?xml version="1.0" encoding="utf-8"?>
+<p:sld xmlns:a="http://schemas.openxmlformats.org/drawingml/2006/main" xmlns:r="http://schemas.openxmlformats.org/officeDocument/2006/relationships" xmlns:p="http://schemas.openxmlformats.org/presentationml/2006/main">
+  <p:cSld>
+    <p:spTree>
+      <p:nvGrpSpPr>
+        <p:cNvPr id="1" name=""/>
+        <p:cNvGrpSpPr/>
+        <p:nvPr/>
+      </p:nvGrpSpPr>
+      <p:grpSpPr>
+        <a:xfrm>
+          <a:off x="0" y="0"/>
+          <a:ext cx="0" cy="0"/>
+          <a:chOff x="0" y="0"/>
+          <a:chExt cx="0" cy="0"/>
+        </a:xfrm>
+      </p:grpSpPr>
+      <p:sp>
+        <p:nvSpPr>
+          <p:cNvPr id="4" name="Título 1">
+            <a:extLst>
+              <a:ext uri="{FF2B5EF4-FFF2-40B4-BE49-F238E27FC236}">
+                <a16:creationId xmlns:a16="http://schemas.microsoft.com/office/drawing/2014/main" id="{32666AC8-2E17-4DB4-B0F5-60C640CCFD2E}"/>
+              </a:ext>
+            </a:extLst>
+          </p:cNvPr>
+          <p:cNvSpPr txBox="1">
+            <a:spLocks/>
+          </p:cNvSpPr>
+          <p:nvPr/>
+        </p:nvSpPr>
+        <p:spPr>
+          <a:xfrm>
+            <a:off x="1431533" y="2720526"/>
+            <a:ext cx="9144000" cy="1029541"/>
+          </a:xfrm>
+          <a:prstGeom prst="rect">
+            <a:avLst/>
+          </a:prstGeom>
+        </p:spPr>
+        <p:txBody>
+          <a:bodyPr vert="horz" lIns="91440" tIns="45720" rIns="91440" bIns="45720" rtlCol="0" anchor="ctr">
+            <a:normAutofit/>
+          </a:bodyPr>
+          <a:lstStyle>
+            <a:lvl1pPr algn="l" defTabSz="914400" rtl="0" eaLnBrk="1" latinLnBrk="0" hangingPunct="1">
+              <a:lnSpc>
+                <a:spcPct val="90000"/>
+              </a:lnSpc>
+              <a:spcBef>
+                <a:spcPct val="0"/>
+              </a:spcBef>
+              <a:buNone/>
+              <a:defRPr sz="4400" kern="1200">
+                <a:solidFill>
+                  <a:schemeClr val="tx1"/>
+                </a:solidFill>
+                <a:latin typeface="+mj-lt"/>
+                <a:ea typeface="+mj-ea"/>
+                <a:cs typeface="+mj-cs"/>
+              </a:defRPr>
+            </a:lvl1pPr>
+          </a:lstStyle>
+          <a:p>
+            <a:pPr algn="ctr"/>
+            <a:r>
+              <a:rPr lang="pt-BR" sz="6600" dirty="0"/>
+              <a:t>Perguntas?</a:t>
+            </a:r>
+            <a:endParaRPr lang="pt-BR" sz="6600" b="1" i="1" dirty="0"/>
+          </a:p>
+        </p:txBody>
+      </p:sp>
+    </p:spTree>
+    <p:extLst>
+      <p:ext uri="{BB962C8B-B14F-4D97-AF65-F5344CB8AC3E}">
+        <p14:creationId xmlns:p14="http://schemas.microsoft.com/office/powerpoint/2010/main" val="1975981511"/>
       </p:ext>
     </p:extLst>
   </p:cSld>

--- a/slides/TP557_11_Métricas_de_Classificação.pptx
+++ b/slides/TP557_11_Métricas_de_Classificação.pptx
@@ -5,10 +5,10 @@
     <p:sldMasterId id="2147483648" r:id="rId1"/>
   </p:sldMasterIdLst>
   <p:notesMasterIdLst>
-    <p:notesMasterId r:id="rId21"/>
+    <p:notesMasterId r:id="rId22"/>
   </p:notesMasterIdLst>
   <p:handoutMasterIdLst>
-    <p:handoutMasterId r:id="rId22"/>
+    <p:handoutMasterId r:id="rId23"/>
   </p:handoutMasterIdLst>
   <p:sldIdLst>
     <p:sldId id="256" r:id="rId2"/>
@@ -24,12 +24,13 @@
     <p:sldId id="465" r:id="rId12"/>
     <p:sldId id="353" r:id="rId13"/>
     <p:sldId id="463" r:id="rId14"/>
-    <p:sldId id="466" r:id="rId15"/>
-    <p:sldId id="426" r:id="rId16"/>
-    <p:sldId id="405" r:id="rId17"/>
-    <p:sldId id="293" r:id="rId18"/>
-    <p:sldId id="306" r:id="rId19"/>
-    <p:sldId id="455" r:id="rId20"/>
+    <p:sldId id="467" r:id="rId15"/>
+    <p:sldId id="466" r:id="rId16"/>
+    <p:sldId id="426" r:id="rId17"/>
+    <p:sldId id="405" r:id="rId18"/>
+    <p:sldId id="293" r:id="rId19"/>
+    <p:sldId id="306" r:id="rId20"/>
+    <p:sldId id="455" r:id="rId21"/>
   </p:sldIdLst>
   <p:sldSz cx="12192000" cy="6858000"/>
   <p:notesSz cx="7315200" cy="9601200"/>
@@ -1320,7 +1321,7 @@
           <a:p>
             <a:fld id="{6FC8D850-966F-45A6-8DE7-15B891E7D40D}" type="slidenum">
               <a:rPr lang="pt-BR" smtClean="0"/>
-              <a:t>15</a:t>
+              <a:t>16</a:t>
             </a:fld>
             <a:endParaRPr lang="pt-BR"/>
           </a:p>
@@ -1419,7 +1420,7 @@
           <a:p>
             <a:fld id="{6FC8D850-966F-45A6-8DE7-15B891E7D40D}" type="slidenum">
               <a:rPr lang="pt-BR" smtClean="0"/>
-              <a:t>16</a:t>
+              <a:t>17</a:t>
             </a:fld>
             <a:endParaRPr lang="pt-BR"/>
           </a:p>
@@ -4908,8 +4909,8 @@
           <a:chExt cx="0" cy="0"/>
         </a:xfrm>
       </p:grpSpPr>
-      <mc:AlternateContent xmlns:mc="http://schemas.openxmlformats.org/markup-compatibility/2006">
-        <mc:Choice xmlns:a14="http://schemas.microsoft.com/office/drawing/2010/main" Requires="a14">
+      <mc:AlternateContent xmlns:mc="http://schemas.openxmlformats.org/markup-compatibility/2006" xmlns:a14="http://schemas.microsoft.com/office/drawing/2010/main">
+        <mc:Choice Requires="a14">
           <p:sp>
             <p:nvSpPr>
               <p:cNvPr id="2" name="Título 1">
@@ -4959,7 +4960,7 @@
             </p:txBody>
           </p:sp>
         </mc:Choice>
-        <mc:Fallback>
+        <mc:Fallback xmlns="">
           <p:sp>
             <p:nvSpPr>
               <p:cNvPr id="2" name="Título 1">
@@ -4999,8 +5000,8 @@
           </p:sp>
         </mc:Fallback>
       </mc:AlternateContent>
-      <mc:AlternateContent xmlns:mc="http://schemas.openxmlformats.org/markup-compatibility/2006">
-        <mc:Choice xmlns:a14="http://schemas.microsoft.com/office/drawing/2010/main" Requires="a14">
+      <mc:AlternateContent xmlns:mc="http://schemas.openxmlformats.org/markup-compatibility/2006" xmlns:a14="http://schemas.microsoft.com/office/drawing/2010/main">
+        <mc:Choice Requires="a14">
           <p:graphicFrame>
             <p:nvGraphicFramePr>
               <p:cNvPr id="4" name="Table 4">
@@ -6753,7 +6754,7 @@
             </a:graphic>
           </p:graphicFrame>
         </mc:Choice>
-        <mc:Fallback>
+        <mc:Fallback xmlns="">
           <p:graphicFrame>
             <p:nvGraphicFramePr>
               <p:cNvPr id="4" name="Table 4">
@@ -8195,8 +8196,8 @@
           </p:graphicFrame>
         </mc:Fallback>
       </mc:AlternateContent>
-      <mc:AlternateContent xmlns:mc="http://schemas.openxmlformats.org/markup-compatibility/2006">
-        <mc:Choice xmlns:a14="http://schemas.microsoft.com/office/drawing/2010/main" Requires="a14">
+      <mc:AlternateContent xmlns:mc="http://schemas.openxmlformats.org/markup-compatibility/2006" xmlns:a14="http://schemas.microsoft.com/office/drawing/2010/main">
+        <mc:Choice Requires="a14">
           <p:graphicFrame>
             <p:nvGraphicFramePr>
               <p:cNvPr id="5" name="Table 5">
@@ -10013,7 +10014,7 @@
             </a:graphic>
           </p:graphicFrame>
         </mc:Choice>
-        <mc:Fallback>
+        <mc:Fallback xmlns="">
           <p:graphicFrame>
             <p:nvGraphicFramePr>
               <p:cNvPr id="5" name="Table 5">
@@ -11503,8 +11504,8 @@
           </p:graphicFrame>
         </mc:Fallback>
       </mc:AlternateContent>
-      <mc:AlternateContent xmlns:mc="http://schemas.openxmlformats.org/markup-compatibility/2006">
-        <mc:Choice xmlns:a14="http://schemas.microsoft.com/office/drawing/2010/main" Requires="a14">
+      <mc:AlternateContent xmlns:mc="http://schemas.openxmlformats.org/markup-compatibility/2006" xmlns:a14="http://schemas.microsoft.com/office/drawing/2010/main">
+        <mc:Choice Requires="a14">
           <p:sp>
             <p:nvSpPr>
               <p:cNvPr id="6" name="CaixaDeTexto 5">
@@ -11575,7 +11576,7 @@
             </p:txBody>
           </p:sp>
         </mc:Choice>
-        <mc:Fallback>
+        <mc:Fallback xmlns="">
           <p:sp>
             <p:nvSpPr>
               <p:cNvPr id="6" name="CaixaDeTexto 5">
@@ -11620,8 +11621,8 @@
           </p:sp>
         </mc:Fallback>
       </mc:AlternateContent>
-      <mc:AlternateContent xmlns:mc="http://schemas.openxmlformats.org/markup-compatibility/2006">
-        <mc:Choice xmlns:a14="http://schemas.microsoft.com/office/drawing/2010/main" Requires="a14">
+      <mc:AlternateContent xmlns:mc="http://schemas.openxmlformats.org/markup-compatibility/2006" xmlns:a14="http://schemas.microsoft.com/office/drawing/2010/main">
+        <mc:Choice Requires="a14">
           <p:sp>
             <p:nvSpPr>
               <p:cNvPr id="7" name="CaixaDeTexto 6">
@@ -11698,7 +11699,7 @@
             </p:txBody>
           </p:sp>
         </mc:Choice>
-        <mc:Fallback>
+        <mc:Fallback xmlns="">
           <p:sp>
             <p:nvSpPr>
               <p:cNvPr id="7" name="CaixaDeTexto 6">
@@ -11819,14 +11820,23 @@
         </p:nvSpPr>
         <p:spPr>
           <a:xfrm>
-            <a:off x="6175021" y="1825624"/>
-            <a:ext cx="5881511" cy="5032375"/>
+            <a:off x="6784621" y="1825624"/>
+            <a:ext cx="5271911" cy="5032375"/>
           </a:xfrm>
         </p:spPr>
         <p:txBody>
           <a:bodyPr/>
           <a:lstStyle/>
           <a:p>
+            <a:r>
+              <a:rPr lang="pt-BR" dirty="0">
+                <a:solidFill>
+                  <a:srgbClr val="374151"/>
+                </a:solidFill>
+                <a:latin typeface="Söhne"/>
+              </a:rPr>
+              <a:t>Acurácia med</a:t>
+            </a:r>
             <a:r>
               <a:rPr lang="pt-BR" b="0" i="0" dirty="0">
                 <a:solidFill>
@@ -11835,7 +11845,7 @@
                 <a:effectLst/>
                 <a:latin typeface="Söhne"/>
               </a:rPr>
-              <a:t>mede a proporção de exemplos classificados corretamente em relação ao total de exemplos avaliados. </a:t>
+              <a:t>e a proporção de exemplos classificados corretamente em relação ao total de exemplos avaliados. </a:t>
             </a:r>
           </a:p>
           <a:p>
@@ -11847,7 +11857,7 @@
                 <a:effectLst/>
                 <a:latin typeface="Söhne"/>
               </a:rPr>
-              <a:t>Em outras palavras, a acurácia fornece uma indicação de quão bem o modelo está fazendo suas previsões corretas em comparação com todas as previsões feitas.</a:t>
+              <a:t>Em outras palavras, a acurácia fornece uma indicação de quão bem o modelo está fazendo suas predições corretas em comparação com todas as previsões feitas.</a:t>
             </a:r>
             <a:endParaRPr lang="pt-BR" dirty="0"/>
           </a:p>
@@ -11869,8 +11879,8 @@
             </p:nvSpPr>
             <p:spPr>
               <a:xfrm>
-                <a:off x="1332088" y="3124109"/>
-                <a:ext cx="2957690" cy="1318181"/>
+                <a:off x="745067" y="2922836"/>
+                <a:ext cx="5057423" cy="1012328"/>
               </a:xfrm>
               <a:prstGeom prst="rect">
                 <a:avLst/>
@@ -11894,7 +11904,7 @@
                         <m:rPr>
                           <m:sty m:val="p"/>
                         </m:rPr>
-                        <a:rPr lang="pt-BR" sz="2800" smtClean="0">
+                        <a:rPr lang="pt-BR" sz="3200" smtClean="0">
                           <a:latin typeface="Cambria Math" panose="02040503050406030204" pitchFamily="18" charset="0"/>
                         </a:rPr>
                         <m:t>a</m:t>
@@ -11903,13 +11913,13 @@
                         <m:rPr>
                           <m:sty m:val="p"/>
                         </m:rPr>
-                        <a:rPr lang="pt-BR" sz="2800" b="0" i="0" smtClean="0">
+                        <a:rPr lang="pt-BR" sz="3200" b="0" i="0" smtClean="0">
                           <a:latin typeface="Cambria Math" panose="02040503050406030204" pitchFamily="18" charset="0"/>
                         </a:rPr>
                         <m:t>cu</m:t>
                       </m:r>
                       <m:r>
-                        <a:rPr lang="pt-BR" sz="2800" b="0" i="0" smtClean="0">
+                        <a:rPr lang="pt-BR" sz="3200" b="0" i="0" smtClean="0">
                           <a:latin typeface="Cambria Math" panose="02040503050406030204" pitchFamily="18" charset="0"/>
                         </a:rPr>
                         <m:t>á</m:t>
@@ -11918,13 +11928,13 @@
                         <m:rPr>
                           <m:sty m:val="p"/>
                         </m:rPr>
-                        <a:rPr lang="pt-BR" sz="2800" b="0" i="0" smtClean="0">
+                        <a:rPr lang="pt-BR" sz="3200" b="0" i="0" smtClean="0">
                           <a:latin typeface="Cambria Math" panose="02040503050406030204" pitchFamily="18" charset="0"/>
                         </a:rPr>
                         <m:t>cia</m:t>
                       </m:r>
                       <m:r>
-                        <a:rPr lang="pt-BR" sz="2800">
+                        <a:rPr lang="pt-BR" sz="3200">
                           <a:latin typeface="Cambria Math" panose="02040503050406030204" pitchFamily="18" charset="0"/>
                         </a:rPr>
                         <m:t>=</m:t>
@@ -11932,7 +11942,7 @@
                       <m:f>
                         <m:fPr>
                           <m:ctrlPr>
-                            <a:rPr lang="pt-BR" sz="2800" i="1">
+                            <a:rPr lang="pt-BR" sz="3200" i="1">
                               <a:latin typeface="Cambria Math" panose="02040503050406030204" pitchFamily="18" charset="0"/>
                             </a:rPr>
                           </m:ctrlPr>
@@ -11942,13 +11952,13 @@
                             <m:rPr>
                               <m:sty m:val="p"/>
                             </m:rPr>
-                            <a:rPr lang="pt-BR" sz="2800">
+                            <a:rPr lang="pt-BR" sz="3200">
                               <a:latin typeface="Cambria Math" panose="02040503050406030204" pitchFamily="18" charset="0"/>
                             </a:rPr>
                             <m:t>TP</m:t>
                           </m:r>
                           <m:r>
-                            <a:rPr lang="pt-BR" sz="2800">
+                            <a:rPr lang="pt-BR" sz="3200">
                               <a:latin typeface="Cambria Math" panose="02040503050406030204" pitchFamily="18" charset="0"/>
                             </a:rPr>
                             <m:t>+</m:t>
@@ -11957,7 +11967,7 @@
                             <m:rPr>
                               <m:sty m:val="p"/>
                             </m:rPr>
-                            <a:rPr lang="pt-BR" sz="2800">
+                            <a:rPr lang="pt-BR" sz="3200">
                               <a:latin typeface="Cambria Math" panose="02040503050406030204" pitchFamily="18" charset="0"/>
                             </a:rPr>
                             <m:t>TN</m:t>
@@ -11968,49 +11978,49 @@
                             <m:rPr>
                               <m:nor/>
                             </m:rPr>
-                            <a:rPr lang="pt-BR" sz="2800" dirty="0"/>
+                            <a:rPr lang="pt-BR" sz="3200" dirty="0"/>
                             <m:t>TP</m:t>
                           </m:r>
                           <m:r>
                             <m:rPr>
                               <m:nor/>
                             </m:rPr>
-                            <a:rPr lang="pt-BR" sz="2800" dirty="0"/>
+                            <a:rPr lang="pt-BR" sz="3200" dirty="0"/>
                             <m:t> + </m:t>
                           </m:r>
                           <m:r>
                             <m:rPr>
                               <m:nor/>
                             </m:rPr>
-                            <a:rPr lang="pt-BR" sz="2800" dirty="0"/>
+                            <a:rPr lang="pt-BR" sz="3200" dirty="0"/>
                             <m:t>FN</m:t>
                           </m:r>
                           <m:r>
                             <m:rPr>
                               <m:nor/>
                             </m:rPr>
-                            <a:rPr lang="pt-BR" sz="2800" dirty="0"/>
+                            <a:rPr lang="pt-BR" sz="3200" dirty="0"/>
                             <m:t> + </m:t>
                           </m:r>
                           <m:r>
                             <m:rPr>
                               <m:nor/>
                             </m:rPr>
-                            <a:rPr lang="pt-BR" sz="2800" dirty="0"/>
+                            <a:rPr lang="pt-BR" sz="3200" dirty="0"/>
                             <m:t>FP</m:t>
                           </m:r>
                           <m:r>
                             <m:rPr>
                               <m:nor/>
                             </m:rPr>
-                            <a:rPr lang="pt-BR" sz="2800" dirty="0"/>
+                            <a:rPr lang="pt-BR" sz="3200" dirty="0"/>
                             <m:t> + </m:t>
                           </m:r>
                           <m:r>
                             <m:rPr>
                               <m:nor/>
                             </m:rPr>
-                            <a:rPr lang="pt-BR" sz="2800" dirty="0"/>
+                            <a:rPr lang="pt-BR" sz="3200" dirty="0"/>
                             <m:t>TN</m:t>
                           </m:r>
                         </m:den>
@@ -12018,7 +12028,7 @@
                     </m:oMath>
                   </m:oMathPara>
                 </a14:m>
-                <a:endParaRPr lang="pt-BR" sz="2800" dirty="0"/>
+                <a:endParaRPr lang="pt-BR" sz="3200" dirty="0"/>
               </a:p>
             </p:txBody>
           </p:sp>
@@ -12040,8 +12050,8 @@
             </p:nvSpPr>
             <p:spPr>
               <a:xfrm>
-                <a:off x="1332088" y="3124109"/>
-                <a:ext cx="2957690" cy="1318181"/>
+                <a:off x="745067" y="2922836"/>
+                <a:ext cx="5057423" cy="1012328"/>
               </a:xfrm>
               <a:prstGeom prst="rect">
                 <a:avLst/>
@@ -12049,7 +12059,7 @@
               <a:blipFill>
                 <a:blip r:embed="rId3"/>
                 <a:stretch>
-                  <a:fillRect r="-825"/>
+                  <a:fillRect/>
                 </a:stretch>
               </a:blipFill>
             </p:spPr>
@@ -12121,13 +12131,13 @@
           <a:p>
             <a:r>
               <a:rPr lang="pt-BR" dirty="0"/>
-              <a:t>Métricas para avaliação de classificadores</a:t>
+              <a:t>Acurácia</a:t>
             </a:r>
           </a:p>
         </p:txBody>
       </p:sp>
-      <mc:AlternateContent xmlns:mc="http://schemas.openxmlformats.org/markup-compatibility/2006" xmlns:a14="http://schemas.microsoft.com/office/drawing/2010/main">
-        <mc:Choice Requires="a14">
+      <mc:AlternateContent xmlns:mc="http://schemas.openxmlformats.org/markup-compatibility/2006">
+        <mc:Choice xmlns:a14="http://schemas.microsoft.com/office/drawing/2010/main" Requires="a14">
           <p:sp>
             <p:nvSpPr>
               <p:cNvPr id="3" name="Espaço Reservado para Conteúdo 2">
@@ -12155,19 +12165,31 @@
               <a:lstStyle/>
               <a:p>
                 <a:r>
-                  <a:rPr lang="pt-BR" dirty="0"/>
-                  <a:t>A acurácia é, geralmente, nossa primeira escolha para mensurar a qualidade de um classificador.</a:t>
+                  <a:rPr lang="pt-BR" dirty="0">
+                    <a:solidFill>
+                      <a:schemeClr val="tx1"/>
+                    </a:solidFill>
+                  </a:rPr>
+                  <a:t>A acurácia é, geralmente, a primeira escolha para medir a qualidade de um classificador.</a:t>
                 </a:r>
               </a:p>
               <a:p>
                 <a:r>
-                  <a:rPr lang="pt-BR" dirty="0"/>
-                  <a:t>Entretanto, para problemas desbalanceados (i.e., uma classe possui muito mais exemplos do que outra) ela pode nos enganar e levar a concluir que um classificador é muito bom.</a:t>
+                  <a:rPr lang="pt-BR" dirty="0">
+                    <a:solidFill>
+                      <a:schemeClr val="tx1"/>
+                    </a:solidFill>
+                  </a:rPr>
+                  <a:t>Entretanto, ela pode ser enganosa com problemas desbalanceados.</a:t>
                 </a:r>
               </a:p>
               <a:p>
                 <a:r>
-                  <a:rPr lang="pt-BR" dirty="0"/>
+                  <a:rPr lang="pt-BR" dirty="0">
+                    <a:solidFill>
+                      <a:schemeClr val="tx1"/>
+                    </a:solidFill>
+                  </a:rPr>
                   <a:t>Analisando a equação abaixo, o que aconteceria se TP fosse muito maior do que TN, FN e FP?</a:t>
                 </a:r>
               </a:p>
@@ -12185,6 +12207,9 @@
                         <m:funcPr>
                           <m:ctrlPr>
                             <a:rPr lang="pt-BR" i="1" smtClean="0">
+                              <a:solidFill>
+                                <a:schemeClr val="tx1"/>
+                              </a:solidFill>
                               <a:latin typeface="Cambria Math" panose="02040503050406030204" pitchFamily="18" charset="0"/>
                             </a:rPr>
                           </m:ctrlPr>
@@ -12194,6 +12219,9 @@
                             <m:limLowPr>
                               <m:ctrlPr>
                                 <a:rPr lang="pt-BR" i="1" smtClean="0">
+                                  <a:solidFill>
+                                    <a:schemeClr val="tx1"/>
+                                  </a:solidFill>
                                   <a:latin typeface="Cambria Math" panose="02040503050406030204" pitchFamily="18" charset="0"/>
                                 </a:rPr>
                               </m:ctrlPr>
@@ -12204,6 +12232,9 @@
                                   <m:sty m:val="p"/>
                                 </m:rPr>
                                 <a:rPr lang="pt-BR" i="0" smtClean="0">
+                                  <a:solidFill>
+                                    <a:schemeClr val="tx1"/>
+                                  </a:solidFill>
                                   <a:latin typeface="Cambria Math" panose="02040503050406030204" pitchFamily="18" charset="0"/>
                                 </a:rPr>
                                 <m:t>lim</m:t>
@@ -12215,12 +12246,18 @@
                                   <m:sty m:val="p"/>
                                 </m:rPr>
                                 <a:rPr lang="pt-BR" b="0" i="0" smtClean="0">
+                                  <a:solidFill>
+                                    <a:schemeClr val="tx1"/>
+                                  </a:solidFill>
                                   <a:latin typeface="Cambria Math" panose="02040503050406030204" pitchFamily="18" charset="0"/>
                                 </a:rPr>
                                 <m:t>TP</m:t>
                               </m:r>
                               <m:r>
                                 <a:rPr lang="pt-BR" b="0" i="1" smtClean="0">
+                                  <a:solidFill>
+                                    <a:schemeClr val="tx1"/>
+                                  </a:solidFill>
                                   <a:latin typeface="Cambria Math" panose="02040503050406030204" pitchFamily="18" charset="0"/>
                                   <a:ea typeface="Cambria Math" panose="02040503050406030204" pitchFamily="18" charset="0"/>
                                 </a:rPr>
@@ -12230,78 +12267,49 @@
                           </m:limLow>
                         </m:fName>
                         <m:e>
-                          <m:d>
-                            <m:dPr>
-                              <m:begChr m:val="{"/>
-                              <m:endChr m:val="}"/>
-                              <m:ctrlPr>
-                                <a:rPr lang="pt-BR" i="1">
-                                  <a:latin typeface="Cambria Math" panose="02040503050406030204" pitchFamily="18" charset="0"/>
-                                </a:rPr>
-                              </m:ctrlPr>
-                            </m:dPr>
-                            <m:e>
-                              <m:r>
-                                <m:rPr>
-                                  <m:sty m:val="p"/>
-                                </m:rPr>
-                                <a:rPr lang="pt-BR">
-                                  <a:latin typeface="Cambria Math" panose="02040503050406030204" pitchFamily="18" charset="0"/>
-                                </a:rPr>
-                                <m:t>acc</m:t>
-                              </m:r>
-                              <m:d>
-                                <m:dPr>
-                                  <m:ctrlPr>
-                                    <a:rPr lang="pt-BR" i="1">
-                                      <a:latin typeface="Cambria Math" panose="02040503050406030204" pitchFamily="18" charset="0"/>
-                                    </a:rPr>
-                                  </m:ctrlPr>
-                                </m:dPr>
-                                <m:e>
-                                  <m:acc>
-                                    <m:accPr>
-                                      <m:chr m:val="̂"/>
-                                      <m:ctrlPr>
-                                        <a:rPr lang="pt-BR" i="1">
-                                          <a:latin typeface="Cambria Math" panose="02040503050406030204" pitchFamily="18" charset="0"/>
-                                        </a:rPr>
-                                      </m:ctrlPr>
-                                    </m:accPr>
-                                    <m:e>
-                                      <m:r>
-                                        <a:rPr lang="pt-BR">
-                                          <a:latin typeface="Cambria Math" panose="02040503050406030204" pitchFamily="18" charset="0"/>
-                                        </a:rPr>
-                                        <m:t>𝑦</m:t>
-                                      </m:r>
-                                    </m:e>
-                                  </m:acc>
-                                  <m:d>
-                                    <m:dPr>
-                                      <m:ctrlPr>
-                                        <a:rPr lang="pt-BR" i="1">
-                                          <a:latin typeface="Cambria Math" panose="02040503050406030204" pitchFamily="18" charset="0"/>
-                                        </a:rPr>
-                                      </m:ctrlPr>
-                                    </m:dPr>
-                                    <m:e>
-                                      <m:r>
-                                        <a:rPr lang="pt-BR">
-                                          <a:latin typeface="Cambria Math" panose="02040503050406030204" pitchFamily="18" charset="0"/>
-                                        </a:rPr>
-                                        <m:t>𝒙</m:t>
-                                      </m:r>
-                                    </m:e>
-                                  </m:d>
-                                </m:e>
-                              </m:d>
-                            </m:e>
-                          </m:d>
+                          <m:r>
+                            <m:rPr>
+                              <m:sty m:val="p"/>
+                            </m:rPr>
+                            <a:rPr lang="pt-BR" b="0" i="0" smtClean="0">
+                              <a:solidFill>
+                                <a:schemeClr val="tx1"/>
+                              </a:solidFill>
+                              <a:latin typeface="Cambria Math" panose="02040503050406030204" pitchFamily="18" charset="0"/>
+                              <a:ea typeface="Cambria Math" panose="02040503050406030204" pitchFamily="18" charset="0"/>
+                            </a:rPr>
+                            <m:t>acur</m:t>
+                          </m:r>
+                          <m:r>
+                            <a:rPr lang="pt-BR" b="0" i="0" smtClean="0">
+                              <a:solidFill>
+                                <a:schemeClr val="tx1"/>
+                              </a:solidFill>
+                              <a:latin typeface="Cambria Math" panose="02040503050406030204" pitchFamily="18" charset="0"/>
+                              <a:ea typeface="Cambria Math" panose="02040503050406030204" pitchFamily="18" charset="0"/>
+                            </a:rPr>
+                            <m:t>á</m:t>
+                          </m:r>
+                          <m:r>
+                            <m:rPr>
+                              <m:sty m:val="p"/>
+                            </m:rPr>
+                            <a:rPr lang="pt-BR" b="0" i="0" smtClean="0">
+                              <a:solidFill>
+                                <a:schemeClr val="tx1"/>
+                              </a:solidFill>
+                              <a:latin typeface="Cambria Math" panose="02040503050406030204" pitchFamily="18" charset="0"/>
+                              <a:ea typeface="Cambria Math" panose="02040503050406030204" pitchFamily="18" charset="0"/>
+                            </a:rPr>
+                            <m:t>cia</m:t>
+                          </m:r>
                         </m:e>
                       </m:func>
                       <m:r>
                         <a:rPr lang="pt-BR">
+                          <a:solidFill>
+                            <a:schemeClr val="tx1"/>
+                          </a:solidFill>
                           <a:latin typeface="Cambria Math" panose="02040503050406030204" pitchFamily="18" charset="0"/>
                         </a:rPr>
                         <m:t>=</m:t>
@@ -12310,6 +12318,9 @@
                         <m:limLowPr>
                           <m:ctrlPr>
                             <a:rPr lang="pt-BR" i="1">
+                              <a:solidFill>
+                                <a:schemeClr val="tx1"/>
+                              </a:solidFill>
                               <a:latin typeface="Cambria Math" panose="02040503050406030204" pitchFamily="18" charset="0"/>
                             </a:rPr>
                           </m:ctrlPr>
@@ -12320,6 +12331,9 @@
                               <m:sty m:val="p"/>
                             </m:rPr>
                             <a:rPr lang="pt-BR">
+                              <a:solidFill>
+                                <a:schemeClr val="tx1"/>
+                              </a:solidFill>
                               <a:latin typeface="Cambria Math" panose="02040503050406030204" pitchFamily="18" charset="0"/>
                             </a:rPr>
                             <m:t>lim</m:t>
@@ -12331,12 +12345,18 @@
                               <m:sty m:val="p"/>
                             </m:rPr>
                             <a:rPr lang="pt-BR">
+                              <a:solidFill>
+                                <a:schemeClr val="tx1"/>
+                              </a:solidFill>
                               <a:latin typeface="Cambria Math" panose="02040503050406030204" pitchFamily="18" charset="0"/>
                             </a:rPr>
                             <m:t>TP</m:t>
                           </m:r>
                           <m:r>
                             <a:rPr lang="pt-BR" i="1">
+                              <a:solidFill>
+                                <a:schemeClr val="tx1"/>
+                              </a:solidFill>
                               <a:latin typeface="Cambria Math" panose="02040503050406030204" pitchFamily="18" charset="0"/>
                               <a:ea typeface="Cambria Math" panose="02040503050406030204" pitchFamily="18" charset="0"/>
                             </a:rPr>
@@ -12348,6 +12368,9 @@
                         <m:dPr>
                           <m:ctrlPr>
                             <a:rPr lang="pt-BR" i="1" smtClean="0">
+                              <a:solidFill>
+                                <a:schemeClr val="tx1"/>
+                              </a:solidFill>
                               <a:latin typeface="Cambria Math" panose="02040503050406030204" pitchFamily="18" charset="0"/>
                               <a:ea typeface="Cambria Math" panose="02040503050406030204" pitchFamily="18" charset="0"/>
                             </a:rPr>
@@ -12358,6 +12381,9 @@
                             <m:fPr>
                               <m:ctrlPr>
                                 <a:rPr lang="pt-BR" i="1">
+                                  <a:solidFill>
+                                    <a:schemeClr val="tx1"/>
+                                  </a:solidFill>
                                   <a:latin typeface="Cambria Math" panose="02040503050406030204" pitchFamily="18" charset="0"/>
                                 </a:rPr>
                               </m:ctrlPr>
@@ -12368,12 +12394,18 @@
                                   <m:sty m:val="p"/>
                                 </m:rPr>
                                 <a:rPr lang="pt-BR">
+                                  <a:solidFill>
+                                    <a:schemeClr val="tx1"/>
+                                  </a:solidFill>
                                   <a:latin typeface="Cambria Math" panose="02040503050406030204" pitchFamily="18" charset="0"/>
                                 </a:rPr>
                                 <m:t>TP</m:t>
                               </m:r>
                               <m:r>
                                 <a:rPr lang="pt-BR">
+                                  <a:solidFill>
+                                    <a:schemeClr val="tx1"/>
+                                  </a:solidFill>
                                   <a:latin typeface="Cambria Math" panose="02040503050406030204" pitchFamily="18" charset="0"/>
                                 </a:rPr>
                                 <m:t>+</m:t>
@@ -12383,6 +12415,9 @@
                                   <m:sty m:val="p"/>
                                 </m:rPr>
                                 <a:rPr lang="pt-BR">
+                                  <a:solidFill>
+                                    <a:schemeClr val="tx1"/>
+                                  </a:solidFill>
                                   <a:latin typeface="Cambria Math" panose="02040503050406030204" pitchFamily="18" charset="0"/>
                                 </a:rPr>
                                 <m:t>TN</m:t>
@@ -12394,12 +12429,18 @@
                                   <m:sty m:val="p"/>
                                 </m:rPr>
                                 <a:rPr lang="pt-BR">
+                                  <a:solidFill>
+                                    <a:schemeClr val="tx1"/>
+                                  </a:solidFill>
                                   <a:latin typeface="Cambria Math" panose="02040503050406030204" pitchFamily="18" charset="0"/>
                                 </a:rPr>
                                 <m:t>TP</m:t>
                               </m:r>
                               <m:r>
                                 <a:rPr lang="pt-BR">
+                                  <a:solidFill>
+                                    <a:schemeClr val="tx1"/>
+                                  </a:solidFill>
                                   <a:latin typeface="Cambria Math" panose="02040503050406030204" pitchFamily="18" charset="0"/>
                                 </a:rPr>
                                 <m:t>+</m:t>
@@ -12409,12 +12450,18 @@
                                   <m:sty m:val="p"/>
                                 </m:rPr>
                                 <a:rPr lang="pt-BR">
+                                  <a:solidFill>
+                                    <a:schemeClr val="tx1"/>
+                                  </a:solidFill>
                                   <a:latin typeface="Cambria Math" panose="02040503050406030204" pitchFamily="18" charset="0"/>
                                 </a:rPr>
                                 <m:t>TN</m:t>
                               </m:r>
                               <m:r>
                                 <a:rPr lang="pt-BR" i="1">
+                                  <a:solidFill>
+                                    <a:schemeClr val="tx1"/>
+                                  </a:solidFill>
                                   <a:latin typeface="Cambria Math" panose="02040503050406030204" pitchFamily="18" charset="0"/>
                                 </a:rPr>
                                 <m:t>+</m:t>
@@ -12424,12 +12471,18 @@
                                   <m:sty m:val="p"/>
                                 </m:rPr>
                                 <a:rPr lang="pt-BR">
+                                  <a:solidFill>
+                                    <a:schemeClr val="tx1"/>
+                                  </a:solidFill>
                                   <a:latin typeface="Cambria Math" panose="02040503050406030204" pitchFamily="18" charset="0"/>
                                 </a:rPr>
                                 <m:t>FN</m:t>
                               </m:r>
                               <m:r>
                                 <a:rPr lang="pt-BR">
+                                  <a:solidFill>
+                                    <a:schemeClr val="tx1"/>
+                                  </a:solidFill>
                                   <a:latin typeface="Cambria Math" panose="02040503050406030204" pitchFamily="18" charset="0"/>
                                 </a:rPr>
                                 <m:t>+</m:t>
@@ -12439,6 +12492,9 @@
                                   <m:sty m:val="p"/>
                                 </m:rPr>
                                 <a:rPr lang="pt-BR">
+                                  <a:solidFill>
+                                    <a:schemeClr val="tx1"/>
+                                  </a:solidFill>
                                   <a:latin typeface="Cambria Math" panose="02040503050406030204" pitchFamily="18" charset="0"/>
                                 </a:rPr>
                                 <m:t>FP</m:t>
@@ -12449,6 +12505,9 @@
                       </m:d>
                       <m:r>
                         <a:rPr lang="pt-BR" b="0" i="1" smtClean="0">
+                          <a:solidFill>
+                            <a:schemeClr val="tx1"/>
+                          </a:solidFill>
                           <a:latin typeface="Cambria Math" panose="02040503050406030204" pitchFamily="18" charset="0"/>
                           <a:ea typeface="Cambria Math" panose="02040503050406030204" pitchFamily="18" charset="0"/>
                         </a:rPr>
@@ -12458,6 +12517,9 @@
                         <m:fPr>
                           <m:ctrlPr>
                             <a:rPr lang="pt-BR" i="1">
+                              <a:solidFill>
+                                <a:schemeClr val="tx1"/>
+                              </a:solidFill>
                               <a:latin typeface="Cambria Math" panose="02040503050406030204" pitchFamily="18" charset="0"/>
                             </a:rPr>
                           </m:ctrlPr>
@@ -12468,6 +12530,9 @@
                               <m:sty m:val="p"/>
                             </m:rPr>
                             <a:rPr lang="pt-BR">
+                              <a:solidFill>
+                                <a:schemeClr val="tx1"/>
+                              </a:solidFill>
                               <a:latin typeface="Cambria Math" panose="02040503050406030204" pitchFamily="18" charset="0"/>
                             </a:rPr>
                             <m:t>TP</m:t>
@@ -12479,6 +12544,9 @@
                               <m:sty m:val="p"/>
                             </m:rPr>
                             <a:rPr lang="pt-BR">
+                              <a:solidFill>
+                                <a:schemeClr val="tx1"/>
+                              </a:solidFill>
                               <a:latin typeface="Cambria Math" panose="02040503050406030204" pitchFamily="18" charset="0"/>
                             </a:rPr>
                             <m:t>TP</m:t>
@@ -12487,12 +12555,18 @@
                       </m:f>
                       <m:r>
                         <a:rPr lang="pt-BR" b="0" i="1" smtClean="0">
+                          <a:solidFill>
+                            <a:schemeClr val="tx1"/>
+                          </a:solidFill>
                           <a:latin typeface="Cambria Math" panose="02040503050406030204" pitchFamily="18" charset="0"/>
                         </a:rPr>
                         <m:t>=1</m:t>
                       </m:r>
                       <m:r>
                         <a:rPr lang="pt-BR" b="0" i="0" smtClean="0">
+                          <a:solidFill>
+                            <a:schemeClr val="tx1"/>
+                          </a:solidFill>
                           <a:latin typeface="Cambria Math" panose="02040503050406030204" pitchFamily="18" charset="0"/>
                         </a:rPr>
                         <m:t>.</m:t>
@@ -12500,23 +12574,42 @@
                     </m:oMath>
                   </m:oMathPara>
                 </a14:m>
-                <a:endParaRPr lang="pt-BR" dirty="0"/>
+                <a:endParaRPr lang="pt-BR" dirty="0">
+                  <a:solidFill>
+                    <a:schemeClr val="tx1"/>
+                  </a:solidFill>
+                </a:endParaRPr>
               </a:p>
               <a:p>
                 <a:r>
-                  <a:rPr lang="pt-BR" dirty="0"/>
-                  <a:t>Portanto, quando temos classes desbalanceadas, precisamos analisar </a:t>
+                  <a:rPr lang="pt-BR" dirty="0">
+                    <a:solidFill>
+                      <a:schemeClr val="tx1"/>
+                    </a:solidFill>
+                  </a:rPr>
+                  <a:t>Portanto, quando temos classes desbalanceadas, precisamos analisar outras métricas.</a:t>
                 </a:r>
+              </a:p>
+              <a:p>
                 <a:r>
-                  <a:rPr lang="pt-BR"/>
-                  <a:t>outras métricas.</a:t>
+                  <a:rPr lang="pt-BR" b="0" i="0" dirty="0">
+                    <a:solidFill>
+                      <a:schemeClr val="tx1"/>
+                    </a:solidFill>
+                    <a:effectLst/>
+                  </a:rPr>
+                  <a:t>Ela também é enganosa quando os custos de falsos positivos e falsos negativos não são iguais. </a:t>
                 </a:r>
-                <a:endParaRPr lang="pt-BR" dirty="0"/>
+                <a:endParaRPr lang="pt-BR" dirty="0">
+                  <a:solidFill>
+                    <a:schemeClr val="tx1"/>
+                  </a:solidFill>
+                </a:endParaRPr>
               </a:p>
             </p:txBody>
           </p:sp>
         </mc:Choice>
-        <mc:Fallback xmlns="">
+        <mc:Fallback>
           <p:sp>
             <p:nvSpPr>
               <p:cNvPr id="3" name="Espaço Reservado para Conteúdo 2">
@@ -12541,7 +12634,7 @@
               <a:blipFill>
                 <a:blip r:embed="rId2"/>
                 <a:stretch>
-                  <a:fillRect l="-931" t="-1937" r="-1424"/>
+                  <a:fillRect l="-931" t="-1937" b="-1090"/>
                 </a:stretch>
               </a:blipFill>
             </p:spPr>
@@ -12753,8 +12846,8 @@
           </a:p>
         </p:txBody>
       </p:sp>
-      <mc:AlternateContent xmlns:mc="http://schemas.openxmlformats.org/markup-compatibility/2006">
-        <mc:Choice xmlns:a14="http://schemas.microsoft.com/office/drawing/2010/main" Requires="a14">
+      <mc:AlternateContent xmlns:mc="http://schemas.openxmlformats.org/markup-compatibility/2006" xmlns:a14="http://schemas.microsoft.com/office/drawing/2010/main">
+        <mc:Choice Requires="a14">
           <p:sp>
             <p:nvSpPr>
               <p:cNvPr id="5" name="CaixaDeTexto 4">
@@ -12874,7 +12967,7 @@
             </p:txBody>
           </p:sp>
         </mc:Choice>
-        <mc:Fallback>
+        <mc:Fallback xmlns="">
           <p:sp>
             <p:nvSpPr>
               <p:cNvPr id="5" name="CaixaDeTexto 4">
@@ -12949,6 +13042,185 @@
           <a:chExt cx="0" cy="0"/>
         </a:xfrm>
       </p:grpSpPr>
+      <p:pic>
+        <p:nvPicPr>
+          <p:cNvPr id="7" name="Imagem 6">
+            <a:extLst>
+              <a:ext uri="{FF2B5EF4-FFF2-40B4-BE49-F238E27FC236}">
+                <a16:creationId xmlns:a16="http://schemas.microsoft.com/office/drawing/2014/main" id="{14579231-CDC0-4129-D205-4BDE39FC21E4}"/>
+              </a:ext>
+            </a:extLst>
+          </p:cNvPr>
+          <p:cNvPicPr>
+            <a:picLocks noChangeAspect="1"/>
+          </p:cNvPicPr>
+          <p:nvPr/>
+        </p:nvPicPr>
+        <p:blipFill rotWithShape="1">
+          <a:blip r:embed="rId2"/>
+          <a:srcRect l="61461" b="64351"/>
+          <a:stretch/>
+        </p:blipFill>
+        <p:spPr>
+          <a:xfrm>
+            <a:off x="3192726" y="1690688"/>
+            <a:ext cx="1670227" cy="1640064"/>
+          </a:xfrm>
+          <a:prstGeom prst="rect">
+            <a:avLst/>
+          </a:prstGeom>
+        </p:spPr>
+      </p:pic>
+      <p:sp>
+        <p:nvSpPr>
+          <p:cNvPr id="2" name="Título 1">
+            <a:extLst>
+              <a:ext uri="{FF2B5EF4-FFF2-40B4-BE49-F238E27FC236}">
+                <a16:creationId xmlns:a16="http://schemas.microsoft.com/office/drawing/2014/main" id="{590B334C-A137-4A06-16FE-C1F844A00FDF}"/>
+              </a:ext>
+            </a:extLst>
+          </p:cNvPr>
+          <p:cNvSpPr>
+            <a:spLocks noGrp="1"/>
+          </p:cNvSpPr>
+          <p:nvPr>
+            <p:ph type="title"/>
+          </p:nvPr>
+        </p:nvSpPr>
+        <p:spPr/>
+        <p:txBody>
+          <a:bodyPr/>
+          <a:lstStyle/>
+          <a:p>
+            <a:r>
+              <a:rPr lang="pt-BR" dirty="0"/>
+              <a:t>Acurácia versus precisão</a:t>
+            </a:r>
+          </a:p>
+        </p:txBody>
+      </p:sp>
+      <p:sp>
+        <p:nvSpPr>
+          <p:cNvPr id="3" name="Espaço Reservado para Conteúdo 2">
+            <a:extLst>
+              <a:ext uri="{FF2B5EF4-FFF2-40B4-BE49-F238E27FC236}">
+                <a16:creationId xmlns:a16="http://schemas.microsoft.com/office/drawing/2014/main" id="{C923E3C8-FD6F-D020-0B8C-C878248F5087}"/>
+              </a:ext>
+            </a:extLst>
+          </p:cNvPr>
+          <p:cNvSpPr>
+            <a:spLocks noGrp="1"/>
+          </p:cNvSpPr>
+          <p:nvPr>
+            <p:ph idx="1"/>
+          </p:nvPr>
+        </p:nvSpPr>
+        <p:spPr>
+          <a:xfrm>
+            <a:off x="8748888" y="1870780"/>
+            <a:ext cx="3307645" cy="4987219"/>
+          </a:xfrm>
+        </p:spPr>
+        <p:txBody>
+          <a:bodyPr/>
+          <a:lstStyle/>
+          <a:p>
+            <a:r>
+              <a:rPr lang="pt-BR" dirty="0"/>
+              <a:t>a</a:t>
+            </a:r>
+          </a:p>
+        </p:txBody>
+      </p:sp>
+      <p:pic>
+        <p:nvPicPr>
+          <p:cNvPr id="5" name="Imagem 4">
+            <a:extLst>
+              <a:ext uri="{FF2B5EF4-FFF2-40B4-BE49-F238E27FC236}">
+                <a16:creationId xmlns:a16="http://schemas.microsoft.com/office/drawing/2014/main" id="{4969115B-78D4-E423-2E17-276B4BCA74AC}"/>
+              </a:ext>
+            </a:extLst>
+          </p:cNvPr>
+          <p:cNvPicPr>
+            <a:picLocks noChangeAspect="1"/>
+          </p:cNvPicPr>
+          <p:nvPr/>
+        </p:nvPicPr>
+        <p:blipFill rotWithShape="1">
+          <a:blip r:embed="rId2"/>
+          <a:srcRect r="61461" b="62215"/>
+          <a:stretch/>
+        </p:blipFill>
+        <p:spPr>
+          <a:xfrm>
+            <a:off x="1118129" y="1690689"/>
+            <a:ext cx="1670227" cy="1738312"/>
+          </a:xfrm>
+          <a:prstGeom prst="rect">
+            <a:avLst/>
+          </a:prstGeom>
+        </p:spPr>
+      </p:pic>
+      <p:pic>
+        <p:nvPicPr>
+          <p:cNvPr id="6" name="Imagem 5">
+            <a:extLst>
+              <a:ext uri="{FF2B5EF4-FFF2-40B4-BE49-F238E27FC236}">
+                <a16:creationId xmlns:a16="http://schemas.microsoft.com/office/drawing/2014/main" id="{1105FD9E-3557-3B69-EB3A-DF750AD189FA}"/>
+              </a:ext>
+            </a:extLst>
+          </p:cNvPr>
+          <p:cNvPicPr>
+            <a:picLocks noChangeAspect="1"/>
+          </p:cNvPicPr>
+          <p:nvPr/>
+        </p:nvPicPr>
+        <p:blipFill>
+          <a:blip r:embed="rId2"/>
+          <a:stretch>
+            <a:fillRect/>
+          </a:stretch>
+        </p:blipFill>
+        <p:spPr>
+          <a:xfrm>
+            <a:off x="838200" y="1690688"/>
+            <a:ext cx="4333875" cy="4600575"/>
+          </a:xfrm>
+          <a:prstGeom prst="rect">
+            <a:avLst/>
+          </a:prstGeom>
+        </p:spPr>
+      </p:pic>
+    </p:spTree>
+    <p:extLst>
+      <p:ext uri="{BB962C8B-B14F-4D97-AF65-F5344CB8AC3E}">
+        <p14:creationId xmlns:p14="http://schemas.microsoft.com/office/powerpoint/2010/main" val="842427918"/>
+      </p:ext>
+    </p:extLst>
+  </p:cSld>
+  <p:clrMapOvr>
+    <a:masterClrMapping/>
+  </p:clrMapOvr>
+</p:sld>
+</file>
+
+<file path=ppt/slides/slide15.xml><?xml version="1.0" encoding="utf-8"?>
+<p:sld xmlns:a="http://schemas.openxmlformats.org/drawingml/2006/main" xmlns:r="http://schemas.openxmlformats.org/officeDocument/2006/relationships" xmlns:p="http://schemas.openxmlformats.org/presentationml/2006/main">
+  <p:cSld>
+    <p:spTree>
+      <p:nvGrpSpPr>
+        <p:cNvPr id="1" name=""/>
+        <p:cNvGrpSpPr/>
+        <p:nvPr/>
+      </p:nvGrpSpPr>
+      <p:grpSpPr>
+        <a:xfrm>
+          <a:off x="0" y="0"/>
+          <a:ext cx="0" cy="0"/>
+          <a:chOff x="0" y="0"/>
+          <a:chExt cx="0" cy="0"/>
+        </a:xfrm>
+      </p:grpSpPr>
       <p:sp>
         <p:nvSpPr>
           <p:cNvPr id="2" name="Título 1">
@@ -12995,13 +13267,13 @@
         </p:nvSpPr>
         <p:spPr>
           <a:xfrm>
-            <a:off x="5079999" y="1825624"/>
-            <a:ext cx="6976535" cy="5032375"/>
+            <a:off x="4730045" y="1825624"/>
+            <a:ext cx="7326490" cy="5032375"/>
           </a:xfrm>
         </p:spPr>
         <p:txBody>
           <a:bodyPr>
-            <a:normAutofit fontScale="92500" lnSpcReduction="10000"/>
+            <a:normAutofit lnSpcReduction="10000"/>
           </a:bodyPr>
           <a:lstStyle/>
           <a:p>
@@ -13025,15 +13297,7 @@
           <a:p>
             <a:r>
               <a:rPr lang="pt-BR" dirty="0"/>
-              <a:t>O </a:t>
-            </a:r>
-            <a:r>
-              <a:rPr lang="pt-BR" b="1" i="1" dirty="0"/>
-              <a:t>recall</a:t>
-            </a:r>
-            <a:r>
-              <a:rPr lang="pt-BR" dirty="0"/>
-              <a:t> é uma boa medida para determinar a qualidade de um classificador quando houver um alto custo associado a </a:t>
+              <a:t>É uma boa medida para determinar a qualidade de um classificador quando houver um alto custo associado a </a:t>
             </a:r>
             <a:r>
               <a:rPr lang="pt-BR" b="1" i="1" dirty="0"/>
@@ -13096,8 +13360,8 @@
             </p:nvSpPr>
             <p:spPr>
               <a:xfrm>
-                <a:off x="993421" y="3429000"/>
-                <a:ext cx="2912533" cy="1503617"/>
+                <a:off x="838200" y="2917738"/>
+                <a:ext cx="3194756" cy="1022524"/>
               </a:xfrm>
               <a:prstGeom prst="rect">
                 <a:avLst/>
@@ -13203,8 +13467,8 @@
             </p:nvSpPr>
             <p:spPr>
               <a:xfrm>
-                <a:off x="993421" y="3429000"/>
-                <a:ext cx="2912533" cy="1503617"/>
+                <a:off x="838200" y="2917738"/>
+                <a:ext cx="3194756" cy="1022524"/>
               </a:xfrm>
               <a:prstGeom prst="rect">
                 <a:avLst/>
@@ -13244,7 +13508,7 @@
 </p:sld>
 </file>
 
-<file path=ppt/slides/slide15.xml><?xml version="1.0" encoding="utf-8"?>
+<file path=ppt/slides/slide16.xml><?xml version="1.0" encoding="utf-8"?>
 <p:sld xmlns:a="http://schemas.openxmlformats.org/drawingml/2006/main" xmlns:r="http://schemas.openxmlformats.org/officeDocument/2006/relationships" xmlns:p="http://schemas.openxmlformats.org/presentationml/2006/main">
   <p:cSld>
     <p:spTree>
@@ -13663,7 +13927,7 @@
 </p:sld>
 </file>
 
-<file path=ppt/slides/slide16.xml><?xml version="1.0" encoding="utf-8"?>
+<file path=ppt/slides/slide17.xml><?xml version="1.0" encoding="utf-8"?>
 <p:sld xmlns:a="http://schemas.openxmlformats.org/drawingml/2006/main" xmlns:r="http://schemas.openxmlformats.org/officeDocument/2006/relationships" xmlns:p="http://schemas.openxmlformats.org/presentationml/2006/main">
   <p:cSld>
     <p:spTree>
@@ -13768,7 +14032,7 @@
 </p:sld>
 </file>
 
-<file path=ppt/slides/slide17.xml><?xml version="1.0" encoding="utf-8"?>
+<file path=ppt/slides/slide18.xml><?xml version="1.0" encoding="utf-8"?>
 <p:sld xmlns:a="http://schemas.openxmlformats.org/drawingml/2006/main" xmlns:r="http://schemas.openxmlformats.org/officeDocument/2006/relationships" xmlns:p="http://schemas.openxmlformats.org/presentationml/2006/main">
   <p:cSld>
     <p:spTree>
@@ -13854,7 +14118,7 @@
 </p:sld>
 </file>
 
-<file path=ppt/slides/slide18.xml><?xml version="1.0" encoding="utf-8"?>
+<file path=ppt/slides/slide19.xml><?xml version="1.0" encoding="utf-8"?>
 <p:sld xmlns:a="http://schemas.openxmlformats.org/drawingml/2006/main" xmlns:r="http://schemas.openxmlformats.org/officeDocument/2006/relationships" xmlns:p="http://schemas.openxmlformats.org/presentationml/2006/main">
   <p:cSld>
     <p:spTree>
@@ -13940,7 +14204,124 @@
 </p:sld>
 </file>
 
-<file path=ppt/slides/slide19.xml><?xml version="1.0" encoding="utf-8"?>
+<file path=ppt/slides/slide2.xml><?xml version="1.0" encoding="utf-8"?>
+<p:sld xmlns:a="http://schemas.openxmlformats.org/drawingml/2006/main" xmlns:r="http://schemas.openxmlformats.org/officeDocument/2006/relationships" xmlns:p="http://schemas.openxmlformats.org/presentationml/2006/main">
+  <p:cSld>
+    <p:spTree>
+      <p:nvGrpSpPr>
+        <p:cNvPr id="1" name=""/>
+        <p:cNvGrpSpPr/>
+        <p:nvPr/>
+      </p:nvGrpSpPr>
+      <p:grpSpPr>
+        <a:xfrm>
+          <a:off x="0" y="0"/>
+          <a:ext cx="0" cy="0"/>
+          <a:chOff x="0" y="0"/>
+          <a:chExt cx="0" cy="0"/>
+        </a:xfrm>
+      </p:grpSpPr>
+      <p:sp>
+        <p:nvSpPr>
+          <p:cNvPr id="2" name="Título 1">
+            <a:extLst>
+              <a:ext uri="{FF2B5EF4-FFF2-40B4-BE49-F238E27FC236}">
+                <a16:creationId xmlns:a16="http://schemas.microsoft.com/office/drawing/2014/main" id="{EECB3FED-5D1A-7084-5333-A3B2FA75F608}"/>
+              </a:ext>
+            </a:extLst>
+          </p:cNvPr>
+          <p:cNvSpPr>
+            <a:spLocks noGrp="1"/>
+          </p:cNvSpPr>
+          <p:nvPr>
+            <p:ph type="title"/>
+          </p:nvPr>
+        </p:nvSpPr>
+        <p:spPr/>
+        <p:txBody>
+          <a:bodyPr/>
+          <a:lstStyle/>
+          <a:p>
+            <a:r>
+              <a:rPr lang="pt-BR" dirty="0"/>
+              <a:t>O que vamos ver?</a:t>
+            </a:r>
+          </a:p>
+        </p:txBody>
+      </p:sp>
+      <p:sp>
+        <p:nvSpPr>
+          <p:cNvPr id="3" name="Espaço Reservado para Conteúdo 2">
+            <a:extLst>
+              <a:ext uri="{FF2B5EF4-FFF2-40B4-BE49-F238E27FC236}">
+                <a16:creationId xmlns:a16="http://schemas.microsoft.com/office/drawing/2014/main" id="{25FE7774-7186-A846-D8DE-518B2CBF4EBD}"/>
+              </a:ext>
+            </a:extLst>
+          </p:cNvPr>
+          <p:cNvSpPr>
+            <a:spLocks noGrp="1"/>
+          </p:cNvSpPr>
+          <p:nvPr>
+            <p:ph idx="1"/>
+          </p:nvPr>
+        </p:nvSpPr>
+        <p:spPr>
+          <a:xfrm>
+            <a:off x="838200" y="1825624"/>
+            <a:ext cx="11035938" cy="5032376"/>
+          </a:xfrm>
+        </p:spPr>
+        <p:txBody>
+          <a:bodyPr>
+            <a:normAutofit/>
+          </a:bodyPr>
+          <a:lstStyle/>
+          <a:p>
+            <a:r>
+              <a:rPr lang="pt-BR" dirty="0"/>
+              <a:t>Anteriormente, discutimos problemas que podemos nos deparar quando trabalhando com modelos de ML: subajuste e sobreajuste. </a:t>
+            </a:r>
+          </a:p>
+          <a:p>
+            <a:r>
+              <a:rPr lang="pt-BR" dirty="0"/>
+              <a:t>Vimos como a divisão do conjunto total de amostras em conjuntos de treinamento, validação e teste pode nos ajudar a analisar o desempenho de um modelo de ML e entender se o modelo está subajustando, sobreajustando ou generalizando.</a:t>
+            </a:r>
+          </a:p>
+          <a:p>
+            <a:r>
+              <a:rPr lang="pt-BR" dirty="0"/>
+              <a:t>Para fazer esta análise do desempenho de um classificador, usamos apenas a acurácia. </a:t>
+            </a:r>
+          </a:p>
+          <a:p>
+            <a:r>
+              <a:rPr lang="pt-BR" dirty="0"/>
+              <a:t>Porém, existem outras métricas que devem ser usadas para se medir a qualidade de um classificador.</a:t>
+            </a:r>
+          </a:p>
+          <a:p>
+            <a:r>
+              <a:rPr lang="pt-BR" dirty="0"/>
+              <a:t>Neste tópico, veremos algumas outras métricas.</a:t>
+            </a:r>
+          </a:p>
+        </p:txBody>
+      </p:sp>
+    </p:spTree>
+    <p:extLst>
+      <p:ext uri="{BB962C8B-B14F-4D97-AF65-F5344CB8AC3E}">
+        <p14:creationId xmlns:p14="http://schemas.microsoft.com/office/powerpoint/2010/main" val="529739951"/>
+      </p:ext>
+    </p:extLst>
+  </p:cSld>
+  <p:clrMapOvr>
+    <a:masterClrMapping/>
+  </p:clrMapOvr>
+</p:sld>
+</file>
+
+<file path=ppt/slides/slide20.xml><?xml version="1.0" encoding="utf-8"?>
 <p:sld xmlns:a="http://schemas.openxmlformats.org/drawingml/2006/main" xmlns:r="http://schemas.openxmlformats.org/officeDocument/2006/relationships" xmlns:p="http://schemas.openxmlformats.org/presentationml/2006/main">
   <p:cSld>
     <p:spTree>
@@ -19490,123 +19871,6 @@
 </p:sld>
 </file>
 
-<file path=ppt/slides/slide2.xml><?xml version="1.0" encoding="utf-8"?>
-<p:sld xmlns:a="http://schemas.openxmlformats.org/drawingml/2006/main" xmlns:r="http://schemas.openxmlformats.org/officeDocument/2006/relationships" xmlns:p="http://schemas.openxmlformats.org/presentationml/2006/main">
-  <p:cSld>
-    <p:spTree>
-      <p:nvGrpSpPr>
-        <p:cNvPr id="1" name=""/>
-        <p:cNvGrpSpPr/>
-        <p:nvPr/>
-      </p:nvGrpSpPr>
-      <p:grpSpPr>
-        <a:xfrm>
-          <a:off x="0" y="0"/>
-          <a:ext cx="0" cy="0"/>
-          <a:chOff x="0" y="0"/>
-          <a:chExt cx="0" cy="0"/>
-        </a:xfrm>
-      </p:grpSpPr>
-      <p:sp>
-        <p:nvSpPr>
-          <p:cNvPr id="2" name="Título 1">
-            <a:extLst>
-              <a:ext uri="{FF2B5EF4-FFF2-40B4-BE49-F238E27FC236}">
-                <a16:creationId xmlns:a16="http://schemas.microsoft.com/office/drawing/2014/main" id="{EECB3FED-5D1A-7084-5333-A3B2FA75F608}"/>
-              </a:ext>
-            </a:extLst>
-          </p:cNvPr>
-          <p:cNvSpPr>
-            <a:spLocks noGrp="1"/>
-          </p:cNvSpPr>
-          <p:nvPr>
-            <p:ph type="title"/>
-          </p:nvPr>
-        </p:nvSpPr>
-        <p:spPr/>
-        <p:txBody>
-          <a:bodyPr/>
-          <a:lstStyle/>
-          <a:p>
-            <a:r>
-              <a:rPr lang="pt-BR" dirty="0"/>
-              <a:t>O que vamos ver?</a:t>
-            </a:r>
-          </a:p>
-        </p:txBody>
-      </p:sp>
-      <p:sp>
-        <p:nvSpPr>
-          <p:cNvPr id="3" name="Espaço Reservado para Conteúdo 2">
-            <a:extLst>
-              <a:ext uri="{FF2B5EF4-FFF2-40B4-BE49-F238E27FC236}">
-                <a16:creationId xmlns:a16="http://schemas.microsoft.com/office/drawing/2014/main" id="{25FE7774-7186-A846-D8DE-518B2CBF4EBD}"/>
-              </a:ext>
-            </a:extLst>
-          </p:cNvPr>
-          <p:cNvSpPr>
-            <a:spLocks noGrp="1"/>
-          </p:cNvSpPr>
-          <p:nvPr>
-            <p:ph idx="1"/>
-          </p:nvPr>
-        </p:nvSpPr>
-        <p:spPr>
-          <a:xfrm>
-            <a:off x="838200" y="1825624"/>
-            <a:ext cx="11035938" cy="5032376"/>
-          </a:xfrm>
-        </p:spPr>
-        <p:txBody>
-          <a:bodyPr>
-            <a:normAutofit/>
-          </a:bodyPr>
-          <a:lstStyle/>
-          <a:p>
-            <a:r>
-              <a:rPr lang="pt-BR" dirty="0"/>
-              <a:t>Anteriormente, discutimos problemas que podemos nos deparar quando trabalhando com modelos de ML: subajuste e sobreajuste. </a:t>
-            </a:r>
-          </a:p>
-          <a:p>
-            <a:r>
-              <a:rPr lang="pt-BR" dirty="0"/>
-              <a:t>Vimos como a divisão do conjunto total de amostras em conjuntos de treinamento, validação e teste pode nos ajudar a analisar o desempenho de um modelo de ML e entender se o modelo está subajustando, sobreajustando ou generalizando.</a:t>
-            </a:r>
-          </a:p>
-          <a:p>
-            <a:r>
-              <a:rPr lang="pt-BR" dirty="0"/>
-              <a:t>Para fazer esta análise do desempenho de um classificador, usamos apenas a acurácia. </a:t>
-            </a:r>
-          </a:p>
-          <a:p>
-            <a:r>
-              <a:rPr lang="pt-BR" dirty="0"/>
-              <a:t>Porém, existem outras métricas que devem ser usadas para se medir a qualidade de um classificador.</a:t>
-            </a:r>
-          </a:p>
-          <a:p>
-            <a:r>
-              <a:rPr lang="pt-BR" dirty="0"/>
-              <a:t>Neste tópico, veremos algumas outras métricas.</a:t>
-            </a:r>
-          </a:p>
-        </p:txBody>
-      </p:sp>
-    </p:spTree>
-    <p:extLst>
-      <p:ext uri="{BB962C8B-B14F-4D97-AF65-F5344CB8AC3E}">
-        <p14:creationId xmlns:p14="http://schemas.microsoft.com/office/powerpoint/2010/main" val="529739951"/>
-      </p:ext>
-    </p:extLst>
-  </p:cSld>
-  <p:clrMapOvr>
-    <a:masterClrMapping/>
-  </p:clrMapOvr>
-</p:sld>
-</file>
-
 <file path=ppt/slides/slide3.xml><?xml version="1.0" encoding="utf-8"?>
 <p:sld xmlns:a="http://schemas.openxmlformats.org/drawingml/2006/main" xmlns:r="http://schemas.openxmlformats.org/officeDocument/2006/relationships" xmlns:p="http://schemas.openxmlformats.org/presentationml/2006/main">
   <p:cSld>
@@ -22262,8 +22526,8 @@
           </a:p>
         </p:txBody>
       </p:sp>
-      <mc:AlternateContent xmlns:mc="http://schemas.openxmlformats.org/markup-compatibility/2006">
-        <mc:Choice xmlns:a14="http://schemas.microsoft.com/office/drawing/2010/main" Requires="a14">
+      <mc:AlternateContent xmlns:mc="http://schemas.openxmlformats.org/markup-compatibility/2006" xmlns:a14="http://schemas.microsoft.com/office/drawing/2010/main">
+        <mc:Choice Requires="a14">
           <p:sp>
             <p:nvSpPr>
               <p:cNvPr id="12" name="Rectangle 9">
@@ -22377,7 +22641,7 @@
             </p:txBody>
           </p:sp>
         </mc:Choice>
-        <mc:Fallback>
+        <mc:Fallback xmlns="">
           <p:sp>
             <p:nvSpPr>
               <p:cNvPr id="12" name="Rectangle 9">
@@ -22452,8 +22716,8 @@
           <a:chExt cx="0" cy="0"/>
         </a:xfrm>
       </p:grpSpPr>
-      <mc:AlternateContent xmlns:mc="http://schemas.openxmlformats.org/markup-compatibility/2006">
-        <mc:Choice xmlns:a14="http://schemas.microsoft.com/office/drawing/2010/main" Requires="a14">
+      <mc:AlternateContent xmlns:mc="http://schemas.openxmlformats.org/markup-compatibility/2006" xmlns:a14="http://schemas.microsoft.com/office/drawing/2010/main">
+        <mc:Choice Requires="a14">
           <p:sp>
             <p:nvSpPr>
               <p:cNvPr id="2" name="Título 1">
@@ -22503,7 +22767,7 @@
             </p:txBody>
           </p:sp>
         </mc:Choice>
-        <mc:Fallback>
+        <mc:Fallback xmlns="">
           <p:sp>
             <p:nvSpPr>
               <p:cNvPr id="2" name="Título 1">
@@ -22543,8 +22807,8 @@
           </p:sp>
         </mc:Fallback>
       </mc:AlternateContent>
-      <mc:AlternateContent xmlns:mc="http://schemas.openxmlformats.org/markup-compatibility/2006">
-        <mc:Choice xmlns:a14="http://schemas.microsoft.com/office/drawing/2010/main" Requires="a14">
+      <mc:AlternateContent xmlns:mc="http://schemas.openxmlformats.org/markup-compatibility/2006" xmlns:a14="http://schemas.microsoft.com/office/drawing/2010/main">
+        <mc:Choice Requires="a14">
           <p:sp>
             <p:nvSpPr>
               <p:cNvPr id="3" name="Espaço Reservado para Conteúdo 2">
@@ -22681,7 +22945,7 @@
             </p:txBody>
           </p:sp>
         </mc:Choice>
-        <mc:Fallback>
+        <mc:Fallback xmlns="">
           <p:sp>
             <p:nvSpPr>
               <p:cNvPr id="3" name="Espaço Reservado para Conteúdo 2">
@@ -23240,8 +23504,8 @@
           </a:p>
         </p:txBody>
       </p:sp>
-      <mc:AlternateContent xmlns:mc="http://schemas.openxmlformats.org/markup-compatibility/2006">
-        <mc:Choice xmlns:a14="http://schemas.microsoft.com/office/drawing/2010/main" Requires="a14">
+      <mc:AlternateContent xmlns:mc="http://schemas.openxmlformats.org/markup-compatibility/2006" xmlns:a14="http://schemas.microsoft.com/office/drawing/2010/main">
+        <mc:Choice Requires="a14">
           <p:sp>
             <p:nvSpPr>
               <p:cNvPr id="11" name="CaixaDeTexto 10">
@@ -23322,7 +23586,7 @@
             </p:txBody>
           </p:sp>
         </mc:Choice>
-        <mc:Fallback>
+        <mc:Fallback xmlns="">
           <p:sp>
             <p:nvSpPr>
               <p:cNvPr id="11" name="CaixaDeTexto 10">
@@ -23367,8 +23631,8 @@
           </p:sp>
         </mc:Fallback>
       </mc:AlternateContent>
-      <mc:AlternateContent xmlns:mc="http://schemas.openxmlformats.org/markup-compatibility/2006">
-        <mc:Choice xmlns:a14="http://schemas.microsoft.com/office/drawing/2010/main" Requires="a14">
+      <mc:AlternateContent xmlns:mc="http://schemas.openxmlformats.org/markup-compatibility/2006" xmlns:a14="http://schemas.microsoft.com/office/drawing/2010/main">
+        <mc:Choice Requires="a14">
           <p:sp>
             <p:nvSpPr>
               <p:cNvPr id="12" name="CaixaDeTexto 11">
@@ -23453,7 +23717,7 @@
             </p:txBody>
           </p:sp>
         </mc:Choice>
-        <mc:Fallback>
+        <mc:Fallback xmlns="">
           <p:sp>
             <p:nvSpPr>
               <p:cNvPr id="12" name="CaixaDeTexto 11">
@@ -23498,8 +23762,8 @@
           </p:sp>
         </mc:Fallback>
       </mc:AlternateContent>
-      <mc:AlternateContent xmlns:mc="http://schemas.openxmlformats.org/markup-compatibility/2006">
-        <mc:Choice xmlns:a14="http://schemas.microsoft.com/office/drawing/2010/main" Requires="a14">
+      <mc:AlternateContent xmlns:mc="http://schemas.openxmlformats.org/markup-compatibility/2006" xmlns:a14="http://schemas.microsoft.com/office/drawing/2010/main">
+        <mc:Choice Requires="a14">
           <p:sp>
             <p:nvSpPr>
               <p:cNvPr id="13" name="CaixaDeTexto 12">
@@ -23580,7 +23844,7 @@
             </p:txBody>
           </p:sp>
         </mc:Choice>
-        <mc:Fallback>
+        <mc:Fallback xmlns="">
           <p:sp>
             <p:nvSpPr>
               <p:cNvPr id="13" name="CaixaDeTexto 12">
@@ -23625,8 +23889,8 @@
           </p:sp>
         </mc:Fallback>
       </mc:AlternateContent>
-      <mc:AlternateContent xmlns:mc="http://schemas.openxmlformats.org/markup-compatibility/2006">
-        <mc:Choice xmlns:a14="http://schemas.microsoft.com/office/drawing/2010/main" Requires="a14">
+      <mc:AlternateContent xmlns:mc="http://schemas.openxmlformats.org/markup-compatibility/2006" xmlns:a14="http://schemas.microsoft.com/office/drawing/2010/main">
+        <mc:Choice Requires="a14">
           <p:sp>
             <p:nvSpPr>
               <p:cNvPr id="14" name="CaixaDeTexto 13">
@@ -23711,7 +23975,7 @@
             </p:txBody>
           </p:sp>
         </mc:Choice>
-        <mc:Fallback>
+        <mc:Fallback xmlns="">
           <p:sp>
             <p:nvSpPr>
               <p:cNvPr id="14" name="CaixaDeTexto 13">
@@ -24450,8 +24714,8 @@
           <a:chExt cx="0" cy="0"/>
         </a:xfrm>
       </p:grpSpPr>
-      <mc:AlternateContent xmlns:mc="http://schemas.openxmlformats.org/markup-compatibility/2006">
-        <mc:Choice xmlns:a14="http://schemas.microsoft.com/office/drawing/2010/main" Requires="a14">
+      <mc:AlternateContent xmlns:mc="http://schemas.openxmlformats.org/markup-compatibility/2006" xmlns:a14="http://schemas.microsoft.com/office/drawing/2010/main">
+        <mc:Choice Requires="a14">
           <p:sp>
             <p:nvSpPr>
               <p:cNvPr id="2" name="Título 1">
@@ -24494,13 +24758,7 @@
                       <a:rPr lang="pt-BR" b="0" i="1" smtClean="0">
                         <a:latin typeface="Cambria Math" panose="02040503050406030204" pitchFamily="18" charset="0"/>
                       </a:rPr>
-                      <m:t>&gt;</m:t>
-                    </m:r>
-                    <m:r>
-                      <a:rPr lang="pt-BR" b="0" i="1" smtClean="0">
-                        <a:latin typeface="Cambria Math" panose="02040503050406030204" pitchFamily="18" charset="0"/>
-                      </a:rPr>
-                      <m:t>2</m:t>
+                      <m:t>&gt;2</m:t>
                     </m:r>
                   </m:oMath>
                 </a14:m>
@@ -24512,7 +24770,7 @@
             </p:txBody>
           </p:sp>
         </mc:Choice>
-        <mc:Fallback>
+        <mc:Fallback xmlns="">
           <p:sp>
             <p:nvSpPr>
               <p:cNvPr id="2" name="Título 1">
@@ -24556,8 +24814,8 @@
           </p:sp>
         </mc:Fallback>
       </mc:AlternateContent>
-      <mc:AlternateContent xmlns:mc="http://schemas.openxmlformats.org/markup-compatibility/2006">
-        <mc:Choice xmlns:a14="http://schemas.microsoft.com/office/drawing/2010/main" Requires="a14">
+      <mc:AlternateContent xmlns:mc="http://schemas.openxmlformats.org/markup-compatibility/2006" xmlns:a14="http://schemas.microsoft.com/office/drawing/2010/main">
+        <mc:Choice Requires="a14">
           <p:sp>
             <p:nvSpPr>
               <p:cNvPr id="3" name="Espaço Reservado para Conteúdo 2">
@@ -24756,7 +25014,7 @@
             </p:txBody>
           </p:sp>
         </mc:Choice>
-        <mc:Fallback>
+        <mc:Fallback xmlns="">
           <p:sp>
             <p:nvSpPr>
               <p:cNvPr id="3" name="Espaço Reservado para Conteúdo 2">
@@ -24800,8 +25058,8 @@
           </p:sp>
         </mc:Fallback>
       </mc:AlternateContent>
-      <mc:AlternateContent xmlns:mc="http://schemas.openxmlformats.org/markup-compatibility/2006">
-        <mc:Choice xmlns:a14="http://schemas.microsoft.com/office/drawing/2010/main" Requires="a14">
+      <mc:AlternateContent xmlns:mc="http://schemas.openxmlformats.org/markup-compatibility/2006" xmlns:a14="http://schemas.microsoft.com/office/drawing/2010/main">
+        <mc:Choice Requires="a14">
           <p:graphicFrame>
             <p:nvGraphicFramePr>
               <p:cNvPr id="4" name="Table 3">
@@ -26407,7 +26665,7 @@
             </a:graphic>
           </p:graphicFrame>
         </mc:Choice>
-        <mc:Fallback>
+        <mc:Fallback xmlns="">
           <p:graphicFrame>
             <p:nvGraphicFramePr>
               <p:cNvPr id="4" name="Table 3">
@@ -27753,8 +28011,8 @@
           </p:graphicFrame>
         </mc:Fallback>
       </mc:AlternateContent>
-      <mc:AlternateContent xmlns:mc="http://schemas.openxmlformats.org/markup-compatibility/2006">
-        <mc:Choice xmlns:a14="http://schemas.microsoft.com/office/drawing/2010/main" Requires="a14">
+      <mc:AlternateContent xmlns:mc="http://schemas.openxmlformats.org/markup-compatibility/2006" xmlns:a14="http://schemas.microsoft.com/office/drawing/2010/main">
+        <mc:Choice Requires="a14">
           <p:sp>
             <p:nvSpPr>
               <p:cNvPr id="5" name="CaixaDeTexto 4">
@@ -27825,7 +28083,7 @@
             </p:txBody>
           </p:sp>
         </mc:Choice>
-        <mc:Fallback>
+        <mc:Fallback xmlns="">
           <p:sp>
             <p:nvSpPr>
               <p:cNvPr id="5" name="CaixaDeTexto 4">
